--- a/materials/slides/1-3 函数与事件处理.pptx
+++ b/materials/slides/1-3 函数与事件处理.pptx
@@ -5,7 +5,7 @@
     <p:sldMasterId id="2147483765" r:id="rId1"/>
   </p:sldMasterIdLst>
   <p:notesMasterIdLst>
-    <p:notesMasterId r:id="rId41"/>
+    <p:notesMasterId r:id="rId40"/>
   </p:notesMasterIdLst>
   <p:sldIdLst>
     <p:sldId id="773" r:id="rId2"/>
@@ -17,36 +17,35 @@
     <p:sldId id="873" r:id="rId8"/>
     <p:sldId id="911" r:id="rId9"/>
     <p:sldId id="918" r:id="rId10"/>
-    <p:sldId id="919" r:id="rId11"/>
-    <p:sldId id="907" r:id="rId12"/>
-    <p:sldId id="908" r:id="rId13"/>
-    <p:sldId id="875" r:id="rId14"/>
-    <p:sldId id="912" r:id="rId15"/>
-    <p:sldId id="893" r:id="rId16"/>
-    <p:sldId id="894" r:id="rId17"/>
-    <p:sldId id="895" r:id="rId18"/>
-    <p:sldId id="896" r:id="rId19"/>
-    <p:sldId id="913" r:id="rId20"/>
-    <p:sldId id="897" r:id="rId21"/>
-    <p:sldId id="898" r:id="rId22"/>
-    <p:sldId id="899" r:id="rId23"/>
-    <p:sldId id="900" r:id="rId24"/>
-    <p:sldId id="902" r:id="rId25"/>
-    <p:sldId id="901" r:id="rId26"/>
-    <p:sldId id="906" r:id="rId27"/>
-    <p:sldId id="914" r:id="rId28"/>
-    <p:sldId id="903" r:id="rId29"/>
-    <p:sldId id="878" r:id="rId30"/>
-    <p:sldId id="920" r:id="rId31"/>
-    <p:sldId id="909" r:id="rId32"/>
-    <p:sldId id="880" r:id="rId33"/>
-    <p:sldId id="881" r:id="rId34"/>
-    <p:sldId id="882" r:id="rId35"/>
-    <p:sldId id="883" r:id="rId36"/>
-    <p:sldId id="884" r:id="rId37"/>
-    <p:sldId id="917" r:id="rId38"/>
-    <p:sldId id="891" r:id="rId39"/>
-    <p:sldId id="794" r:id="rId40"/>
+    <p:sldId id="907" r:id="rId11"/>
+    <p:sldId id="908" r:id="rId12"/>
+    <p:sldId id="875" r:id="rId13"/>
+    <p:sldId id="912" r:id="rId14"/>
+    <p:sldId id="893" r:id="rId15"/>
+    <p:sldId id="894" r:id="rId16"/>
+    <p:sldId id="895" r:id="rId17"/>
+    <p:sldId id="896" r:id="rId18"/>
+    <p:sldId id="913" r:id="rId19"/>
+    <p:sldId id="897" r:id="rId20"/>
+    <p:sldId id="898" r:id="rId21"/>
+    <p:sldId id="899" r:id="rId22"/>
+    <p:sldId id="900" r:id="rId23"/>
+    <p:sldId id="902" r:id="rId24"/>
+    <p:sldId id="901" r:id="rId25"/>
+    <p:sldId id="906" r:id="rId26"/>
+    <p:sldId id="914" r:id="rId27"/>
+    <p:sldId id="903" r:id="rId28"/>
+    <p:sldId id="878" r:id="rId29"/>
+    <p:sldId id="920" r:id="rId30"/>
+    <p:sldId id="909" r:id="rId31"/>
+    <p:sldId id="880" r:id="rId32"/>
+    <p:sldId id="881" r:id="rId33"/>
+    <p:sldId id="882" r:id="rId34"/>
+    <p:sldId id="883" r:id="rId35"/>
+    <p:sldId id="884" r:id="rId36"/>
+    <p:sldId id="917" r:id="rId37"/>
+    <p:sldId id="891" r:id="rId38"/>
+    <p:sldId id="794" r:id="rId39"/>
   </p:sldIdLst>
   <p:sldSz cx="12192000" cy="6858000"/>
   <p:notesSz cx="6797675" cy="9928225"/>
@@ -177,7 +176,7 @@
   </p:defaultTextStyle>
   <p:extLst>
     <p:ext uri="{EFAFB233-063F-42B5-8137-9DF3F51BA10A}">
-      <p15:sldGuideLst xmlns:p15="http://schemas.microsoft.com/office/powerpoint/2012/main" xmlns="">
+      <p15:sldGuideLst xmlns="" xmlns:p15="http://schemas.microsoft.com/office/powerpoint/2012/main">
         <p15:guide id="1" orient="horz" pos="1584" userDrawn="1">
           <p15:clr>
             <a:srgbClr val="A4A3A4"/>
@@ -196,7 +195,7 @@
       </p15:sldGuideLst>
     </p:ext>
     <p:ext uri="{2D200454-40CA-4A62-9FC3-DE9A4176ACB9}">
-      <p15:notesGuideLst xmlns:p15="http://schemas.microsoft.com/office/powerpoint/2012/main" xmlns="">
+      <p15:notesGuideLst xmlns="" xmlns:p15="http://schemas.microsoft.com/office/powerpoint/2012/main">
         <p15:guide id="1" orient="horz" pos="3127">
           <p15:clr>
             <a:srgbClr val="A4A3A4"/>
@@ -811,8 +810,17 @@
           <a:p>
             <a:r>
               <a:rPr lang="zh-CN" altLang="en-US" dirty="0" smtClean="0"/>
-              <a:t>当函数当做另外一个函数的参数时，此函数称为回调函数。主要思想是把运算过程尽量写成一系列嵌套的函数调用。</a:t>
-            </a:r>
+              <a:t>形参：在定义函数时设置函数的参数。目的是用来接收调用该函数时传进的参数。</a:t>
+            </a:r>
+            <a:endParaRPr lang="en-US" altLang="zh-CN" dirty="0" smtClean="0"/>
+          </a:p>
+          <a:p>
+            <a:r>
+              <a:rPr lang="zh-CN" altLang="en-US" dirty="0" smtClean="0"/>
+              <a:t>实参：在调用函数时传递给函数的参数。实参可以是常量、变量、表达式、函数等。</a:t>
+            </a:r>
+          </a:p>
+          <a:p>
             <a:endParaRPr lang="zh-CN" altLang="en-US" dirty="0"/>
           </a:p>
         </p:txBody>
@@ -835,7 +843,7 @@
             <a:fld id="{D9AFD278-84AA-4CAA-9049-809825956FE0}" type="slidenum">
               <a:rPr lang="en-US" altLang="zh-CN" smtClean="0"/>
               <a:pPr/>
-              <a:t>13</a:t>
+              <a:t>15</a:t>
             </a:fld>
             <a:endParaRPr lang="zh-CN" altLang="zh-CN"/>
           </a:p>
@@ -844,7 +852,7 @@
     </p:spTree>
     <p:extLst>
       <p:ext uri="{BB962C8B-B14F-4D97-AF65-F5344CB8AC3E}">
-        <p14:creationId xmlns:p14="http://schemas.microsoft.com/office/powerpoint/2010/main" val="833963160"/>
+        <p14:creationId xmlns:p14="http://schemas.microsoft.com/office/powerpoint/2010/main" val="2530310019"/>
       </p:ext>
     </p:extLst>
   </p:cSld>
@@ -900,15 +908,118 @@
           <a:p>
             <a:r>
               <a:rPr lang="zh-CN" altLang="en-US" dirty="0" smtClean="0"/>
-              <a:t>形参：在定义函数时设置函数的参数。目的是用来接收调用该函数时传进的参数。</a:t>
-            </a:r>
-            <a:endParaRPr lang="en-US" altLang="zh-CN" dirty="0" smtClean="0"/>
+              <a:t>实参数量少于形参</a:t>
+            </a:r>
           </a:p>
           <a:p>
             <a:r>
               <a:rPr lang="zh-CN" altLang="en-US" dirty="0" smtClean="0"/>
-              <a:t>实参：在调用函数时传递给函数的参数。实参可以是常量、变量、表达式、函数等。</a:t>
-            </a:r>
+              <a:t>缺失的形参都会被赋予</a:t>
+            </a:r>
+            <a:r>
+              <a:rPr lang="en-US" altLang="zh-CN" dirty="0" smtClean="0"/>
+              <a:t>undefined</a:t>
+            </a:r>
+            <a:r>
+              <a:rPr lang="zh-CN" altLang="en-US" dirty="0" smtClean="0"/>
+              <a:t>的值。</a:t>
+            </a:r>
+          </a:p>
+          <a:p>
+            <a:r>
+              <a:rPr lang="zh-CN" altLang="en-US" dirty="0" smtClean="0"/>
+              <a:t>实参数量多于形参</a:t>
+            </a:r>
+          </a:p>
+          <a:p>
+            <a:r>
+              <a:rPr lang="zh-CN" altLang="en-US" dirty="0" smtClean="0"/>
+              <a:t>多余的参数是会被忽略的，但是能在类数组的</a:t>
+            </a:r>
+            <a:r>
+              <a:rPr lang="en-US" altLang="zh-CN" dirty="0" smtClean="0"/>
+              <a:t>arguments</a:t>
+            </a:r>
+            <a:r>
+              <a:rPr lang="zh-CN" altLang="en-US" dirty="0" smtClean="0"/>
+              <a:t>中被获取到。</a:t>
+            </a:r>
+          </a:p>
+          <a:p>
+            <a:pPr marL="0" marR="0" lvl="1" indent="0" algn="l" defTabSz="914400" rtl="0" eaLnBrk="0" fontAlgn="base" latinLnBrk="0" hangingPunct="0">
+              <a:lnSpc>
+                <a:spcPct val="100000"/>
+              </a:lnSpc>
+              <a:spcBef>
+                <a:spcPct val="30000"/>
+              </a:spcBef>
+              <a:spcAft>
+                <a:spcPct val="0"/>
+              </a:spcAft>
+              <a:buClrTx/>
+              <a:buSzTx/>
+              <a:buFontTx/>
+              <a:buNone/>
+              <a:tabLst/>
+              <a:defRPr/>
+            </a:pPr>
+            <a:r>
+              <a:rPr kumimoji="0" lang="en-US" altLang="zh-CN" sz="2400" dirty="0" smtClean="0">
+                <a:solidFill>
+                  <a:srgbClr val="000000"/>
+                </a:solidFill>
+                <a:latin typeface="微软雅黑" panose="020B0503020204020204" pitchFamily="34" charset="-122"/>
+                <a:ea typeface="微软雅黑" panose="020B0503020204020204" pitchFamily="34" charset="-122"/>
+              </a:rPr>
+              <a:t>arguments</a:t>
+            </a:r>
+            <a:r>
+              <a:rPr lang="zh-CN" altLang="en-US" sz="2400" dirty="0" smtClean="0">
+                <a:solidFill>
+                  <a:srgbClr val="000000"/>
+                </a:solidFill>
+                <a:latin typeface="微软雅黑" panose="020B0503020204020204" pitchFamily="34" charset="-122"/>
+                <a:ea typeface="微软雅黑" panose="020B0503020204020204" pitchFamily="34" charset="-122"/>
+              </a:rPr>
+              <a:t>变量</a:t>
+            </a:r>
+            <a:r>
+              <a:rPr kumimoji="0" lang="zh-CN" altLang="en-US" sz="2400" dirty="0" smtClean="0">
+                <a:solidFill>
+                  <a:srgbClr val="000000"/>
+                </a:solidFill>
+                <a:latin typeface="微软雅黑" panose="020B0503020204020204" pitchFamily="34" charset="-122"/>
+                <a:ea typeface="微软雅黑" panose="020B0503020204020204" pitchFamily="34" charset="-122"/>
+              </a:rPr>
+              <a:t>是函数内部的内置变量，只存在于函数中，是一个类数组的对象，包含了当前函数调用的所有</a:t>
+            </a:r>
+            <a:r>
+              <a:rPr lang="zh-CN" altLang="en-US" sz="2400" dirty="0" smtClean="0">
+                <a:solidFill>
+                  <a:srgbClr val="000000"/>
+                </a:solidFill>
+                <a:latin typeface="微软雅黑" panose="020B0503020204020204" pitchFamily="34" charset="-122"/>
+                <a:ea typeface="微软雅黑" panose="020B0503020204020204" pitchFamily="34" charset="-122"/>
+              </a:rPr>
+              <a:t>实参。</a:t>
+            </a:r>
+            <a:r>
+              <a:rPr lang="zh-CN" altLang="en-US" sz="2400" dirty="0" smtClean="0">
+                <a:solidFill>
+                  <a:srgbClr val="C00000"/>
+                </a:solidFill>
+                <a:latin typeface="微软雅黑" panose="020B0503020204020204" pitchFamily="34" charset="-122"/>
+                <a:ea typeface="微软雅黑" panose="020B0503020204020204" pitchFamily="34" charset="-122"/>
+              </a:rPr>
+              <a:t>实现函数的参数数量可变。</a:t>
+            </a:r>
+            <a:endParaRPr lang="en-US" altLang="zh-CN" sz="2400" dirty="0" smtClean="0">
+              <a:solidFill>
+                <a:srgbClr val="C00000"/>
+              </a:solidFill>
+              <a:latin typeface="微软雅黑" panose="020B0503020204020204" pitchFamily="34" charset="-122"/>
+              <a:ea typeface="微软雅黑" panose="020B0503020204020204" pitchFamily="34" charset="-122"/>
+            </a:endParaRPr>
           </a:p>
           <a:p>
             <a:endParaRPr lang="zh-CN" altLang="en-US" dirty="0"/>
@@ -933,7 +1044,7 @@
             <a:fld id="{D9AFD278-84AA-4CAA-9049-809825956FE0}" type="slidenum">
               <a:rPr lang="en-US" altLang="zh-CN" smtClean="0"/>
               <a:pPr/>
-              <a:t>16</a:t>
+              <a:t>18</a:t>
             </a:fld>
             <a:endParaRPr lang="zh-CN" altLang="zh-CN"/>
           </a:p>
@@ -942,7 +1053,7 @@
     </p:spTree>
     <p:extLst>
       <p:ext uri="{BB962C8B-B14F-4D97-AF65-F5344CB8AC3E}">
-        <p14:creationId xmlns:p14="http://schemas.microsoft.com/office/powerpoint/2010/main" val="2530310019"/>
+        <p14:creationId xmlns:p14="http://schemas.microsoft.com/office/powerpoint/2010/main" val="3255081612"/>
       </p:ext>
     </p:extLst>
   </p:cSld>
@@ -996,47 +1107,7 @@
           <a:bodyPr/>
           <a:lstStyle/>
           <a:p>
-            <a:r>
-              <a:rPr lang="zh-CN" altLang="en-US" dirty="0" smtClean="0"/>
-              <a:t>实参数量少于形参</a:t>
-            </a:r>
-          </a:p>
-          <a:p>
-            <a:r>
-              <a:rPr lang="zh-CN" altLang="en-US" dirty="0" smtClean="0"/>
-              <a:t>缺失的形参都会被赋予</a:t>
-            </a:r>
-            <a:r>
-              <a:rPr lang="en-US" altLang="zh-CN" dirty="0" smtClean="0"/>
-              <a:t>undefined</a:t>
-            </a:r>
-            <a:r>
-              <a:rPr lang="zh-CN" altLang="en-US" dirty="0" smtClean="0"/>
-              <a:t>的值。</a:t>
-            </a:r>
-          </a:p>
-          <a:p>
-            <a:r>
-              <a:rPr lang="zh-CN" altLang="en-US" dirty="0" smtClean="0"/>
-              <a:t>实参数量多于形参</a:t>
-            </a:r>
-          </a:p>
-          <a:p>
-            <a:r>
-              <a:rPr lang="zh-CN" altLang="en-US" dirty="0" smtClean="0"/>
-              <a:t>多余的参数是会被忽略的，但是能在类数组的</a:t>
-            </a:r>
-            <a:r>
-              <a:rPr lang="en-US" altLang="zh-CN" dirty="0" smtClean="0"/>
-              <a:t>arguments</a:t>
-            </a:r>
-            <a:r>
-              <a:rPr lang="zh-CN" altLang="en-US" dirty="0" smtClean="0"/>
-              <a:t>中被获取到。</a:t>
-            </a:r>
-          </a:p>
-          <a:p>
-            <a:pPr marL="0" marR="0" lvl="1" indent="0" algn="l" defTabSz="914400" rtl="0" eaLnBrk="0" fontAlgn="base" latinLnBrk="0" hangingPunct="0">
+            <a:pPr marL="0" marR="0" indent="0" algn="l" defTabSz="914400" rtl="0" eaLnBrk="0" fontAlgn="base" latinLnBrk="0" hangingPunct="0">
               <a:lnSpc>
                 <a:spcPct val="100000"/>
               </a:lnSpc>
@@ -1054,62 +1125,9 @@
               <a:defRPr/>
             </a:pPr>
             <a:r>
-              <a:rPr kumimoji="0" lang="en-US" altLang="zh-CN" sz="2400" dirty="0" smtClean="0">
-                <a:solidFill>
-                  <a:srgbClr val="000000"/>
-                </a:solidFill>
-                <a:latin typeface="微软雅黑" panose="020B0503020204020204" pitchFamily="34" charset="-122"/>
-                <a:ea typeface="微软雅黑" panose="020B0503020204020204" pitchFamily="34" charset="-122"/>
-              </a:rPr>
-              <a:t>arguments</a:t>
-            </a:r>
-            <a:r>
-              <a:rPr lang="zh-CN" altLang="en-US" sz="2400" dirty="0" smtClean="0">
-                <a:solidFill>
-                  <a:srgbClr val="000000"/>
-                </a:solidFill>
-                <a:latin typeface="微软雅黑" panose="020B0503020204020204" pitchFamily="34" charset="-122"/>
-                <a:ea typeface="微软雅黑" panose="020B0503020204020204" pitchFamily="34" charset="-122"/>
-              </a:rPr>
-              <a:t>变量</a:t>
-            </a:r>
-            <a:r>
-              <a:rPr kumimoji="0" lang="zh-CN" altLang="en-US" sz="2400" dirty="0" smtClean="0">
-                <a:solidFill>
-                  <a:srgbClr val="000000"/>
-                </a:solidFill>
-                <a:latin typeface="微软雅黑" panose="020B0503020204020204" pitchFamily="34" charset="-122"/>
-                <a:ea typeface="微软雅黑" panose="020B0503020204020204" pitchFamily="34" charset="-122"/>
-              </a:rPr>
-              <a:t>是函数内部的内置变量，只存在于函数中，是一个类数组的对象，包含了当前函数调用的所有</a:t>
-            </a:r>
-            <a:r>
-              <a:rPr lang="zh-CN" altLang="en-US" sz="2400" dirty="0" smtClean="0">
-                <a:solidFill>
-                  <a:srgbClr val="000000"/>
-                </a:solidFill>
-                <a:latin typeface="微软雅黑" panose="020B0503020204020204" pitchFamily="34" charset="-122"/>
-                <a:ea typeface="微软雅黑" panose="020B0503020204020204" pitchFamily="34" charset="-122"/>
-              </a:rPr>
-              <a:t>实参。</a:t>
-            </a:r>
-            <a:r>
-              <a:rPr lang="zh-CN" altLang="en-US" sz="2400" dirty="0" smtClean="0">
-                <a:solidFill>
-                  <a:srgbClr val="C00000"/>
-                </a:solidFill>
-                <a:latin typeface="微软雅黑" panose="020B0503020204020204" pitchFamily="34" charset="-122"/>
-                <a:ea typeface="微软雅黑" panose="020B0503020204020204" pitchFamily="34" charset="-122"/>
-              </a:rPr>
-              <a:t>实现函数的参数数量可变。</a:t>
-            </a:r>
-            <a:endParaRPr lang="en-US" altLang="zh-CN" sz="2400" dirty="0" smtClean="0">
-              <a:solidFill>
-                <a:srgbClr val="C00000"/>
-              </a:solidFill>
-              <a:latin typeface="微软雅黑" panose="020B0503020204020204" pitchFamily="34" charset="-122"/>
-              <a:ea typeface="微软雅黑" panose="020B0503020204020204" pitchFamily="34" charset="-122"/>
-            </a:endParaRPr>
+              <a:rPr lang="zh-CN" altLang="en-US" dirty="0" smtClean="0"/>
+              <a:t>此例子是把函数的返回值赋给了变量。也可以赋值给对象属性或数组元素。</a:t>
+            </a:r>
           </a:p>
           <a:p>
             <a:endParaRPr lang="zh-CN" altLang="en-US" dirty="0"/>
@@ -1134,115 +1152,7 @@
             <a:fld id="{D9AFD278-84AA-4CAA-9049-809825956FE0}" type="slidenum">
               <a:rPr lang="en-US" altLang="zh-CN" smtClean="0"/>
               <a:pPr/>
-              <a:t>19</a:t>
-            </a:fld>
-            <a:endParaRPr lang="zh-CN" altLang="zh-CN"/>
-          </a:p>
-        </p:txBody>
-      </p:sp>
-    </p:spTree>
-    <p:extLst>
-      <p:ext uri="{BB962C8B-B14F-4D97-AF65-F5344CB8AC3E}">
-        <p14:creationId xmlns:p14="http://schemas.microsoft.com/office/powerpoint/2010/main" val="3255081612"/>
-      </p:ext>
-    </p:extLst>
-  </p:cSld>
-  <p:clrMapOvr>
-    <a:masterClrMapping/>
-  </p:clrMapOvr>
-</p:notes>
-</file>
-
-<file path=ppt/notesSlides/notesSlide13.xml><?xml version="1.0" encoding="utf-8"?>
-<p:notes xmlns:a="http://schemas.openxmlformats.org/drawingml/2006/main" xmlns:r="http://schemas.openxmlformats.org/officeDocument/2006/relationships" xmlns:p="http://schemas.openxmlformats.org/presentationml/2006/main">
-  <p:cSld>
-    <p:spTree>
-      <p:nvGrpSpPr>
-        <p:cNvPr id="1" name=""/>
-        <p:cNvGrpSpPr/>
-        <p:nvPr/>
-      </p:nvGrpSpPr>
-      <p:grpSpPr>
-        <a:xfrm>
-          <a:off x="0" y="0"/>
-          <a:ext cx="0" cy="0"/>
-          <a:chOff x="0" y="0"/>
-          <a:chExt cx="0" cy="0"/>
-        </a:xfrm>
-      </p:grpSpPr>
-      <p:sp>
-        <p:nvSpPr>
-          <p:cNvPr id="2" name="幻灯片图像占位符 1"/>
-          <p:cNvSpPr>
-            <a:spLocks noGrp="1" noRot="1" noChangeAspect="1"/>
-          </p:cNvSpPr>
-          <p:nvPr>
-            <p:ph type="sldImg"/>
-          </p:nvPr>
-        </p:nvSpPr>
-        <p:spPr/>
-      </p:sp>
-      <p:sp>
-        <p:nvSpPr>
-          <p:cNvPr id="3" name="备注占位符 2"/>
-          <p:cNvSpPr>
-            <a:spLocks noGrp="1"/>
-          </p:cNvSpPr>
-          <p:nvPr>
-            <p:ph type="body" idx="1"/>
-          </p:nvPr>
-        </p:nvSpPr>
-        <p:spPr/>
-        <p:txBody>
-          <a:bodyPr/>
-          <a:lstStyle/>
-          <a:p>
-            <a:pPr marL="0" marR="0" indent="0" algn="l" defTabSz="914400" rtl="0" eaLnBrk="0" fontAlgn="base" latinLnBrk="0" hangingPunct="0">
-              <a:lnSpc>
-                <a:spcPct val="100000"/>
-              </a:lnSpc>
-              <a:spcBef>
-                <a:spcPct val="30000"/>
-              </a:spcBef>
-              <a:spcAft>
-                <a:spcPct val="0"/>
-              </a:spcAft>
-              <a:buClrTx/>
-              <a:buSzTx/>
-              <a:buFontTx/>
-              <a:buNone/>
-              <a:tabLst/>
-              <a:defRPr/>
-            </a:pPr>
-            <a:r>
-              <a:rPr lang="zh-CN" altLang="en-US" dirty="0" smtClean="0"/>
-              <a:t>此例子是把函数的返回值赋给了变量。也可以赋值给对象属性或数组元素。</a:t>
-            </a:r>
-          </a:p>
-          <a:p>
-            <a:endParaRPr lang="zh-CN" altLang="en-US" dirty="0"/>
-          </a:p>
-        </p:txBody>
-      </p:sp>
-      <p:sp>
-        <p:nvSpPr>
-          <p:cNvPr id="4" name="灯片编号占位符 3"/>
-          <p:cNvSpPr>
-            <a:spLocks noGrp="1"/>
-          </p:cNvSpPr>
-          <p:nvPr>
-            <p:ph type="sldNum" sz="quarter" idx="10"/>
-          </p:nvPr>
-        </p:nvSpPr>
-        <p:spPr/>
-        <p:txBody>
-          <a:bodyPr/>
-          <a:lstStyle/>
-          <a:p>
-            <a:fld id="{D9AFD278-84AA-4CAA-9049-809825956FE0}" type="slidenum">
-              <a:rPr lang="en-US" altLang="zh-CN" smtClean="0"/>
-              <a:pPr/>
-              <a:t>21</a:t>
+              <a:t>20</a:t>
             </a:fld>
             <a:endParaRPr lang="zh-CN" altLang="zh-CN"/>
           </a:p>
@@ -1261,7 +1171,7 @@
 </p:notes>
 </file>
 
-<file path=ppt/notesSlides/notesSlide14.xml><?xml version="1.0" encoding="utf-8"?>
+<file path=ppt/notesSlides/notesSlide13.xml><?xml version="1.0" encoding="utf-8"?>
 <p:notes xmlns:a="http://schemas.openxmlformats.org/drawingml/2006/main" xmlns:r="http://schemas.openxmlformats.org/officeDocument/2006/relationships" xmlns:p="http://schemas.openxmlformats.org/presentationml/2006/main">
   <p:cSld>
     <p:spTree>
@@ -1487,7 +1397,7 @@
                 <a:ea typeface="宋体" panose="02010600030101010101" pitchFamily="2" charset="-122"/>
               </a:rPr>
               <a:pPr/>
-              <a:t>22</a:t>
+              <a:t>21</a:t>
             </a:fld>
             <a:endParaRPr lang="zh-CN" altLang="zh-CN">
               <a:ea typeface="宋体" panose="02010600030101010101" pitchFamily="2" charset="-122"/>
@@ -1496,6 +1406,205 @@
         </p:txBody>
       </p:sp>
     </p:spTree>
+  </p:cSld>
+  <p:clrMapOvr>
+    <a:masterClrMapping/>
+  </p:clrMapOvr>
+</p:notes>
+</file>
+
+<file path=ppt/notesSlides/notesSlide14.xml><?xml version="1.0" encoding="utf-8"?>
+<p:notes xmlns:a="http://schemas.openxmlformats.org/drawingml/2006/main" xmlns:r="http://schemas.openxmlformats.org/officeDocument/2006/relationships" xmlns:p="http://schemas.openxmlformats.org/presentationml/2006/main">
+  <p:cSld>
+    <p:spTree>
+      <p:nvGrpSpPr>
+        <p:cNvPr id="1" name=""/>
+        <p:cNvGrpSpPr/>
+        <p:nvPr/>
+      </p:nvGrpSpPr>
+      <p:grpSpPr>
+        <a:xfrm>
+          <a:off x="0" y="0"/>
+          <a:ext cx="0" cy="0"/>
+          <a:chOff x="0" y="0"/>
+          <a:chExt cx="0" cy="0"/>
+        </a:xfrm>
+      </p:grpSpPr>
+      <p:sp>
+        <p:nvSpPr>
+          <p:cNvPr id="2" name="幻灯片图像占位符 1"/>
+          <p:cNvSpPr>
+            <a:spLocks noGrp="1" noRot="1" noChangeAspect="1"/>
+          </p:cNvSpPr>
+          <p:nvPr>
+            <p:ph type="sldImg"/>
+          </p:nvPr>
+        </p:nvSpPr>
+        <p:spPr/>
+      </p:sp>
+      <p:sp>
+        <p:nvSpPr>
+          <p:cNvPr id="3" name="备注占位符 2"/>
+          <p:cNvSpPr>
+            <a:spLocks noGrp="1"/>
+          </p:cNvSpPr>
+          <p:nvPr>
+            <p:ph type="body" idx="1"/>
+          </p:nvPr>
+        </p:nvSpPr>
+        <p:spPr/>
+        <p:txBody>
+          <a:bodyPr/>
+          <a:lstStyle/>
+          <a:p>
+            <a:pPr marL="0" marR="0" indent="0" algn="l" defTabSz="914400" rtl="0" eaLnBrk="0" fontAlgn="base" latinLnBrk="0" hangingPunct="0">
+              <a:lnSpc>
+                <a:spcPct val="100000"/>
+              </a:lnSpc>
+              <a:spcBef>
+                <a:spcPct val="30000"/>
+              </a:spcBef>
+              <a:spcAft>
+                <a:spcPct val="0"/>
+              </a:spcAft>
+              <a:buClrTx/>
+              <a:buSzTx/>
+              <a:buFontTx/>
+              <a:buNone/>
+              <a:tabLst/>
+              <a:defRPr/>
+            </a:pPr>
+            <a:r>
+              <a:rPr lang="zh-CN" altLang="en-US" dirty="0" smtClean="0"/>
+              <a:t>如果一个变量没有通过</a:t>
+            </a:r>
+            <a:r>
+              <a:rPr lang="en-US" altLang="zh-CN" dirty="0" err="1" smtClean="0"/>
+              <a:t>var</a:t>
+            </a:r>
+            <a:r>
+              <a:rPr lang="zh-CN" altLang="en-US" dirty="0" smtClean="0"/>
+              <a:t>申明就被使用，那么该变量就自动被申明为全局变量。在同一个页面的不同的</a:t>
+            </a:r>
+            <a:r>
+              <a:rPr lang="en-US" altLang="zh-CN" dirty="0" smtClean="0"/>
+              <a:t>JavaScript</a:t>
+            </a:r>
+            <a:r>
+              <a:rPr lang="zh-CN" altLang="en-US" dirty="0" smtClean="0"/>
+              <a:t>文件中，如果都不用</a:t>
+            </a:r>
+            <a:r>
+              <a:rPr lang="en-US" altLang="zh-CN" dirty="0" err="1" smtClean="0"/>
+              <a:t>var</a:t>
+            </a:r>
+            <a:r>
+              <a:rPr lang="zh-CN" altLang="en-US" dirty="0" smtClean="0"/>
+              <a:t>申明，恰好都使用了变量</a:t>
+            </a:r>
+            <a:r>
+              <a:rPr lang="en-US" altLang="zh-CN" dirty="0" err="1" smtClean="0"/>
+              <a:t>i</a:t>
+            </a:r>
+            <a:r>
+              <a:rPr lang="zh-CN" altLang="en-US" dirty="0" smtClean="0"/>
+              <a:t>，将造成变量</a:t>
+            </a:r>
+            <a:r>
+              <a:rPr lang="en-US" altLang="zh-CN" dirty="0" err="1" smtClean="0"/>
+              <a:t>i</a:t>
+            </a:r>
+            <a:r>
+              <a:rPr lang="zh-CN" altLang="en-US" dirty="0" smtClean="0"/>
+              <a:t>互相影响，产生难以调试的错误结果。</a:t>
+            </a:r>
+          </a:p>
+          <a:p>
+            <a:pPr marL="0" marR="0" indent="0" algn="l" defTabSz="914400" rtl="0" eaLnBrk="0" fontAlgn="base" latinLnBrk="0" hangingPunct="0">
+              <a:lnSpc>
+                <a:spcPct val="100000"/>
+              </a:lnSpc>
+              <a:spcBef>
+                <a:spcPct val="30000"/>
+              </a:spcBef>
+              <a:spcAft>
+                <a:spcPct val="0"/>
+              </a:spcAft>
+              <a:buClrTx/>
+              <a:buSzTx/>
+              <a:buFontTx/>
+              <a:buNone/>
+              <a:tabLst/>
+              <a:defRPr/>
+            </a:pPr>
+            <a:endParaRPr lang="zh-CN" altLang="en-US" dirty="0" smtClean="0"/>
+          </a:p>
+          <a:p>
+            <a:pPr marL="0" marR="0" indent="0" algn="l" defTabSz="914400" rtl="0" eaLnBrk="0" fontAlgn="base" latinLnBrk="0" hangingPunct="0">
+              <a:lnSpc>
+                <a:spcPct val="100000"/>
+              </a:lnSpc>
+              <a:spcBef>
+                <a:spcPct val="30000"/>
+              </a:spcBef>
+              <a:spcAft>
+                <a:spcPct val="0"/>
+              </a:spcAft>
+              <a:buClrTx/>
+              <a:buSzTx/>
+              <a:buFontTx/>
+              <a:buNone/>
+              <a:tabLst/>
+              <a:defRPr/>
+            </a:pPr>
+            <a:r>
+              <a:rPr lang="zh-CN" altLang="en-US" dirty="0" smtClean="0"/>
+              <a:t>使用</a:t>
+            </a:r>
+            <a:r>
+              <a:rPr lang="en-US" altLang="zh-CN" dirty="0" err="1" smtClean="0"/>
+              <a:t>var</a:t>
+            </a:r>
+            <a:r>
+              <a:rPr lang="zh-CN" altLang="en-US" dirty="0" smtClean="0"/>
+              <a:t>申明的变量则不是全局变量，它的范围被限制在该变量被申明的函数体内（函数的概念将稍后讲解），同名变量在不同的函数体内互不冲突。</a:t>
+            </a:r>
+          </a:p>
+          <a:p>
+            <a:endParaRPr lang="zh-CN" altLang="en-US" dirty="0"/>
+          </a:p>
+        </p:txBody>
+      </p:sp>
+      <p:sp>
+        <p:nvSpPr>
+          <p:cNvPr id="4" name="灯片编号占位符 3"/>
+          <p:cNvSpPr>
+            <a:spLocks noGrp="1"/>
+          </p:cNvSpPr>
+          <p:nvPr>
+            <p:ph type="sldNum" sz="quarter" idx="10"/>
+          </p:nvPr>
+        </p:nvSpPr>
+        <p:spPr/>
+        <p:txBody>
+          <a:bodyPr/>
+          <a:lstStyle/>
+          <a:p>
+            <a:fld id="{D9AFD278-84AA-4CAA-9049-809825956FE0}" type="slidenum">
+              <a:rPr lang="en-US" altLang="zh-CN" smtClean="0"/>
+              <a:pPr/>
+              <a:t>25</a:t>
+            </a:fld>
+            <a:endParaRPr lang="zh-CN" altLang="zh-CN"/>
+          </a:p>
+        </p:txBody>
+      </p:sp>
+    </p:spTree>
+    <p:extLst>
+      <p:ext uri="{BB962C8B-B14F-4D97-AF65-F5344CB8AC3E}">
+        <p14:creationId xmlns:p14="http://schemas.microsoft.com/office/powerpoint/2010/main" val="1433794901"/>
+      </p:ext>
+    </p:extLst>
   </p:cSld>
   <p:clrMapOvr>
     <a:masterClrMapping/>
@@ -1547,120 +1656,6 @@
           <a:bodyPr/>
           <a:lstStyle/>
           <a:p>
-            <a:pPr marL="0" marR="0" indent="0" algn="l" defTabSz="914400" rtl="0" eaLnBrk="0" fontAlgn="base" latinLnBrk="0" hangingPunct="0">
-              <a:lnSpc>
-                <a:spcPct val="100000"/>
-              </a:lnSpc>
-              <a:spcBef>
-                <a:spcPct val="30000"/>
-              </a:spcBef>
-              <a:spcAft>
-                <a:spcPct val="0"/>
-              </a:spcAft>
-              <a:buClrTx/>
-              <a:buSzTx/>
-              <a:buFontTx/>
-              <a:buNone/>
-              <a:tabLst/>
-              <a:defRPr/>
-            </a:pPr>
-            <a:r>
-              <a:rPr lang="zh-CN" altLang="en-US" dirty="0" smtClean="0"/>
-              <a:t>如果一个变量没有通过</a:t>
-            </a:r>
-            <a:r>
-              <a:rPr lang="en-US" altLang="zh-CN" dirty="0" err="1" smtClean="0"/>
-              <a:t>var</a:t>
-            </a:r>
-            <a:r>
-              <a:rPr lang="zh-CN" altLang="en-US" dirty="0" smtClean="0"/>
-              <a:t>申明就被使用，那么该变量就自动被申明为全局变量。在同一个页面的不同的</a:t>
-            </a:r>
-            <a:r>
-              <a:rPr lang="en-US" altLang="zh-CN" dirty="0" smtClean="0"/>
-              <a:t>JavaScript</a:t>
-            </a:r>
-            <a:r>
-              <a:rPr lang="zh-CN" altLang="en-US" dirty="0" smtClean="0"/>
-              <a:t>文件中，如果都不用</a:t>
-            </a:r>
-            <a:r>
-              <a:rPr lang="en-US" altLang="zh-CN" dirty="0" err="1" smtClean="0"/>
-              <a:t>var</a:t>
-            </a:r>
-            <a:r>
-              <a:rPr lang="zh-CN" altLang="en-US" dirty="0" smtClean="0"/>
-              <a:t>申明，恰好都使用了变量</a:t>
-            </a:r>
-            <a:r>
-              <a:rPr lang="en-US" altLang="zh-CN" dirty="0" err="1" smtClean="0"/>
-              <a:t>i</a:t>
-            </a:r>
-            <a:r>
-              <a:rPr lang="zh-CN" altLang="en-US" dirty="0" smtClean="0"/>
-              <a:t>，将造成变量</a:t>
-            </a:r>
-            <a:r>
-              <a:rPr lang="en-US" altLang="zh-CN" dirty="0" err="1" smtClean="0"/>
-              <a:t>i</a:t>
-            </a:r>
-            <a:r>
-              <a:rPr lang="zh-CN" altLang="en-US" dirty="0" smtClean="0"/>
-              <a:t>互相影响，产生难以调试的错误结果。</a:t>
-            </a:r>
-          </a:p>
-          <a:p>
-            <a:pPr marL="0" marR="0" indent="0" algn="l" defTabSz="914400" rtl="0" eaLnBrk="0" fontAlgn="base" latinLnBrk="0" hangingPunct="0">
-              <a:lnSpc>
-                <a:spcPct val="100000"/>
-              </a:lnSpc>
-              <a:spcBef>
-                <a:spcPct val="30000"/>
-              </a:spcBef>
-              <a:spcAft>
-                <a:spcPct val="0"/>
-              </a:spcAft>
-              <a:buClrTx/>
-              <a:buSzTx/>
-              <a:buFontTx/>
-              <a:buNone/>
-              <a:tabLst/>
-              <a:defRPr/>
-            </a:pPr>
-            <a:endParaRPr lang="zh-CN" altLang="en-US" dirty="0" smtClean="0"/>
-          </a:p>
-          <a:p>
-            <a:pPr marL="0" marR="0" indent="0" algn="l" defTabSz="914400" rtl="0" eaLnBrk="0" fontAlgn="base" latinLnBrk="0" hangingPunct="0">
-              <a:lnSpc>
-                <a:spcPct val="100000"/>
-              </a:lnSpc>
-              <a:spcBef>
-                <a:spcPct val="30000"/>
-              </a:spcBef>
-              <a:spcAft>
-                <a:spcPct val="0"/>
-              </a:spcAft>
-              <a:buClrTx/>
-              <a:buSzTx/>
-              <a:buFontTx/>
-              <a:buNone/>
-              <a:tabLst/>
-              <a:defRPr/>
-            </a:pPr>
-            <a:r>
-              <a:rPr lang="zh-CN" altLang="en-US" dirty="0" smtClean="0"/>
-              <a:t>使用</a:t>
-            </a:r>
-            <a:r>
-              <a:rPr lang="en-US" altLang="zh-CN" dirty="0" err="1" smtClean="0"/>
-              <a:t>var</a:t>
-            </a:r>
-            <a:r>
-              <a:rPr lang="zh-CN" altLang="en-US" dirty="0" smtClean="0"/>
-              <a:t>申明的变量则不是全局变量，它的范围被限制在该变量被申明的函数体内（函数的概念将稍后讲解），同名变量在不同的函数体内互不冲突。</a:t>
-            </a:r>
-          </a:p>
-          <a:p>
             <a:endParaRPr lang="zh-CN" altLang="en-US" dirty="0"/>
           </a:p>
         </p:txBody>
@@ -1683,7 +1678,7 @@
             <a:fld id="{D9AFD278-84AA-4CAA-9049-809825956FE0}" type="slidenum">
               <a:rPr lang="en-US" altLang="zh-CN" smtClean="0"/>
               <a:pPr/>
-              <a:t>26</a:t>
+              <a:t>28</a:t>
             </a:fld>
             <a:endParaRPr lang="zh-CN" altLang="zh-CN"/>
           </a:p>
@@ -1692,7 +1687,7 @@
     </p:spTree>
     <p:extLst>
       <p:ext uri="{BB962C8B-B14F-4D97-AF65-F5344CB8AC3E}">
-        <p14:creationId xmlns:p14="http://schemas.microsoft.com/office/powerpoint/2010/main" val="1433794901"/>
+        <p14:creationId xmlns:p14="http://schemas.microsoft.com/office/powerpoint/2010/main" val="250723148"/>
       </p:ext>
     </p:extLst>
   </p:cSld>
@@ -1768,7 +1763,7 @@
             <a:fld id="{D9AFD278-84AA-4CAA-9049-809825956FE0}" type="slidenum">
               <a:rPr lang="en-US" altLang="zh-CN" smtClean="0"/>
               <a:pPr/>
-              <a:t>29</a:t>
+              <a:t>31</a:t>
             </a:fld>
             <a:endParaRPr lang="zh-CN" altLang="zh-CN"/>
           </a:p>
@@ -1777,7 +1772,7 @@
     </p:spTree>
     <p:extLst>
       <p:ext uri="{BB962C8B-B14F-4D97-AF65-F5344CB8AC3E}">
-        <p14:creationId xmlns:p14="http://schemas.microsoft.com/office/powerpoint/2010/main" val="250723148"/>
+        <p14:creationId xmlns:p14="http://schemas.microsoft.com/office/powerpoint/2010/main" val="1593777084"/>
       </p:ext>
     </p:extLst>
   </p:cSld>
@@ -1831,6 +1826,32 @@
           <a:bodyPr/>
           <a:lstStyle/>
           <a:p>
+            <a:r>
+              <a:rPr lang="en-US" altLang="zh-CN" dirty="0" err="1" smtClean="0"/>
+              <a:t>onclick</a:t>
+            </a:r>
+            <a:r>
+              <a:rPr lang="en-US" altLang="zh-CN" dirty="0" smtClean="0"/>
+              <a:t> </a:t>
+            </a:r>
+            <a:r>
+              <a:rPr lang="zh-CN" altLang="en-US" dirty="0" smtClean="0"/>
+              <a:t>与 </a:t>
+            </a:r>
+            <a:r>
+              <a:rPr lang="en-US" altLang="zh-CN" dirty="0" err="1" smtClean="0"/>
+              <a:t>onmousedown</a:t>
+            </a:r>
+            <a:r>
+              <a:rPr lang="en-US" altLang="zh-CN" dirty="0" smtClean="0"/>
+              <a:t> </a:t>
+            </a:r>
+            <a:r>
+              <a:rPr lang="zh-CN" altLang="en-US" dirty="0" smtClean="0"/>
+              <a:t>不同。单击事件是在同一元素上发生了鼠标按下事件之后又发生了鼠标放开事件时才发生的。</a:t>
+            </a:r>
+          </a:p>
+          <a:p>
             <a:endParaRPr lang="zh-CN" altLang="en-US" dirty="0"/>
           </a:p>
         </p:txBody>
@@ -1853,118 +1874,7 @@
             <a:fld id="{D9AFD278-84AA-4CAA-9049-809825956FE0}" type="slidenum">
               <a:rPr lang="en-US" altLang="zh-CN" smtClean="0"/>
               <a:pPr/>
-              <a:t>32</a:t>
-            </a:fld>
-            <a:endParaRPr lang="zh-CN" altLang="zh-CN"/>
-          </a:p>
-        </p:txBody>
-      </p:sp>
-    </p:spTree>
-    <p:extLst>
-      <p:ext uri="{BB962C8B-B14F-4D97-AF65-F5344CB8AC3E}">
-        <p14:creationId xmlns:p14="http://schemas.microsoft.com/office/powerpoint/2010/main" val="1593777084"/>
-      </p:ext>
-    </p:extLst>
-  </p:cSld>
-  <p:clrMapOvr>
-    <a:masterClrMapping/>
-  </p:clrMapOvr>
-</p:notes>
-</file>
-
-<file path=ppt/notesSlides/notesSlide18.xml><?xml version="1.0" encoding="utf-8"?>
-<p:notes xmlns:a="http://schemas.openxmlformats.org/drawingml/2006/main" xmlns:r="http://schemas.openxmlformats.org/officeDocument/2006/relationships" xmlns:p="http://schemas.openxmlformats.org/presentationml/2006/main">
-  <p:cSld>
-    <p:spTree>
-      <p:nvGrpSpPr>
-        <p:cNvPr id="1" name=""/>
-        <p:cNvGrpSpPr/>
-        <p:nvPr/>
-      </p:nvGrpSpPr>
-      <p:grpSpPr>
-        <a:xfrm>
-          <a:off x="0" y="0"/>
-          <a:ext cx="0" cy="0"/>
-          <a:chOff x="0" y="0"/>
-          <a:chExt cx="0" cy="0"/>
-        </a:xfrm>
-      </p:grpSpPr>
-      <p:sp>
-        <p:nvSpPr>
-          <p:cNvPr id="2" name="幻灯片图像占位符 1"/>
-          <p:cNvSpPr>
-            <a:spLocks noGrp="1" noRot="1" noChangeAspect="1"/>
-          </p:cNvSpPr>
-          <p:nvPr>
-            <p:ph type="sldImg"/>
-          </p:nvPr>
-        </p:nvSpPr>
-        <p:spPr/>
-      </p:sp>
-      <p:sp>
-        <p:nvSpPr>
-          <p:cNvPr id="3" name="备注占位符 2"/>
-          <p:cNvSpPr>
-            <a:spLocks noGrp="1"/>
-          </p:cNvSpPr>
-          <p:nvPr>
-            <p:ph type="body" idx="1"/>
-          </p:nvPr>
-        </p:nvSpPr>
-        <p:spPr/>
-        <p:txBody>
-          <a:bodyPr/>
-          <a:lstStyle/>
-          <a:p>
-            <a:r>
-              <a:rPr lang="en-US" altLang="zh-CN" dirty="0" err="1" smtClean="0"/>
-              <a:t>onclick</a:t>
-            </a:r>
-            <a:r>
-              <a:rPr lang="en-US" altLang="zh-CN" dirty="0" smtClean="0"/>
-              <a:t> </a:t>
-            </a:r>
-            <a:r>
-              <a:rPr lang="zh-CN" altLang="en-US" dirty="0" smtClean="0"/>
-              <a:t>与 </a:t>
-            </a:r>
-            <a:r>
-              <a:rPr lang="en-US" altLang="zh-CN" dirty="0" err="1" smtClean="0"/>
-              <a:t>onmousedown</a:t>
-            </a:r>
-            <a:r>
-              <a:rPr lang="en-US" altLang="zh-CN" dirty="0" smtClean="0"/>
-              <a:t> </a:t>
-            </a:r>
-            <a:r>
-              <a:rPr lang="zh-CN" altLang="en-US" dirty="0" smtClean="0"/>
-              <a:t>不同。单击事件是在同一元素上发生了鼠标按下事件之后又发生了鼠标放开事件时才发生的。</a:t>
-            </a:r>
-          </a:p>
-          <a:p>
-            <a:endParaRPr lang="zh-CN" altLang="en-US" dirty="0"/>
-          </a:p>
-        </p:txBody>
-      </p:sp>
-      <p:sp>
-        <p:nvSpPr>
-          <p:cNvPr id="4" name="灯片编号占位符 3"/>
-          <p:cNvSpPr>
-            <a:spLocks noGrp="1"/>
-          </p:cNvSpPr>
-          <p:nvPr>
-            <p:ph type="sldNum" sz="quarter" idx="10"/>
-          </p:nvPr>
-        </p:nvSpPr>
-        <p:spPr/>
-        <p:txBody>
-          <a:bodyPr/>
-          <a:lstStyle/>
-          <a:p>
-            <a:fld id="{D9AFD278-84AA-4CAA-9049-809825956FE0}" type="slidenum">
-              <a:rPr lang="en-US" altLang="zh-CN" smtClean="0"/>
-              <a:pPr/>
-              <a:t>37</a:t>
+              <a:t>36</a:t>
             </a:fld>
             <a:endParaRPr lang="zh-CN" altLang="zh-CN"/>
           </a:p>
@@ -1983,7 +1893,7 @@
 </p:notes>
 </file>
 
-<file path=ppt/notesSlides/notesSlide19.xml><?xml version="1.0" encoding="utf-8"?>
+<file path=ppt/notesSlides/notesSlide18.xml><?xml version="1.0" encoding="utf-8"?>
 <p:notes xmlns:a="http://schemas.openxmlformats.org/drawingml/2006/main" xmlns:r="http://schemas.openxmlformats.org/officeDocument/2006/relationships" xmlns:p="http://schemas.openxmlformats.org/presentationml/2006/main">
   <p:cSld>
     <p:spTree>
@@ -2206,7 +2116,7 @@
                 <a:ea typeface="宋体" panose="02010600030101010101" pitchFamily="2" charset="-122"/>
               </a:rPr>
               <a:pPr/>
-              <a:t>38</a:t>
+              <a:t>37</a:t>
             </a:fld>
             <a:endParaRPr lang="zh-CN" altLang="zh-CN">
               <a:ea typeface="宋体" panose="02010600030101010101" pitchFamily="2" charset="-122"/>
@@ -2832,10 +2742,29 @@
           <a:bodyPr/>
           <a:lstStyle/>
           <a:p>
+            <a:pPr marL="0" marR="0" indent="0" algn="l" defTabSz="914400" rtl="0" eaLnBrk="0" fontAlgn="base" latinLnBrk="0" hangingPunct="0">
+              <a:lnSpc>
+                <a:spcPct val="100000"/>
+              </a:lnSpc>
+              <a:spcBef>
+                <a:spcPct val="30000"/>
+              </a:spcBef>
+              <a:spcAft>
+                <a:spcPct val="0"/>
+              </a:spcAft>
+              <a:buClrTx/>
+              <a:buSzTx/>
+              <a:buFontTx/>
+              <a:buNone/>
+              <a:tabLst/>
+              <a:defRPr/>
+            </a:pPr>
             <a:r>
               <a:rPr lang="zh-CN" altLang="en-US" dirty="0" smtClean="0"/>
-              <a:t>匿名函数无法回调。第一种方法：用小括号把一个函数括起来，那么这个函数会直接强制执行。第二种用法：将函数赋值给一个变量。</a:t>
-            </a:r>
+              <a:t>定义函数的目的是为了可以在后续的代码中调用函数。</a:t>
+            </a:r>
+          </a:p>
+          <a:p>
             <a:endParaRPr lang="zh-CN" altLang="en-US" dirty="0"/>
           </a:p>
         </p:txBody>
@@ -2867,7 +2796,7 @@
     </p:spTree>
     <p:extLst>
       <p:ext uri="{BB962C8B-B14F-4D97-AF65-F5344CB8AC3E}">
-        <p14:creationId xmlns:p14="http://schemas.microsoft.com/office/powerpoint/2010/main" val="3351727721"/>
+        <p14:creationId xmlns:p14="http://schemas.microsoft.com/office/powerpoint/2010/main" val="3141249538"/>
       </p:ext>
     </p:extLst>
   </p:cSld>
@@ -2921,26 +2850,27 @@
           <a:bodyPr/>
           <a:lstStyle/>
           <a:p>
-            <a:pPr marL="0" marR="0" indent="0" algn="l" defTabSz="914400" rtl="0" eaLnBrk="0" fontAlgn="base" latinLnBrk="0" hangingPunct="0">
-              <a:lnSpc>
-                <a:spcPct val="100000"/>
-              </a:lnSpc>
-              <a:spcBef>
-                <a:spcPct val="30000"/>
-              </a:spcBef>
-              <a:spcAft>
-                <a:spcPct val="0"/>
-              </a:spcAft>
-              <a:buClrTx/>
-              <a:buSzTx/>
-              <a:buFontTx/>
-              <a:buNone/>
-              <a:tabLst/>
-              <a:defRPr/>
-            </a:pPr>
             <a:r>
               <a:rPr lang="zh-CN" altLang="en-US" dirty="0" smtClean="0"/>
-              <a:t>定义函数的目的是为了可以在后续的代码中调用函数。</a:t>
+              <a:t>从上向下执行，遇到函数调用，跳转到函数定义的地方（如果此时函数还没有定义，会出错），开始执行。</a:t>
+            </a:r>
+            <a:endParaRPr lang="en-US" altLang="zh-CN" dirty="0" smtClean="0"/>
+          </a:p>
+          <a:p>
+            <a:r>
+              <a:rPr lang="zh-CN" altLang="en-US" dirty="0" smtClean="0"/>
+              <a:t>函数执行完毕。</a:t>
+            </a:r>
+            <a:endParaRPr lang="en-US" altLang="zh-CN" dirty="0" smtClean="0"/>
+          </a:p>
+          <a:p>
+            <a:r>
+              <a:rPr lang="en-US" altLang="zh-CN" dirty="0" smtClean="0"/>
+              <a:t>JavaScript </a:t>
+            </a:r>
+            <a:r>
+              <a:rPr lang="zh-CN" altLang="en-US" dirty="0" smtClean="0"/>
+              <a:t>将从调用函数的地方向下继续执行代码。</a:t>
             </a:r>
           </a:p>
           <a:p>
@@ -2975,7 +2905,7 @@
     </p:spTree>
     <p:extLst>
       <p:ext uri="{BB962C8B-B14F-4D97-AF65-F5344CB8AC3E}">
-        <p14:creationId xmlns:p14="http://schemas.microsoft.com/office/powerpoint/2010/main" val="3141249538"/>
+        <p14:creationId xmlns:p14="http://schemas.microsoft.com/office/powerpoint/2010/main" val="496821554"/>
       </p:ext>
     </p:extLst>
   </p:cSld>
@@ -3031,28 +2961,8 @@
           <a:p>
             <a:r>
               <a:rPr lang="zh-CN" altLang="en-US" dirty="0" smtClean="0"/>
-              <a:t>从上向下执行，遇到函数调用，跳转到函数定义的地方（如果此时函数还没有定义，会出错），开始执行。</a:t>
-            </a:r>
-            <a:endParaRPr lang="en-US" altLang="zh-CN" dirty="0" smtClean="0"/>
-          </a:p>
-          <a:p>
-            <a:r>
-              <a:rPr lang="zh-CN" altLang="en-US" dirty="0" smtClean="0"/>
-              <a:t>函数执行完毕。</a:t>
-            </a:r>
-            <a:endParaRPr lang="en-US" altLang="zh-CN" dirty="0" smtClean="0"/>
-          </a:p>
-          <a:p>
-            <a:r>
-              <a:rPr lang="en-US" altLang="zh-CN" dirty="0" smtClean="0"/>
-              <a:t>JavaScript </a:t>
-            </a:r>
-            <a:r>
-              <a:rPr lang="zh-CN" altLang="en-US" dirty="0" smtClean="0"/>
-              <a:t>将从调用函数的地方向下继续执行代码。</a:t>
-            </a:r>
-          </a:p>
-          <a:p>
+              <a:t>当函数当做另外一个函数的参数时，此函数称为回调函数。主要思想是把运算过程尽量写成一系列嵌套的函数调用。</a:t>
+            </a:r>
             <a:endParaRPr lang="zh-CN" altLang="en-US" dirty="0"/>
           </a:p>
         </p:txBody>
@@ -3084,7 +2994,7 @@
     </p:spTree>
     <p:extLst>
       <p:ext uri="{BB962C8B-B14F-4D97-AF65-F5344CB8AC3E}">
-        <p14:creationId xmlns:p14="http://schemas.microsoft.com/office/powerpoint/2010/main" val="496821554"/>
+        <p14:creationId xmlns:p14="http://schemas.microsoft.com/office/powerpoint/2010/main" val="833963160"/>
       </p:ext>
     </p:extLst>
   </p:cSld>
@@ -4357,457 +4267,6 @@
       </p:grpSpPr>
       <p:sp>
         <p:nvSpPr>
-          <p:cNvPr id="11266" name="内容占位符 1"/>
-          <p:cNvSpPr>
-            <a:spLocks noGrp="1"/>
-          </p:cNvSpPr>
-          <p:nvPr>
-            <p:ph sz="quarter" idx="10"/>
-          </p:nvPr>
-        </p:nvSpPr>
-        <p:spPr bwMode="auto">
-          <a:xfrm>
-            <a:off x="1090714" y="998962"/>
-            <a:ext cx="9471331" cy="4643438"/>
-          </a:xfrm>
-          <a:noFill/>
-          <a:extLst>
-            <a:ext uri="{909E8E84-426E-40DD-AFC4-6F175D3DCCD1}">
-              <a14:hiddenFill xmlns:a14="http://schemas.microsoft.com/office/drawing/2010/main">
-                <a:solidFill>
-                  <a:srgbClr val="FFFFFF"/>
-                </a:solidFill>
-              </a14:hiddenFill>
-            </a:ext>
-            <a:ext uri="{91240B29-F687-4F45-9708-019B960494DF}">
-              <a14:hiddenLine xmlns:a14="http://schemas.microsoft.com/office/drawing/2010/main" w="9525">
-                <a:solidFill>
-                  <a:srgbClr val="000000"/>
-                </a:solidFill>
-                <a:miter lim="800000"/>
-                <a:headEnd/>
-                <a:tailEnd/>
-              </a14:hiddenLine>
-            </a:ext>
-          </a:extLst>
-        </p:spPr>
-        <p:txBody>
-          <a:bodyPr vert="horz" wrap="square" lIns="91440" tIns="45720" rIns="91440" bIns="45720" numCol="1" anchor="t" anchorCtr="0" compatLnSpc="1">
-            <a:prstTxWarp prst="textNoShape">
-              <a:avLst/>
-            </a:prstTxWarp>
-          </a:bodyPr>
-          <a:lstStyle/>
-          <a:p>
-            <a:pPr>
-              <a:lnSpc>
-                <a:spcPct val="150000"/>
-              </a:lnSpc>
-              <a:spcAft>
-                <a:spcPts val="1200"/>
-              </a:spcAft>
-              <a:defRPr/>
-            </a:pPr>
-            <a:r>
-              <a:rPr kumimoji="0" lang="zh-CN" altLang="en-US" dirty="0" smtClean="0"/>
-              <a:t> 使用</a:t>
-            </a:r>
-            <a:r>
-              <a:rPr kumimoji="0" lang="zh-CN" altLang="en-US" dirty="0"/>
-              <a:t>函数直接量定义</a:t>
-            </a:r>
-            <a:r>
-              <a:rPr kumimoji="0" lang="zh-CN" altLang="en-US" dirty="0" smtClean="0"/>
-              <a:t>函数（匿名函数）</a:t>
-            </a:r>
-            <a:endParaRPr kumimoji="0" lang="en-US" altLang="zh-CN" sz="2400" dirty="0"/>
-          </a:p>
-          <a:p>
-            <a:pPr marL="0" indent="0">
-              <a:lnSpc>
-                <a:spcPct val="150000"/>
-              </a:lnSpc>
-              <a:buNone/>
-              <a:defRPr/>
-            </a:pPr>
-            <a:r>
-              <a:rPr kumimoji="0" lang="zh-CN" altLang="en-US" sz="2600" dirty="0">
-                <a:latin typeface="+mj-ea"/>
-                <a:ea typeface="+mj-ea"/>
-              </a:rPr>
-              <a:t>函数定义时，函数名是可选的，即可以定义</a:t>
-            </a:r>
-            <a:r>
-              <a:rPr kumimoji="0" lang="zh-CN" altLang="en-US" sz="2600" dirty="0">
-                <a:solidFill>
-                  <a:srgbClr val="FF0000"/>
-                </a:solidFill>
-                <a:latin typeface="+mj-ea"/>
-                <a:ea typeface="+mj-ea"/>
-              </a:rPr>
-              <a:t>没有函数名的函数</a:t>
-            </a:r>
-            <a:r>
-              <a:rPr kumimoji="0" lang="zh-CN" altLang="en-US" sz="2600" dirty="0">
-                <a:latin typeface="+mj-ea"/>
-                <a:ea typeface="+mj-ea"/>
-              </a:rPr>
-              <a:t>，但该函数必须</a:t>
-            </a:r>
-            <a:r>
-              <a:rPr kumimoji="0" lang="zh-CN" altLang="en-US" sz="2600" dirty="0">
-                <a:solidFill>
-                  <a:srgbClr val="FF0000"/>
-                </a:solidFill>
-                <a:latin typeface="+mj-ea"/>
-                <a:ea typeface="+mj-ea"/>
-              </a:rPr>
-              <a:t>马上执行</a:t>
-            </a:r>
-            <a:r>
-              <a:rPr kumimoji="0" lang="zh-CN" altLang="en-US" sz="2600" dirty="0">
-                <a:latin typeface="+mj-ea"/>
-                <a:ea typeface="+mj-ea"/>
-              </a:rPr>
-              <a:t>或</a:t>
-            </a:r>
-            <a:r>
-              <a:rPr kumimoji="0" lang="zh-CN" altLang="en-US" sz="2600" dirty="0">
-                <a:solidFill>
-                  <a:srgbClr val="FF0000"/>
-                </a:solidFill>
-                <a:latin typeface="+mj-ea"/>
-                <a:ea typeface="+mj-ea"/>
-              </a:rPr>
-              <a:t>赋值给一个变量（或事件）</a:t>
-            </a:r>
-          </a:p>
-          <a:p>
-            <a:pPr eaLnBrk="1" hangingPunct="1">
-              <a:lnSpc>
-                <a:spcPct val="150000"/>
-              </a:lnSpc>
-            </a:pPr>
-            <a:endParaRPr kumimoji="0" lang="zh-CN" altLang="en-US" dirty="0" smtClean="0"/>
-          </a:p>
-        </p:txBody>
-      </p:sp>
-      <p:sp>
-        <p:nvSpPr>
-          <p:cNvPr id="2" name="内容占位符 1"/>
-          <p:cNvSpPr>
-            <a:spLocks noGrp="1"/>
-          </p:cNvSpPr>
-          <p:nvPr>
-            <p:ph sz="quarter" idx="11"/>
-          </p:nvPr>
-        </p:nvSpPr>
-        <p:spPr/>
-        <p:txBody>
-          <a:bodyPr/>
-          <a:lstStyle/>
-          <a:p>
-            <a:r>
-              <a:rPr kumimoji="0" lang="zh-CN" altLang="en-US" dirty="0"/>
-              <a:t>函数的定义</a:t>
-            </a:r>
-          </a:p>
-          <a:p>
-            <a:endParaRPr lang="zh-CN" altLang="en-US" dirty="0"/>
-          </a:p>
-        </p:txBody>
-      </p:sp>
-      <p:sp>
-        <p:nvSpPr>
-          <p:cNvPr id="7" name="TextBox 10"/>
-          <p:cNvSpPr txBox="1">
-            <a:spLocks noChangeArrowheads="1"/>
-          </p:cNvSpPr>
-          <p:nvPr/>
-        </p:nvSpPr>
-        <p:spPr bwMode="auto">
-          <a:xfrm>
-            <a:off x="7601548" y="6196013"/>
-            <a:ext cx="2122697" cy="523220"/>
-          </a:xfrm>
-          <a:prstGeom prst="rect">
-            <a:avLst/>
-          </a:prstGeom>
-          <a:noFill/>
-          <a:ln>
-            <a:noFill/>
-          </a:ln>
-          <a:extLst>
-            <a:ext uri="{909E8E84-426E-40DD-AFC4-6F175D3DCCD1}">
-              <a14:hiddenFill xmlns:a14="http://schemas.microsoft.com/office/drawing/2010/main">
-                <a:solidFill>
-                  <a:srgbClr val="FFFFFF"/>
-                </a:solidFill>
-              </a14:hiddenFill>
-            </a:ext>
-            <a:ext uri="{91240B29-F687-4F45-9708-019B960494DF}">
-              <a14:hiddenLine xmlns:a14="http://schemas.microsoft.com/office/drawing/2010/main" w="9525">
-                <a:solidFill>
-                  <a:srgbClr val="000000"/>
-                </a:solidFill>
-                <a:miter lim="800000"/>
-                <a:headEnd/>
-                <a:tailEnd/>
-              </a14:hiddenLine>
-            </a:ext>
-          </a:extLst>
-        </p:spPr>
-        <p:txBody>
-          <a:bodyPr wrap="none">
-            <a:spAutoFit/>
-          </a:bodyPr>
-          <a:lstStyle>
-            <a:lvl1pPr>
-              <a:defRPr sz="3200">
-                <a:solidFill>
-                  <a:schemeClr val="tx1"/>
-                </a:solidFill>
-                <a:latin typeface="Arial" panose="020B0604020202020204" pitchFamily="34" charset="0"/>
-                <a:ea typeface="微软雅黑" panose="020B0503020204020204" pitchFamily="34" charset="-122"/>
-              </a:defRPr>
-            </a:lvl1pPr>
-            <a:lvl2pPr marL="742950" indent="-285750">
-              <a:defRPr sz="3200">
-                <a:solidFill>
-                  <a:schemeClr val="tx1"/>
-                </a:solidFill>
-                <a:latin typeface="Arial" panose="020B0604020202020204" pitchFamily="34" charset="0"/>
-                <a:ea typeface="微软雅黑" panose="020B0503020204020204" pitchFamily="34" charset="-122"/>
-              </a:defRPr>
-            </a:lvl2pPr>
-            <a:lvl3pPr marL="1143000" indent="-228600">
-              <a:defRPr sz="3200">
-                <a:solidFill>
-                  <a:schemeClr val="tx1"/>
-                </a:solidFill>
-                <a:latin typeface="Arial" panose="020B0604020202020204" pitchFamily="34" charset="0"/>
-                <a:ea typeface="微软雅黑" panose="020B0503020204020204" pitchFamily="34" charset="-122"/>
-              </a:defRPr>
-            </a:lvl3pPr>
-            <a:lvl4pPr marL="1600200" indent="-228600">
-              <a:defRPr sz="3200">
-                <a:solidFill>
-                  <a:schemeClr val="tx1"/>
-                </a:solidFill>
-                <a:latin typeface="Arial" panose="020B0604020202020204" pitchFamily="34" charset="0"/>
-                <a:ea typeface="微软雅黑" panose="020B0503020204020204" pitchFamily="34" charset="-122"/>
-              </a:defRPr>
-            </a:lvl4pPr>
-            <a:lvl5pPr marL="2057400" indent="-228600">
-              <a:defRPr sz="3200">
-                <a:solidFill>
-                  <a:schemeClr val="tx1"/>
-                </a:solidFill>
-                <a:latin typeface="Arial" panose="020B0604020202020204" pitchFamily="34" charset="0"/>
-                <a:ea typeface="微软雅黑" panose="020B0503020204020204" pitchFamily="34" charset="-122"/>
-              </a:defRPr>
-            </a:lvl5pPr>
-            <a:lvl6pPr marL="2514600" indent="-228600" eaLnBrk="0" fontAlgn="base" hangingPunct="0">
-              <a:spcBef>
-                <a:spcPct val="0"/>
-              </a:spcBef>
-              <a:spcAft>
-                <a:spcPct val="0"/>
-              </a:spcAft>
-              <a:defRPr sz="3200">
-                <a:solidFill>
-                  <a:schemeClr val="tx1"/>
-                </a:solidFill>
-                <a:latin typeface="Arial" panose="020B0604020202020204" pitchFamily="34" charset="0"/>
-                <a:ea typeface="微软雅黑" panose="020B0503020204020204" pitchFamily="34" charset="-122"/>
-              </a:defRPr>
-            </a:lvl6pPr>
-            <a:lvl7pPr marL="2971800" indent="-228600" eaLnBrk="0" fontAlgn="base" hangingPunct="0">
-              <a:spcBef>
-                <a:spcPct val="0"/>
-              </a:spcBef>
-              <a:spcAft>
-                <a:spcPct val="0"/>
-              </a:spcAft>
-              <a:defRPr sz="3200">
-                <a:solidFill>
-                  <a:schemeClr val="tx1"/>
-                </a:solidFill>
-                <a:latin typeface="Arial" panose="020B0604020202020204" pitchFamily="34" charset="0"/>
-                <a:ea typeface="微软雅黑" panose="020B0503020204020204" pitchFamily="34" charset="-122"/>
-              </a:defRPr>
-            </a:lvl7pPr>
-            <a:lvl8pPr marL="3429000" indent="-228600" eaLnBrk="0" fontAlgn="base" hangingPunct="0">
-              <a:spcBef>
-                <a:spcPct val="0"/>
-              </a:spcBef>
-              <a:spcAft>
-                <a:spcPct val="0"/>
-              </a:spcAft>
-              <a:defRPr sz="3200">
-                <a:solidFill>
-                  <a:schemeClr val="tx1"/>
-                </a:solidFill>
-                <a:latin typeface="Arial" panose="020B0604020202020204" pitchFamily="34" charset="0"/>
-                <a:ea typeface="微软雅黑" panose="020B0503020204020204" pitchFamily="34" charset="-122"/>
-              </a:defRPr>
-            </a:lvl8pPr>
-            <a:lvl9pPr marL="3886200" indent="-228600" eaLnBrk="0" fontAlgn="base" hangingPunct="0">
-              <a:spcBef>
-                <a:spcPct val="0"/>
-              </a:spcBef>
-              <a:spcAft>
-                <a:spcPct val="0"/>
-              </a:spcAft>
-              <a:defRPr sz="3200">
-                <a:solidFill>
-                  <a:schemeClr val="tx1"/>
-                </a:solidFill>
-                <a:latin typeface="Arial" panose="020B0604020202020204" pitchFamily="34" charset="0"/>
-                <a:ea typeface="微软雅黑" panose="020B0503020204020204" pitchFamily="34" charset="-122"/>
-              </a:defRPr>
-            </a:lvl9pPr>
-          </a:lstStyle>
-          <a:p>
-            <a:pPr eaLnBrk="1" hangingPunct="1"/>
-            <a:r>
-              <a:rPr lang="en-US" altLang="zh-CN" sz="2800" dirty="0" smtClean="0">
-                <a:latin typeface="微软雅黑" pitchFamily="34" charset="-122"/>
-              </a:rPr>
-              <a:t>demo1-3-2</a:t>
-            </a:r>
-            <a:endParaRPr lang="zh-CN" altLang="en-US" sz="2800" dirty="0">
-              <a:latin typeface="微软雅黑" pitchFamily="34" charset="-122"/>
-            </a:endParaRPr>
-          </a:p>
-        </p:txBody>
-      </p:sp>
-      <p:pic>
-        <p:nvPicPr>
-          <p:cNvPr id="8" name="图片 7"/>
-          <p:cNvPicPr>
-            <a:picLocks noChangeAspect="1"/>
-          </p:cNvPicPr>
-          <p:nvPr/>
-        </p:nvPicPr>
-        <p:blipFill>
-          <a:blip r:embed="rId3"/>
-          <a:stretch>
-            <a:fillRect/>
-          </a:stretch>
-        </p:blipFill>
-        <p:spPr>
-          <a:xfrm>
-            <a:off x="2272206" y="4935807"/>
-            <a:ext cx="5828571" cy="1095238"/>
-          </a:xfrm>
-          <a:prstGeom prst="rect">
-            <a:avLst/>
-          </a:prstGeom>
-          <a:ln>
-            <a:solidFill>
-              <a:schemeClr val="tx1"/>
-            </a:solidFill>
-          </a:ln>
-        </p:spPr>
-      </p:pic>
-      <p:pic>
-        <p:nvPicPr>
-          <p:cNvPr id="9" name="图片 8"/>
-          <p:cNvPicPr>
-            <a:picLocks noChangeAspect="1"/>
-          </p:cNvPicPr>
-          <p:nvPr/>
-        </p:nvPicPr>
-        <p:blipFill>
-          <a:blip r:embed="rId4"/>
-          <a:stretch>
-            <a:fillRect/>
-          </a:stretch>
-        </p:blipFill>
-        <p:spPr>
-          <a:xfrm>
-            <a:off x="1275428" y="3178579"/>
-            <a:ext cx="5136278" cy="1186495"/>
-          </a:xfrm>
-          <a:prstGeom prst="rect">
-            <a:avLst/>
-          </a:prstGeom>
-          <a:ln>
-            <a:solidFill>
-              <a:schemeClr val="tx1"/>
-            </a:solidFill>
-          </a:ln>
-        </p:spPr>
-      </p:pic>
-      <p:pic>
-        <p:nvPicPr>
-          <p:cNvPr id="10" name="图片 9"/>
-          <p:cNvPicPr>
-            <a:picLocks noChangeAspect="1"/>
-          </p:cNvPicPr>
-          <p:nvPr/>
-        </p:nvPicPr>
-        <p:blipFill>
-          <a:blip r:embed="rId5"/>
-          <a:stretch>
-            <a:fillRect/>
-          </a:stretch>
-        </p:blipFill>
-        <p:spPr>
-          <a:xfrm>
-            <a:off x="6908664" y="3178579"/>
-            <a:ext cx="3838095" cy="1619048"/>
-          </a:xfrm>
-          <a:prstGeom prst="rect">
-            <a:avLst/>
-          </a:prstGeom>
-          <a:ln>
-            <a:solidFill>
-              <a:schemeClr val="tx1"/>
-            </a:solidFill>
-          </a:ln>
-        </p:spPr>
-      </p:pic>
-    </p:spTree>
-    <p:extLst>
-      <p:ext uri="{BB962C8B-B14F-4D97-AF65-F5344CB8AC3E}">
-        <p14:creationId xmlns:p14="http://schemas.microsoft.com/office/powerpoint/2010/main" val="2346193790"/>
-      </p:ext>
-    </p:extLst>
-  </p:cSld>
-  <p:clrMapOvr>
-    <a:masterClrMapping/>
-  </p:clrMapOvr>
-  <p:timing>
-    <p:tnLst>
-      <p:par>
-        <p:cTn id="1" dur="indefinite" restart="never" nodeType="tmRoot"/>
-      </p:par>
-    </p:tnLst>
-  </p:timing>
-</p:sld>
-</file>
-
-<file path=ppt/slides/slide11.xml><?xml version="1.0" encoding="utf-8"?>
-<p:sld xmlns:a="http://schemas.openxmlformats.org/drawingml/2006/main" xmlns:r="http://schemas.openxmlformats.org/officeDocument/2006/relationships" xmlns:p="http://schemas.openxmlformats.org/presentationml/2006/main">
-  <p:cSld>
-    <p:spTree>
-      <p:nvGrpSpPr>
-        <p:cNvPr id="1" name=""/>
-        <p:cNvGrpSpPr/>
-        <p:nvPr/>
-      </p:nvGrpSpPr>
-      <p:grpSpPr>
-        <a:xfrm>
-          <a:off x="0" y="0"/>
-          <a:ext cx="0" cy="0"/>
-          <a:chOff x="0" y="0"/>
-          <a:chExt cx="0" cy="0"/>
-        </a:xfrm>
-      </p:grpSpPr>
-      <p:sp>
-        <p:nvSpPr>
           <p:cNvPr id="13314" name="内容占位符 1"/>
           <p:cNvSpPr>
             <a:spLocks noGrp="1"/>
@@ -4861,11 +4320,7 @@
             </a:r>
             <a:r>
               <a:rPr kumimoji="0" lang="zh-CN" altLang="en-US" dirty="0" smtClean="0"/>
-              <a:t>调用</a:t>
-            </a:r>
-            <a:r>
-              <a:rPr kumimoji="0" lang="zh-CN" altLang="en-US" dirty="0" smtClean="0"/>
-              <a:t>函数</a:t>
+              <a:t>调用函数</a:t>
             </a:r>
             <a:endParaRPr kumimoji="0" lang="en-US" altLang="zh-CN" sz="2600" dirty="0"/>
           </a:p>
@@ -4877,11 +4332,7 @@
             </a:pPr>
             <a:r>
               <a:rPr kumimoji="0" lang="zh-CN" altLang="en-US" sz="2400" dirty="0" smtClean="0"/>
-              <a:t> </a:t>
-            </a:r>
-            <a:r>
-              <a:rPr kumimoji="0" lang="zh-CN" altLang="en-US" sz="2400" dirty="0" smtClean="0"/>
-              <a:t>使用</a:t>
+              <a:t> 使用</a:t>
             </a:r>
             <a:r>
               <a:rPr kumimoji="0" lang="en-US" altLang="zh-CN" sz="2400" dirty="0" smtClean="0">
@@ -5547,7 +4998,7 @@
 </p:sld>
 </file>
 
-<file path=ppt/slides/slide12.xml><?xml version="1.0" encoding="utf-8"?>
+<file path=ppt/slides/slide11.xml><?xml version="1.0" encoding="utf-8"?>
 <p:sld xmlns:a="http://schemas.openxmlformats.org/drawingml/2006/main" xmlns:r="http://schemas.openxmlformats.org/officeDocument/2006/relationships" xmlns:p="http://schemas.openxmlformats.org/presentationml/2006/main">
   <p:cSld>
     <p:spTree>
@@ -5715,7 +5166,7 @@
 </p:sld>
 </file>
 
-<file path=ppt/slides/slide13.xml><?xml version="1.0" encoding="utf-8"?>
+<file path=ppt/slides/slide12.xml><?xml version="1.0" encoding="utf-8"?>
 <p:sld xmlns:a="http://schemas.openxmlformats.org/drawingml/2006/main" xmlns:r="http://schemas.openxmlformats.org/officeDocument/2006/relationships" xmlns:p="http://schemas.openxmlformats.org/presentationml/2006/main">
   <p:cSld>
     <p:spTree>
@@ -6045,7 +5496,7 @@
 </p:sld>
 </file>
 
-<file path=ppt/slides/slide14.xml><?xml version="1.0" encoding="utf-8"?>
+<file path=ppt/slides/slide13.xml><?xml version="1.0" encoding="utf-8"?>
 <p:sld xmlns:a="http://schemas.openxmlformats.org/drawingml/2006/main" xmlns:r="http://schemas.openxmlformats.org/officeDocument/2006/relationships" xmlns:p="http://schemas.openxmlformats.org/presentationml/2006/main">
   <p:cSld>
     <p:spTree>
@@ -6636,7 +6087,7 @@
 </p:sld>
 </file>
 
-<file path=ppt/slides/slide15.xml><?xml version="1.0" encoding="utf-8"?>
+<file path=ppt/slides/slide14.xml><?xml version="1.0" encoding="utf-8"?>
 <p:sld xmlns:a="http://schemas.openxmlformats.org/drawingml/2006/main" xmlns:r="http://schemas.openxmlformats.org/officeDocument/2006/relationships" xmlns:p="http://schemas.openxmlformats.org/presentationml/2006/main">
   <p:cSld>
     <p:spTree>
@@ -7141,7 +6592,7 @@
 </p:sld>
 </file>
 
-<file path=ppt/slides/slide16.xml><?xml version="1.0" encoding="utf-8"?>
+<file path=ppt/slides/slide15.xml><?xml version="1.0" encoding="utf-8"?>
 <p:sld xmlns:a="http://schemas.openxmlformats.org/drawingml/2006/main" xmlns:r="http://schemas.openxmlformats.org/officeDocument/2006/relationships" xmlns:p="http://schemas.openxmlformats.org/presentationml/2006/main">
   <p:cSld>
     <p:spTree>
@@ -7204,11 +6655,7 @@
           <a:p>
             <a:r>
               <a:rPr kumimoji="0" lang="zh-CN" altLang="en-US" b="1" dirty="0" smtClean="0"/>
-              <a:t> 定义</a:t>
-            </a:r>
-            <a:r>
-              <a:rPr kumimoji="0" lang="zh-CN" altLang="en-US" b="1" dirty="0" smtClean="0"/>
-              <a:t>函数</a:t>
+              <a:t> 定义函数</a:t>
             </a:r>
             <a:endParaRPr kumimoji="0" lang="en-US" altLang="zh-CN" sz="2400" b="1" dirty="0"/>
           </a:p>
@@ -8538,7 +7985,7 @@
 </p:sld>
 </file>
 
-<file path=ppt/slides/slide17.xml><?xml version="1.0" encoding="utf-8"?>
+<file path=ppt/slides/slide16.xml><?xml version="1.0" encoding="utf-8"?>
 <p:sld xmlns:a="http://schemas.openxmlformats.org/drawingml/2006/main" xmlns:r="http://schemas.openxmlformats.org/officeDocument/2006/relationships" xmlns:p="http://schemas.openxmlformats.org/presentationml/2006/main">
   <p:cSld>
     <p:spTree>
@@ -9560,7 +9007,7 @@
 </p:sld>
 </file>
 
-<file path=ppt/slides/slide18.xml><?xml version="1.0" encoding="utf-8"?>
+<file path=ppt/slides/slide17.xml><?xml version="1.0" encoding="utf-8"?>
 <p:sld xmlns:a="http://schemas.openxmlformats.org/drawingml/2006/main" xmlns:r="http://schemas.openxmlformats.org/officeDocument/2006/relationships" xmlns:p="http://schemas.openxmlformats.org/presentationml/2006/main">
   <p:cSld>
     <p:spTree>
@@ -9787,7 +9234,7 @@
 </p:sld>
 </file>
 
-<file path=ppt/slides/slide19.xml><?xml version="1.0" encoding="utf-8"?>
+<file path=ppt/slides/slide18.xml><?xml version="1.0" encoding="utf-8"?>
 <p:sld xmlns:a="http://schemas.openxmlformats.org/drawingml/2006/main" xmlns:r="http://schemas.openxmlformats.org/officeDocument/2006/relationships" xmlns:p="http://schemas.openxmlformats.org/presentationml/2006/main">
   <p:cSld>
     <p:spTree>
@@ -10708,504 +10155,7 @@
 </p:sld>
 </file>
 
-<file path=ppt/slides/slide2.xml><?xml version="1.0" encoding="utf-8"?>
-<p:sld xmlns:a="http://schemas.openxmlformats.org/drawingml/2006/main" xmlns:r="http://schemas.openxmlformats.org/officeDocument/2006/relationships" xmlns:p="http://schemas.openxmlformats.org/presentationml/2006/main">
-  <p:cSld>
-    <p:spTree>
-      <p:nvGrpSpPr>
-        <p:cNvPr id="1" name=""/>
-        <p:cNvGrpSpPr/>
-        <p:nvPr/>
-      </p:nvGrpSpPr>
-      <p:grpSpPr>
-        <a:xfrm>
-          <a:off x="0" y="0"/>
-          <a:ext cx="0" cy="0"/>
-          <a:chOff x="0" y="0"/>
-          <a:chExt cx="0" cy="0"/>
-        </a:xfrm>
-      </p:grpSpPr>
-      <p:sp>
-        <p:nvSpPr>
-          <p:cNvPr id="5123" name="AutoShape 6"/>
-          <p:cNvSpPr>
-            <a:spLocks noChangeArrowheads="1"/>
-          </p:cNvSpPr>
-          <p:nvPr/>
-        </p:nvSpPr>
-        <p:spPr bwMode="auto">
-          <a:xfrm>
-            <a:off x="2881313" y="1500188"/>
-            <a:ext cx="6711950" cy="4214812"/>
-          </a:xfrm>
-          <a:prstGeom prst="roundRect">
-            <a:avLst>
-              <a:gd name="adj" fmla="val 16667"/>
-            </a:avLst>
-          </a:prstGeom>
-          <a:noFill/>
-          <a:ln w="28575">
-            <a:solidFill>
-              <a:srgbClr val="C0C0C0"/>
-            </a:solidFill>
-            <a:prstDash val="sysDot"/>
-            <a:round/>
-            <a:headEnd/>
-            <a:tailEnd/>
-          </a:ln>
-          <a:extLst>
-            <a:ext uri="{909E8E84-426E-40DD-AFC4-6F175D3DCCD1}">
-              <a14:hiddenFill xmlns:a14="http://schemas.microsoft.com/office/drawing/2010/main">
-                <a:solidFill>
-                  <a:srgbClr val="FFFFFF"/>
-                </a:solidFill>
-              </a14:hiddenFill>
-            </a:ext>
-          </a:extLst>
-        </p:spPr>
-        <p:txBody>
-          <a:bodyPr wrap="none" anchor="ctr"/>
-          <a:lstStyle>
-            <a:lvl1pPr marL="457200" indent="-457200">
-              <a:defRPr sz="3200">
-                <a:solidFill>
-                  <a:schemeClr val="tx1"/>
-                </a:solidFill>
-                <a:latin typeface="Arial" panose="020B0604020202020204" pitchFamily="34" charset="0"/>
-                <a:ea typeface="微软雅黑" panose="020B0503020204020204" pitchFamily="34" charset="-122"/>
-              </a:defRPr>
-            </a:lvl1pPr>
-            <a:lvl2pPr marL="742950" indent="-285750">
-              <a:defRPr sz="3200">
-                <a:solidFill>
-                  <a:schemeClr val="tx1"/>
-                </a:solidFill>
-                <a:latin typeface="Arial" panose="020B0604020202020204" pitchFamily="34" charset="0"/>
-                <a:ea typeface="微软雅黑" panose="020B0503020204020204" pitchFamily="34" charset="-122"/>
-              </a:defRPr>
-            </a:lvl2pPr>
-            <a:lvl3pPr marL="1143000" indent="-228600">
-              <a:defRPr sz="3200">
-                <a:solidFill>
-                  <a:schemeClr val="tx1"/>
-                </a:solidFill>
-                <a:latin typeface="Arial" panose="020B0604020202020204" pitchFamily="34" charset="0"/>
-                <a:ea typeface="微软雅黑" panose="020B0503020204020204" pitchFamily="34" charset="-122"/>
-              </a:defRPr>
-            </a:lvl3pPr>
-            <a:lvl4pPr marL="1600200" indent="-228600">
-              <a:defRPr sz="3200">
-                <a:solidFill>
-                  <a:schemeClr val="tx1"/>
-                </a:solidFill>
-                <a:latin typeface="Arial" panose="020B0604020202020204" pitchFamily="34" charset="0"/>
-                <a:ea typeface="微软雅黑" panose="020B0503020204020204" pitchFamily="34" charset="-122"/>
-              </a:defRPr>
-            </a:lvl4pPr>
-            <a:lvl5pPr marL="2057400" indent="-228600">
-              <a:defRPr sz="3200">
-                <a:solidFill>
-                  <a:schemeClr val="tx1"/>
-                </a:solidFill>
-                <a:latin typeface="Arial" panose="020B0604020202020204" pitchFamily="34" charset="0"/>
-                <a:ea typeface="微软雅黑" panose="020B0503020204020204" pitchFamily="34" charset="-122"/>
-              </a:defRPr>
-            </a:lvl5pPr>
-            <a:lvl6pPr marL="2514600" indent="-228600" eaLnBrk="0" fontAlgn="base" hangingPunct="0">
-              <a:spcBef>
-                <a:spcPct val="0"/>
-              </a:spcBef>
-              <a:spcAft>
-                <a:spcPct val="0"/>
-              </a:spcAft>
-              <a:defRPr sz="3200">
-                <a:solidFill>
-                  <a:schemeClr val="tx1"/>
-                </a:solidFill>
-                <a:latin typeface="Arial" panose="020B0604020202020204" pitchFamily="34" charset="0"/>
-                <a:ea typeface="微软雅黑" panose="020B0503020204020204" pitchFamily="34" charset="-122"/>
-              </a:defRPr>
-            </a:lvl6pPr>
-            <a:lvl7pPr marL="2971800" indent="-228600" eaLnBrk="0" fontAlgn="base" hangingPunct="0">
-              <a:spcBef>
-                <a:spcPct val="0"/>
-              </a:spcBef>
-              <a:spcAft>
-                <a:spcPct val="0"/>
-              </a:spcAft>
-              <a:defRPr sz="3200">
-                <a:solidFill>
-                  <a:schemeClr val="tx1"/>
-                </a:solidFill>
-                <a:latin typeface="Arial" panose="020B0604020202020204" pitchFamily="34" charset="0"/>
-                <a:ea typeface="微软雅黑" panose="020B0503020204020204" pitchFamily="34" charset="-122"/>
-              </a:defRPr>
-            </a:lvl7pPr>
-            <a:lvl8pPr marL="3429000" indent="-228600" eaLnBrk="0" fontAlgn="base" hangingPunct="0">
-              <a:spcBef>
-                <a:spcPct val="0"/>
-              </a:spcBef>
-              <a:spcAft>
-                <a:spcPct val="0"/>
-              </a:spcAft>
-              <a:defRPr sz="3200">
-                <a:solidFill>
-                  <a:schemeClr val="tx1"/>
-                </a:solidFill>
-                <a:latin typeface="Arial" panose="020B0604020202020204" pitchFamily="34" charset="0"/>
-                <a:ea typeface="微软雅黑" panose="020B0503020204020204" pitchFamily="34" charset="-122"/>
-              </a:defRPr>
-            </a:lvl8pPr>
-            <a:lvl9pPr marL="3886200" indent="-228600" eaLnBrk="0" fontAlgn="base" hangingPunct="0">
-              <a:spcBef>
-                <a:spcPct val="0"/>
-              </a:spcBef>
-              <a:spcAft>
-                <a:spcPct val="0"/>
-              </a:spcAft>
-              <a:defRPr sz="3200">
-                <a:solidFill>
-                  <a:schemeClr val="tx1"/>
-                </a:solidFill>
-                <a:latin typeface="Arial" panose="020B0604020202020204" pitchFamily="34" charset="0"/>
-                <a:ea typeface="微软雅黑" panose="020B0503020204020204" pitchFamily="34" charset="-122"/>
-              </a:defRPr>
-            </a:lvl9pPr>
-          </a:lstStyle>
-          <a:p>
-            <a:pPr>
-              <a:lnSpc>
-                <a:spcPct val="150000"/>
-              </a:lnSpc>
-              <a:spcBef>
-                <a:spcPts val="1200"/>
-              </a:spcBef>
-              <a:spcAft>
-                <a:spcPts val="1200"/>
-              </a:spcAft>
-              <a:buClr>
-                <a:srgbClr val="92D050"/>
-              </a:buClr>
-              <a:buFont typeface="Wingdings" panose="05000000000000000000" pitchFamily="2" charset="2"/>
-              <a:buChar char="Ø"/>
-            </a:pPr>
-            <a:r>
-              <a:rPr lang="zh-CN" altLang="en-US" sz="2800" b="1" dirty="0"/>
-              <a:t>函数的定义和调用</a:t>
-            </a:r>
-            <a:endParaRPr lang="en-US" altLang="zh-CN" sz="2800" b="1" dirty="0"/>
-          </a:p>
-          <a:p>
-            <a:pPr>
-              <a:lnSpc>
-                <a:spcPct val="150000"/>
-              </a:lnSpc>
-              <a:spcBef>
-                <a:spcPts val="1200"/>
-              </a:spcBef>
-              <a:spcAft>
-                <a:spcPts val="1200"/>
-              </a:spcAft>
-              <a:buClr>
-                <a:srgbClr val="92D050"/>
-              </a:buClr>
-              <a:buFont typeface="Wingdings" panose="05000000000000000000" pitchFamily="2" charset="2"/>
-              <a:buChar char="Ø"/>
-            </a:pPr>
-            <a:r>
-              <a:rPr lang="zh-CN" altLang="en-US" sz="2800" b="1" dirty="0"/>
-              <a:t>函数的参数和返回值</a:t>
-            </a:r>
-            <a:endParaRPr lang="en-US" altLang="zh-CN" sz="2800" b="1" dirty="0"/>
-          </a:p>
-          <a:p>
-            <a:pPr>
-              <a:lnSpc>
-                <a:spcPct val="150000"/>
-              </a:lnSpc>
-              <a:spcBef>
-                <a:spcPts val="1200"/>
-              </a:spcBef>
-              <a:spcAft>
-                <a:spcPts val="1200"/>
-              </a:spcAft>
-              <a:buClr>
-                <a:srgbClr val="92D050"/>
-              </a:buClr>
-              <a:buFont typeface="Wingdings" panose="05000000000000000000" pitchFamily="2" charset="2"/>
-              <a:buChar char="Ø"/>
-            </a:pPr>
-            <a:r>
-              <a:rPr lang="zh-CN" altLang="en-US" sz="2800" b="1" dirty="0"/>
-              <a:t>函数的嵌套</a:t>
-            </a:r>
-            <a:endParaRPr lang="en-US" altLang="zh-CN" sz="2800" b="1" dirty="0"/>
-          </a:p>
-          <a:p>
-            <a:pPr>
-              <a:lnSpc>
-                <a:spcPct val="150000"/>
-              </a:lnSpc>
-              <a:spcBef>
-                <a:spcPts val="1200"/>
-              </a:spcBef>
-              <a:spcAft>
-                <a:spcPts val="1200"/>
-              </a:spcAft>
-              <a:buClr>
-                <a:srgbClr val="92D050"/>
-              </a:buClr>
-              <a:buFont typeface="Wingdings" panose="05000000000000000000" pitchFamily="2" charset="2"/>
-              <a:buChar char="Ø"/>
-            </a:pPr>
-            <a:r>
-              <a:rPr lang="zh-CN" altLang="en-US" sz="2800" b="1" dirty="0"/>
-              <a:t>事件及事件处理</a:t>
-            </a:r>
-            <a:endParaRPr lang="en-US" altLang="zh-CN" sz="2800" b="1" dirty="0"/>
-          </a:p>
-        </p:txBody>
-      </p:sp>
-      <p:sp>
-        <p:nvSpPr>
-          <p:cNvPr id="4" name="内容占位符 1"/>
-          <p:cNvSpPr txBox="1">
-            <a:spLocks/>
-          </p:cNvSpPr>
-          <p:nvPr/>
-        </p:nvSpPr>
-        <p:spPr>
-          <a:xfrm>
-            <a:off x="1090714" y="236943"/>
-            <a:ext cx="8191557" cy="490476"/>
-          </a:xfrm>
-          <a:prstGeom prst="rect">
-            <a:avLst/>
-          </a:prstGeom>
-        </p:spPr>
-        <p:txBody>
-          <a:bodyPr/>
-          <a:lstStyle>
-            <a:lvl1pPr marL="166688" indent="-166688" algn="l" defTabSz="0" rtl="0" eaLnBrk="0" fontAlgn="base" hangingPunct="0">
-              <a:spcBef>
-                <a:spcPct val="0"/>
-              </a:spcBef>
-              <a:spcAft>
-                <a:spcPct val="15000"/>
-              </a:spcAft>
-              <a:buClr>
-                <a:schemeClr val="tx2"/>
-              </a:buClr>
-              <a:buFont typeface="Arial" panose="020B0604020202020204" pitchFamily="34" charset="0"/>
-              <a:buChar char="•"/>
-              <a:defRPr kumimoji="1" sz="1600">
-                <a:solidFill>
-                  <a:srgbClr val="006F53"/>
-                </a:solidFill>
-                <a:latin typeface="微软雅黑" pitchFamily="34" charset="-122"/>
-                <a:ea typeface="微软雅黑" pitchFamily="34" charset="-122"/>
-                <a:cs typeface="微软雅黑" charset="0"/>
-              </a:defRPr>
-            </a:lvl1pPr>
-            <a:lvl2pPr marL="398463" indent="-230188" algn="l" defTabSz="0" rtl="0" eaLnBrk="0" fontAlgn="base" hangingPunct="0">
-              <a:spcBef>
-                <a:spcPct val="0"/>
-              </a:spcBef>
-              <a:spcAft>
-                <a:spcPct val="15000"/>
-              </a:spcAft>
-              <a:buClr>
-                <a:schemeClr val="tx2"/>
-              </a:buClr>
-              <a:buFont typeface="Arial" panose="020B0604020202020204" pitchFamily="34" charset="0"/>
-              <a:buChar char="–"/>
-              <a:defRPr kumimoji="1" sz="2800">
-                <a:solidFill>
-                  <a:schemeClr val="bg2"/>
-                </a:solidFill>
-                <a:latin typeface="微软雅黑" pitchFamily="34" charset="-122"/>
-                <a:ea typeface="微软雅黑" pitchFamily="34" charset="-122"/>
-                <a:cs typeface="微软雅黑" charset="0"/>
-              </a:defRPr>
-            </a:lvl2pPr>
-            <a:lvl3pPr marL="400050" indent="182563" algn="l" defTabSz="0" rtl="0" eaLnBrk="0" fontAlgn="base" hangingPunct="0">
-              <a:spcBef>
-                <a:spcPct val="0"/>
-              </a:spcBef>
-              <a:spcAft>
-                <a:spcPct val="15000"/>
-              </a:spcAft>
-              <a:buClr>
-                <a:schemeClr val="tx2"/>
-              </a:buClr>
-              <a:buFont typeface="Arial" panose="020B0604020202020204" pitchFamily="34" charset="0"/>
-              <a:buChar char="•"/>
-              <a:defRPr kumimoji="1" sz="1600">
-                <a:solidFill>
-                  <a:schemeClr val="bg2"/>
-                </a:solidFill>
-                <a:latin typeface="微软雅黑" pitchFamily="34" charset="-122"/>
-                <a:ea typeface="微软雅黑" pitchFamily="34" charset="-122"/>
-                <a:cs typeface="微软雅黑" charset="0"/>
-              </a:defRPr>
-            </a:lvl3pPr>
-            <a:lvl4pPr marL="825500" indent="-241300" algn="l" defTabSz="0" rtl="0" eaLnBrk="0" fontAlgn="base" hangingPunct="0">
-              <a:spcBef>
-                <a:spcPct val="0"/>
-              </a:spcBef>
-              <a:spcAft>
-                <a:spcPct val="15000"/>
-              </a:spcAft>
-              <a:buClr>
-                <a:schemeClr val="tx2"/>
-              </a:buClr>
-              <a:buFont typeface="Arial" panose="020B0604020202020204" pitchFamily="34" charset="0"/>
-              <a:buChar char="–"/>
-              <a:defRPr kumimoji="1" sz="1600">
-                <a:solidFill>
-                  <a:schemeClr val="bg2"/>
-                </a:solidFill>
-                <a:latin typeface="微软雅黑" pitchFamily="34" charset="-122"/>
-                <a:ea typeface="微软雅黑" pitchFamily="34" charset="-122"/>
-                <a:cs typeface="微软雅黑" charset="0"/>
-              </a:defRPr>
-            </a:lvl4pPr>
-            <a:lvl5pPr marL="2057400" indent="-228600" algn="l" defTabSz="0" rtl="0" eaLnBrk="0" fontAlgn="base" hangingPunct="0">
-              <a:spcBef>
-                <a:spcPct val="0"/>
-              </a:spcBef>
-              <a:spcAft>
-                <a:spcPct val="25000"/>
-              </a:spcAft>
-              <a:buClr>
-                <a:schemeClr val="tx2"/>
-              </a:buClr>
-              <a:buFont typeface="Arial" panose="020B0604020202020204" pitchFamily="34" charset="0"/>
-              <a:buChar char="–"/>
-              <a:defRPr kumimoji="1" sz="2000">
-                <a:solidFill>
-                  <a:schemeClr val="tx1"/>
-                </a:solidFill>
-                <a:latin typeface="+mn-lt"/>
-                <a:ea typeface="微软雅黑" pitchFamily="34" charset="-122"/>
-                <a:cs typeface="微软雅黑" charset="0"/>
-              </a:defRPr>
-            </a:lvl5pPr>
-            <a:lvl6pPr marL="2514600" indent="-228600" algn="l" defTabSz="0" rtl="0" eaLnBrk="0" fontAlgn="base" hangingPunct="0">
-              <a:spcBef>
-                <a:spcPct val="0"/>
-              </a:spcBef>
-              <a:spcAft>
-                <a:spcPct val="25000"/>
-              </a:spcAft>
-              <a:buClr>
-                <a:schemeClr val="tx2"/>
-              </a:buClr>
-              <a:buFont typeface="Arial" pitchFamily="34" charset="0"/>
-              <a:buChar char="–"/>
-              <a:defRPr>
-                <a:solidFill>
-                  <a:schemeClr val="tx1"/>
-                </a:solidFill>
-                <a:latin typeface="+mn-lt"/>
-              </a:defRPr>
-            </a:lvl6pPr>
-            <a:lvl7pPr marL="2971800" indent="-228600" algn="l" defTabSz="0" rtl="0" eaLnBrk="0" fontAlgn="base" hangingPunct="0">
-              <a:spcBef>
-                <a:spcPct val="0"/>
-              </a:spcBef>
-              <a:spcAft>
-                <a:spcPct val="25000"/>
-              </a:spcAft>
-              <a:buClr>
-                <a:schemeClr val="tx2"/>
-              </a:buClr>
-              <a:buFont typeface="Arial" pitchFamily="34" charset="0"/>
-              <a:buChar char="–"/>
-              <a:defRPr>
-                <a:solidFill>
-                  <a:schemeClr val="tx1"/>
-                </a:solidFill>
-                <a:latin typeface="+mn-lt"/>
-              </a:defRPr>
-            </a:lvl7pPr>
-            <a:lvl8pPr marL="3429000" indent="-228600" algn="l" defTabSz="0" rtl="0" eaLnBrk="0" fontAlgn="base" hangingPunct="0">
-              <a:spcBef>
-                <a:spcPct val="0"/>
-              </a:spcBef>
-              <a:spcAft>
-                <a:spcPct val="25000"/>
-              </a:spcAft>
-              <a:buClr>
-                <a:schemeClr val="tx2"/>
-              </a:buClr>
-              <a:buFont typeface="Arial" pitchFamily="34" charset="0"/>
-              <a:buChar char="–"/>
-              <a:defRPr>
-                <a:solidFill>
-                  <a:schemeClr val="tx1"/>
-                </a:solidFill>
-                <a:latin typeface="+mn-lt"/>
-              </a:defRPr>
-            </a:lvl8pPr>
-            <a:lvl9pPr marL="3886200" indent="-228600" algn="l" defTabSz="0" rtl="0" eaLnBrk="0" fontAlgn="base" hangingPunct="0">
-              <a:spcBef>
-                <a:spcPct val="0"/>
-              </a:spcBef>
-              <a:spcAft>
-                <a:spcPct val="25000"/>
-              </a:spcAft>
-              <a:buClr>
-                <a:schemeClr val="tx2"/>
-              </a:buClr>
-              <a:buFont typeface="Arial" pitchFamily="34" charset="0"/>
-              <a:buChar char="–"/>
-              <a:defRPr>
-                <a:solidFill>
-                  <a:schemeClr val="tx1"/>
-                </a:solidFill>
-                <a:latin typeface="+mn-lt"/>
-              </a:defRPr>
-            </a:lvl9pPr>
-          </a:lstStyle>
-          <a:p>
-            <a:pPr marL="0" indent="0">
-              <a:buNone/>
-            </a:pPr>
-            <a:r>
-              <a:rPr lang="zh-CN" altLang="en-US" sz="3200" dirty="0" smtClean="0">
-                <a:solidFill>
-                  <a:srgbClr val="C00000"/>
-                </a:solidFill>
-                <a:cs typeface="+mn-cs"/>
-              </a:rPr>
-              <a:t>内容提纲</a:t>
-            </a:r>
-            <a:endParaRPr lang="zh-CN" altLang="en-US" sz="3200" dirty="0">
-              <a:solidFill>
-                <a:srgbClr val="C00000"/>
-              </a:solidFill>
-              <a:cs typeface="+mn-cs"/>
-            </a:endParaRPr>
-          </a:p>
-        </p:txBody>
-      </p:sp>
-    </p:spTree>
-  </p:cSld>
-  <p:clrMapOvr>
-    <a:masterClrMapping/>
-  </p:clrMapOvr>
-  <p:timing>
-    <p:tnLst>
-      <p:par>
-        <p:cTn id="1" dur="indefinite" restart="never" nodeType="tmRoot"/>
-      </p:par>
-    </p:tnLst>
-  </p:timing>
-</p:sld>
-</file>
-
-<file path=ppt/slides/slide20.xml><?xml version="1.0" encoding="utf-8"?>
+<file path=ppt/slides/slide19.xml><?xml version="1.0" encoding="utf-8"?>
 <p:sld xmlns:a="http://schemas.openxmlformats.org/drawingml/2006/main" xmlns:r="http://schemas.openxmlformats.org/officeDocument/2006/relationships" xmlns:p="http://schemas.openxmlformats.org/presentationml/2006/main">
   <p:cSld>
     <p:spTree>
@@ -12069,7 +11019,504 @@
 </p:sld>
 </file>
 
-<file path=ppt/slides/slide21.xml><?xml version="1.0" encoding="utf-8"?>
+<file path=ppt/slides/slide2.xml><?xml version="1.0" encoding="utf-8"?>
+<p:sld xmlns:a="http://schemas.openxmlformats.org/drawingml/2006/main" xmlns:r="http://schemas.openxmlformats.org/officeDocument/2006/relationships" xmlns:p="http://schemas.openxmlformats.org/presentationml/2006/main">
+  <p:cSld>
+    <p:spTree>
+      <p:nvGrpSpPr>
+        <p:cNvPr id="1" name=""/>
+        <p:cNvGrpSpPr/>
+        <p:nvPr/>
+      </p:nvGrpSpPr>
+      <p:grpSpPr>
+        <a:xfrm>
+          <a:off x="0" y="0"/>
+          <a:ext cx="0" cy="0"/>
+          <a:chOff x="0" y="0"/>
+          <a:chExt cx="0" cy="0"/>
+        </a:xfrm>
+      </p:grpSpPr>
+      <p:sp>
+        <p:nvSpPr>
+          <p:cNvPr id="5123" name="AutoShape 6"/>
+          <p:cNvSpPr>
+            <a:spLocks noChangeArrowheads="1"/>
+          </p:cNvSpPr>
+          <p:nvPr/>
+        </p:nvSpPr>
+        <p:spPr bwMode="auto">
+          <a:xfrm>
+            <a:off x="2881313" y="1500188"/>
+            <a:ext cx="6711950" cy="4214812"/>
+          </a:xfrm>
+          <a:prstGeom prst="roundRect">
+            <a:avLst>
+              <a:gd name="adj" fmla="val 16667"/>
+            </a:avLst>
+          </a:prstGeom>
+          <a:noFill/>
+          <a:ln w="28575">
+            <a:solidFill>
+              <a:srgbClr val="C0C0C0"/>
+            </a:solidFill>
+            <a:prstDash val="sysDot"/>
+            <a:round/>
+            <a:headEnd/>
+            <a:tailEnd/>
+          </a:ln>
+          <a:extLst>
+            <a:ext uri="{909E8E84-426E-40DD-AFC4-6F175D3DCCD1}">
+              <a14:hiddenFill xmlns:a14="http://schemas.microsoft.com/office/drawing/2010/main">
+                <a:solidFill>
+                  <a:srgbClr val="FFFFFF"/>
+                </a:solidFill>
+              </a14:hiddenFill>
+            </a:ext>
+          </a:extLst>
+        </p:spPr>
+        <p:txBody>
+          <a:bodyPr wrap="none" anchor="ctr"/>
+          <a:lstStyle>
+            <a:lvl1pPr marL="457200" indent="-457200">
+              <a:defRPr sz="3200">
+                <a:solidFill>
+                  <a:schemeClr val="tx1"/>
+                </a:solidFill>
+                <a:latin typeface="Arial" panose="020B0604020202020204" pitchFamily="34" charset="0"/>
+                <a:ea typeface="微软雅黑" panose="020B0503020204020204" pitchFamily="34" charset="-122"/>
+              </a:defRPr>
+            </a:lvl1pPr>
+            <a:lvl2pPr marL="742950" indent="-285750">
+              <a:defRPr sz="3200">
+                <a:solidFill>
+                  <a:schemeClr val="tx1"/>
+                </a:solidFill>
+                <a:latin typeface="Arial" panose="020B0604020202020204" pitchFamily="34" charset="0"/>
+                <a:ea typeface="微软雅黑" panose="020B0503020204020204" pitchFamily="34" charset="-122"/>
+              </a:defRPr>
+            </a:lvl2pPr>
+            <a:lvl3pPr marL="1143000" indent="-228600">
+              <a:defRPr sz="3200">
+                <a:solidFill>
+                  <a:schemeClr val="tx1"/>
+                </a:solidFill>
+                <a:latin typeface="Arial" panose="020B0604020202020204" pitchFamily="34" charset="0"/>
+                <a:ea typeface="微软雅黑" panose="020B0503020204020204" pitchFamily="34" charset="-122"/>
+              </a:defRPr>
+            </a:lvl3pPr>
+            <a:lvl4pPr marL="1600200" indent="-228600">
+              <a:defRPr sz="3200">
+                <a:solidFill>
+                  <a:schemeClr val="tx1"/>
+                </a:solidFill>
+                <a:latin typeface="Arial" panose="020B0604020202020204" pitchFamily="34" charset="0"/>
+                <a:ea typeface="微软雅黑" panose="020B0503020204020204" pitchFamily="34" charset="-122"/>
+              </a:defRPr>
+            </a:lvl4pPr>
+            <a:lvl5pPr marL="2057400" indent="-228600">
+              <a:defRPr sz="3200">
+                <a:solidFill>
+                  <a:schemeClr val="tx1"/>
+                </a:solidFill>
+                <a:latin typeface="Arial" panose="020B0604020202020204" pitchFamily="34" charset="0"/>
+                <a:ea typeface="微软雅黑" panose="020B0503020204020204" pitchFamily="34" charset="-122"/>
+              </a:defRPr>
+            </a:lvl5pPr>
+            <a:lvl6pPr marL="2514600" indent="-228600" eaLnBrk="0" fontAlgn="base" hangingPunct="0">
+              <a:spcBef>
+                <a:spcPct val="0"/>
+              </a:spcBef>
+              <a:spcAft>
+                <a:spcPct val="0"/>
+              </a:spcAft>
+              <a:defRPr sz="3200">
+                <a:solidFill>
+                  <a:schemeClr val="tx1"/>
+                </a:solidFill>
+                <a:latin typeface="Arial" panose="020B0604020202020204" pitchFamily="34" charset="0"/>
+                <a:ea typeface="微软雅黑" panose="020B0503020204020204" pitchFamily="34" charset="-122"/>
+              </a:defRPr>
+            </a:lvl6pPr>
+            <a:lvl7pPr marL="2971800" indent="-228600" eaLnBrk="0" fontAlgn="base" hangingPunct="0">
+              <a:spcBef>
+                <a:spcPct val="0"/>
+              </a:spcBef>
+              <a:spcAft>
+                <a:spcPct val="0"/>
+              </a:spcAft>
+              <a:defRPr sz="3200">
+                <a:solidFill>
+                  <a:schemeClr val="tx1"/>
+                </a:solidFill>
+                <a:latin typeface="Arial" panose="020B0604020202020204" pitchFamily="34" charset="0"/>
+                <a:ea typeface="微软雅黑" panose="020B0503020204020204" pitchFamily="34" charset="-122"/>
+              </a:defRPr>
+            </a:lvl7pPr>
+            <a:lvl8pPr marL="3429000" indent="-228600" eaLnBrk="0" fontAlgn="base" hangingPunct="0">
+              <a:spcBef>
+                <a:spcPct val="0"/>
+              </a:spcBef>
+              <a:spcAft>
+                <a:spcPct val="0"/>
+              </a:spcAft>
+              <a:defRPr sz="3200">
+                <a:solidFill>
+                  <a:schemeClr val="tx1"/>
+                </a:solidFill>
+                <a:latin typeface="Arial" panose="020B0604020202020204" pitchFamily="34" charset="0"/>
+                <a:ea typeface="微软雅黑" panose="020B0503020204020204" pitchFamily="34" charset="-122"/>
+              </a:defRPr>
+            </a:lvl8pPr>
+            <a:lvl9pPr marL="3886200" indent="-228600" eaLnBrk="0" fontAlgn="base" hangingPunct="0">
+              <a:spcBef>
+                <a:spcPct val="0"/>
+              </a:spcBef>
+              <a:spcAft>
+                <a:spcPct val="0"/>
+              </a:spcAft>
+              <a:defRPr sz="3200">
+                <a:solidFill>
+                  <a:schemeClr val="tx1"/>
+                </a:solidFill>
+                <a:latin typeface="Arial" panose="020B0604020202020204" pitchFamily="34" charset="0"/>
+                <a:ea typeface="微软雅黑" panose="020B0503020204020204" pitchFamily="34" charset="-122"/>
+              </a:defRPr>
+            </a:lvl9pPr>
+          </a:lstStyle>
+          <a:p>
+            <a:pPr>
+              <a:lnSpc>
+                <a:spcPct val="150000"/>
+              </a:lnSpc>
+              <a:spcBef>
+                <a:spcPts val="1200"/>
+              </a:spcBef>
+              <a:spcAft>
+                <a:spcPts val="1200"/>
+              </a:spcAft>
+              <a:buClr>
+                <a:srgbClr val="92D050"/>
+              </a:buClr>
+              <a:buFont typeface="Wingdings" panose="05000000000000000000" pitchFamily="2" charset="2"/>
+              <a:buChar char="Ø"/>
+            </a:pPr>
+            <a:r>
+              <a:rPr lang="zh-CN" altLang="en-US" sz="2800" b="1" dirty="0"/>
+              <a:t>函数的定义和调用</a:t>
+            </a:r>
+            <a:endParaRPr lang="en-US" altLang="zh-CN" sz="2800" b="1" dirty="0"/>
+          </a:p>
+          <a:p>
+            <a:pPr>
+              <a:lnSpc>
+                <a:spcPct val="150000"/>
+              </a:lnSpc>
+              <a:spcBef>
+                <a:spcPts val="1200"/>
+              </a:spcBef>
+              <a:spcAft>
+                <a:spcPts val="1200"/>
+              </a:spcAft>
+              <a:buClr>
+                <a:srgbClr val="92D050"/>
+              </a:buClr>
+              <a:buFont typeface="Wingdings" panose="05000000000000000000" pitchFamily="2" charset="2"/>
+              <a:buChar char="Ø"/>
+            </a:pPr>
+            <a:r>
+              <a:rPr lang="zh-CN" altLang="en-US" sz="2800" b="1" dirty="0"/>
+              <a:t>函数的参数和返回值</a:t>
+            </a:r>
+            <a:endParaRPr lang="en-US" altLang="zh-CN" sz="2800" b="1" dirty="0"/>
+          </a:p>
+          <a:p>
+            <a:pPr>
+              <a:lnSpc>
+                <a:spcPct val="150000"/>
+              </a:lnSpc>
+              <a:spcBef>
+                <a:spcPts val="1200"/>
+              </a:spcBef>
+              <a:spcAft>
+                <a:spcPts val="1200"/>
+              </a:spcAft>
+              <a:buClr>
+                <a:srgbClr val="92D050"/>
+              </a:buClr>
+              <a:buFont typeface="Wingdings" panose="05000000000000000000" pitchFamily="2" charset="2"/>
+              <a:buChar char="Ø"/>
+            </a:pPr>
+            <a:r>
+              <a:rPr lang="zh-CN" altLang="en-US" sz="2800" b="1" dirty="0"/>
+              <a:t>函数的嵌套</a:t>
+            </a:r>
+            <a:endParaRPr lang="en-US" altLang="zh-CN" sz="2800" b="1" dirty="0"/>
+          </a:p>
+          <a:p>
+            <a:pPr>
+              <a:lnSpc>
+                <a:spcPct val="150000"/>
+              </a:lnSpc>
+              <a:spcBef>
+                <a:spcPts val="1200"/>
+              </a:spcBef>
+              <a:spcAft>
+                <a:spcPts val="1200"/>
+              </a:spcAft>
+              <a:buClr>
+                <a:srgbClr val="92D050"/>
+              </a:buClr>
+              <a:buFont typeface="Wingdings" panose="05000000000000000000" pitchFamily="2" charset="2"/>
+              <a:buChar char="Ø"/>
+            </a:pPr>
+            <a:r>
+              <a:rPr lang="zh-CN" altLang="en-US" sz="2800" b="1" dirty="0"/>
+              <a:t>事件及事件处理</a:t>
+            </a:r>
+            <a:endParaRPr lang="en-US" altLang="zh-CN" sz="2800" b="1" dirty="0"/>
+          </a:p>
+        </p:txBody>
+      </p:sp>
+      <p:sp>
+        <p:nvSpPr>
+          <p:cNvPr id="4" name="内容占位符 1"/>
+          <p:cNvSpPr txBox="1">
+            <a:spLocks/>
+          </p:cNvSpPr>
+          <p:nvPr/>
+        </p:nvSpPr>
+        <p:spPr>
+          <a:xfrm>
+            <a:off x="1090714" y="236943"/>
+            <a:ext cx="8191557" cy="490476"/>
+          </a:xfrm>
+          <a:prstGeom prst="rect">
+            <a:avLst/>
+          </a:prstGeom>
+        </p:spPr>
+        <p:txBody>
+          <a:bodyPr/>
+          <a:lstStyle>
+            <a:lvl1pPr marL="166688" indent="-166688" algn="l" defTabSz="0" rtl="0" eaLnBrk="0" fontAlgn="base" hangingPunct="0">
+              <a:spcBef>
+                <a:spcPct val="0"/>
+              </a:spcBef>
+              <a:spcAft>
+                <a:spcPct val="15000"/>
+              </a:spcAft>
+              <a:buClr>
+                <a:schemeClr val="tx2"/>
+              </a:buClr>
+              <a:buFont typeface="Arial" panose="020B0604020202020204" pitchFamily="34" charset="0"/>
+              <a:buChar char="•"/>
+              <a:defRPr kumimoji="1" sz="1600">
+                <a:solidFill>
+                  <a:srgbClr val="006F53"/>
+                </a:solidFill>
+                <a:latin typeface="微软雅黑" pitchFamily="34" charset="-122"/>
+                <a:ea typeface="微软雅黑" pitchFamily="34" charset="-122"/>
+                <a:cs typeface="微软雅黑" charset="0"/>
+              </a:defRPr>
+            </a:lvl1pPr>
+            <a:lvl2pPr marL="398463" indent="-230188" algn="l" defTabSz="0" rtl="0" eaLnBrk="0" fontAlgn="base" hangingPunct="0">
+              <a:spcBef>
+                <a:spcPct val="0"/>
+              </a:spcBef>
+              <a:spcAft>
+                <a:spcPct val="15000"/>
+              </a:spcAft>
+              <a:buClr>
+                <a:schemeClr val="tx2"/>
+              </a:buClr>
+              <a:buFont typeface="Arial" panose="020B0604020202020204" pitchFamily="34" charset="0"/>
+              <a:buChar char="–"/>
+              <a:defRPr kumimoji="1" sz="2800">
+                <a:solidFill>
+                  <a:schemeClr val="bg2"/>
+                </a:solidFill>
+                <a:latin typeface="微软雅黑" pitchFamily="34" charset="-122"/>
+                <a:ea typeface="微软雅黑" pitchFamily="34" charset="-122"/>
+                <a:cs typeface="微软雅黑" charset="0"/>
+              </a:defRPr>
+            </a:lvl2pPr>
+            <a:lvl3pPr marL="400050" indent="182563" algn="l" defTabSz="0" rtl="0" eaLnBrk="0" fontAlgn="base" hangingPunct="0">
+              <a:spcBef>
+                <a:spcPct val="0"/>
+              </a:spcBef>
+              <a:spcAft>
+                <a:spcPct val="15000"/>
+              </a:spcAft>
+              <a:buClr>
+                <a:schemeClr val="tx2"/>
+              </a:buClr>
+              <a:buFont typeface="Arial" panose="020B0604020202020204" pitchFamily="34" charset="0"/>
+              <a:buChar char="•"/>
+              <a:defRPr kumimoji="1" sz="1600">
+                <a:solidFill>
+                  <a:schemeClr val="bg2"/>
+                </a:solidFill>
+                <a:latin typeface="微软雅黑" pitchFamily="34" charset="-122"/>
+                <a:ea typeface="微软雅黑" pitchFamily="34" charset="-122"/>
+                <a:cs typeface="微软雅黑" charset="0"/>
+              </a:defRPr>
+            </a:lvl3pPr>
+            <a:lvl4pPr marL="825500" indent="-241300" algn="l" defTabSz="0" rtl="0" eaLnBrk="0" fontAlgn="base" hangingPunct="0">
+              <a:spcBef>
+                <a:spcPct val="0"/>
+              </a:spcBef>
+              <a:spcAft>
+                <a:spcPct val="15000"/>
+              </a:spcAft>
+              <a:buClr>
+                <a:schemeClr val="tx2"/>
+              </a:buClr>
+              <a:buFont typeface="Arial" panose="020B0604020202020204" pitchFamily="34" charset="0"/>
+              <a:buChar char="–"/>
+              <a:defRPr kumimoji="1" sz="1600">
+                <a:solidFill>
+                  <a:schemeClr val="bg2"/>
+                </a:solidFill>
+                <a:latin typeface="微软雅黑" pitchFamily="34" charset="-122"/>
+                <a:ea typeface="微软雅黑" pitchFamily="34" charset="-122"/>
+                <a:cs typeface="微软雅黑" charset="0"/>
+              </a:defRPr>
+            </a:lvl4pPr>
+            <a:lvl5pPr marL="2057400" indent="-228600" algn="l" defTabSz="0" rtl="0" eaLnBrk="0" fontAlgn="base" hangingPunct="0">
+              <a:spcBef>
+                <a:spcPct val="0"/>
+              </a:spcBef>
+              <a:spcAft>
+                <a:spcPct val="25000"/>
+              </a:spcAft>
+              <a:buClr>
+                <a:schemeClr val="tx2"/>
+              </a:buClr>
+              <a:buFont typeface="Arial" panose="020B0604020202020204" pitchFamily="34" charset="0"/>
+              <a:buChar char="–"/>
+              <a:defRPr kumimoji="1" sz="2000">
+                <a:solidFill>
+                  <a:schemeClr val="tx1"/>
+                </a:solidFill>
+                <a:latin typeface="+mn-lt"/>
+                <a:ea typeface="微软雅黑" pitchFamily="34" charset="-122"/>
+                <a:cs typeface="微软雅黑" charset="0"/>
+              </a:defRPr>
+            </a:lvl5pPr>
+            <a:lvl6pPr marL="2514600" indent="-228600" algn="l" defTabSz="0" rtl="0" eaLnBrk="0" fontAlgn="base" hangingPunct="0">
+              <a:spcBef>
+                <a:spcPct val="0"/>
+              </a:spcBef>
+              <a:spcAft>
+                <a:spcPct val="25000"/>
+              </a:spcAft>
+              <a:buClr>
+                <a:schemeClr val="tx2"/>
+              </a:buClr>
+              <a:buFont typeface="Arial" pitchFamily="34" charset="0"/>
+              <a:buChar char="–"/>
+              <a:defRPr>
+                <a:solidFill>
+                  <a:schemeClr val="tx1"/>
+                </a:solidFill>
+                <a:latin typeface="+mn-lt"/>
+              </a:defRPr>
+            </a:lvl6pPr>
+            <a:lvl7pPr marL="2971800" indent="-228600" algn="l" defTabSz="0" rtl="0" eaLnBrk="0" fontAlgn="base" hangingPunct="0">
+              <a:spcBef>
+                <a:spcPct val="0"/>
+              </a:spcBef>
+              <a:spcAft>
+                <a:spcPct val="25000"/>
+              </a:spcAft>
+              <a:buClr>
+                <a:schemeClr val="tx2"/>
+              </a:buClr>
+              <a:buFont typeface="Arial" pitchFamily="34" charset="0"/>
+              <a:buChar char="–"/>
+              <a:defRPr>
+                <a:solidFill>
+                  <a:schemeClr val="tx1"/>
+                </a:solidFill>
+                <a:latin typeface="+mn-lt"/>
+              </a:defRPr>
+            </a:lvl7pPr>
+            <a:lvl8pPr marL="3429000" indent="-228600" algn="l" defTabSz="0" rtl="0" eaLnBrk="0" fontAlgn="base" hangingPunct="0">
+              <a:spcBef>
+                <a:spcPct val="0"/>
+              </a:spcBef>
+              <a:spcAft>
+                <a:spcPct val="25000"/>
+              </a:spcAft>
+              <a:buClr>
+                <a:schemeClr val="tx2"/>
+              </a:buClr>
+              <a:buFont typeface="Arial" pitchFamily="34" charset="0"/>
+              <a:buChar char="–"/>
+              <a:defRPr>
+                <a:solidFill>
+                  <a:schemeClr val="tx1"/>
+                </a:solidFill>
+                <a:latin typeface="+mn-lt"/>
+              </a:defRPr>
+            </a:lvl8pPr>
+            <a:lvl9pPr marL="3886200" indent="-228600" algn="l" defTabSz="0" rtl="0" eaLnBrk="0" fontAlgn="base" hangingPunct="0">
+              <a:spcBef>
+                <a:spcPct val="0"/>
+              </a:spcBef>
+              <a:spcAft>
+                <a:spcPct val="25000"/>
+              </a:spcAft>
+              <a:buClr>
+                <a:schemeClr val="tx2"/>
+              </a:buClr>
+              <a:buFont typeface="Arial" pitchFamily="34" charset="0"/>
+              <a:buChar char="–"/>
+              <a:defRPr>
+                <a:solidFill>
+                  <a:schemeClr val="tx1"/>
+                </a:solidFill>
+                <a:latin typeface="+mn-lt"/>
+              </a:defRPr>
+            </a:lvl9pPr>
+          </a:lstStyle>
+          <a:p>
+            <a:pPr marL="0" indent="0">
+              <a:buNone/>
+            </a:pPr>
+            <a:r>
+              <a:rPr lang="zh-CN" altLang="en-US" sz="3200" dirty="0" smtClean="0">
+                <a:solidFill>
+                  <a:srgbClr val="C00000"/>
+                </a:solidFill>
+                <a:cs typeface="+mn-cs"/>
+              </a:rPr>
+              <a:t>内容提纲</a:t>
+            </a:r>
+            <a:endParaRPr lang="zh-CN" altLang="en-US" sz="3200" dirty="0">
+              <a:solidFill>
+                <a:srgbClr val="C00000"/>
+              </a:solidFill>
+              <a:cs typeface="+mn-cs"/>
+            </a:endParaRPr>
+          </a:p>
+        </p:txBody>
+      </p:sp>
+    </p:spTree>
+  </p:cSld>
+  <p:clrMapOvr>
+    <a:masterClrMapping/>
+  </p:clrMapOvr>
+  <p:timing>
+    <p:tnLst>
+      <p:par>
+        <p:cTn id="1" dur="indefinite" restart="never" nodeType="tmRoot"/>
+      </p:par>
+    </p:tnLst>
+  </p:timing>
+</p:sld>
+</file>
+
+<file path=ppt/slides/slide20.xml><?xml version="1.0" encoding="utf-8"?>
 <p:sld xmlns:a="http://schemas.openxmlformats.org/drawingml/2006/main" xmlns:r="http://schemas.openxmlformats.org/officeDocument/2006/relationships" xmlns:p="http://schemas.openxmlformats.org/presentationml/2006/main">
   <p:cSld>
     <p:spTree>
@@ -12950,7 +12397,7 @@
 </p:sld>
 </file>
 
-<file path=ppt/slides/slide22.xml><?xml version="1.0" encoding="utf-8"?>
+<file path=ppt/slides/slide21.xml><?xml version="1.0" encoding="utf-8"?>
 <p:sld xmlns:a="http://schemas.openxmlformats.org/drawingml/2006/main" xmlns:r="http://schemas.openxmlformats.org/officeDocument/2006/relationships" xmlns:p="http://schemas.openxmlformats.org/presentationml/2006/main">
   <p:cSld>
     <p:spTree>
@@ -13302,7 +12749,7 @@
 </p:sld>
 </file>
 
-<file path=ppt/slides/slide23.xml><?xml version="1.0" encoding="utf-8"?>
+<file path=ppt/slides/slide22.xml><?xml version="1.0" encoding="utf-8"?>
 <p:sld xmlns:a="http://schemas.openxmlformats.org/drawingml/2006/main" xmlns:r="http://schemas.openxmlformats.org/officeDocument/2006/relationships" xmlns:p="http://schemas.openxmlformats.org/presentationml/2006/main">
   <p:cSld>
     <p:spTree>
@@ -13345,14 +12792,14 @@
                 <a:gridCol w="1429798">
                   <a:extLst>
                     <a:ext uri="{9D8B030D-6E8A-4147-A177-3AD203B41FA5}">
-                      <a16:colId xmlns:a16="http://schemas.microsoft.com/office/drawing/2014/main" xmlns="" val="20000"/>
+                      <a16:colId xmlns="" xmlns:a16="http://schemas.microsoft.com/office/drawing/2014/main" val="20000"/>
                     </a:ext>
                   </a:extLst>
                 </a:gridCol>
                 <a:gridCol w="7430261">
                   <a:extLst>
                     <a:ext uri="{9D8B030D-6E8A-4147-A177-3AD203B41FA5}">
-                      <a16:colId xmlns:a16="http://schemas.microsoft.com/office/drawing/2014/main" xmlns="" val="20001"/>
+                      <a16:colId xmlns="" xmlns:a16="http://schemas.microsoft.com/office/drawing/2014/main" val="20001"/>
                     </a:ext>
                   </a:extLst>
                 </a:gridCol>
@@ -13530,7 +12977,7 @@
                 </a:tc>
                 <a:extLst>
                   <a:ext uri="{0D108BD9-81ED-4DB2-BD59-A6C34878D82A}">
-                    <a16:rowId xmlns:a16="http://schemas.microsoft.com/office/drawing/2014/main" xmlns="" val="10000"/>
+                    <a16:rowId xmlns="" xmlns:a16="http://schemas.microsoft.com/office/drawing/2014/main" val="10000"/>
                   </a:ext>
                 </a:extLst>
               </a:tr>
@@ -13816,7 +13263,7 @@
                 </a:tc>
                 <a:extLst>
                   <a:ext uri="{0D108BD9-81ED-4DB2-BD59-A6C34878D82A}">
-                    <a16:rowId xmlns:a16="http://schemas.microsoft.com/office/drawing/2014/main" xmlns="" val="10001"/>
+                    <a16:rowId xmlns="" xmlns:a16="http://schemas.microsoft.com/office/drawing/2014/main" val="10001"/>
                   </a:ext>
                 </a:extLst>
               </a:tr>
@@ -14021,7 +13468,7 @@
                 </a:tc>
                 <a:extLst>
                   <a:ext uri="{0D108BD9-81ED-4DB2-BD59-A6C34878D82A}">
-                    <a16:rowId xmlns:a16="http://schemas.microsoft.com/office/drawing/2014/main" xmlns="" val="10002"/>
+                    <a16:rowId xmlns="" xmlns:a16="http://schemas.microsoft.com/office/drawing/2014/main" val="10002"/>
                   </a:ext>
                 </a:extLst>
               </a:tr>
@@ -14198,7 +13645,7 @@
                 </a:tc>
                 <a:extLst>
                   <a:ext uri="{0D108BD9-81ED-4DB2-BD59-A6C34878D82A}">
-                    <a16:rowId xmlns:a16="http://schemas.microsoft.com/office/drawing/2014/main" xmlns="" val="10003"/>
+                    <a16:rowId xmlns="" xmlns:a16="http://schemas.microsoft.com/office/drawing/2014/main" val="10003"/>
                   </a:ext>
                 </a:extLst>
               </a:tr>
@@ -14375,7 +13822,7 @@
                 </a:tc>
                 <a:extLst>
                   <a:ext uri="{0D108BD9-81ED-4DB2-BD59-A6C34878D82A}">
-                    <a16:rowId xmlns:a16="http://schemas.microsoft.com/office/drawing/2014/main" xmlns="" val="10004"/>
+                    <a16:rowId xmlns="" xmlns:a16="http://schemas.microsoft.com/office/drawing/2014/main" val="10004"/>
                   </a:ext>
                 </a:extLst>
               </a:tr>
@@ -14552,7 +13999,7 @@
                 </a:tc>
                 <a:extLst>
                   <a:ext uri="{0D108BD9-81ED-4DB2-BD59-A6C34878D82A}">
-                    <a16:rowId xmlns:a16="http://schemas.microsoft.com/office/drawing/2014/main" xmlns="" val="10005"/>
+                    <a16:rowId xmlns="" xmlns:a16="http://schemas.microsoft.com/office/drawing/2014/main" val="10005"/>
                   </a:ext>
                 </a:extLst>
               </a:tr>
@@ -14712,7 +14159,7 @@
 </p:sld>
 </file>
 
-<file path=ppt/slides/slide24.xml><?xml version="1.0" encoding="utf-8"?>
+<file path=ppt/slides/slide23.xml><?xml version="1.0" encoding="utf-8"?>
 <p:sld xmlns:a="http://schemas.openxmlformats.org/drawingml/2006/main" xmlns:r="http://schemas.openxmlformats.org/officeDocument/2006/relationships" xmlns:p="http://schemas.openxmlformats.org/presentationml/2006/main">
   <p:cSld>
     <p:spTree>
@@ -15165,7 +14612,7 @@
 </p:sld>
 </file>
 
-<file path=ppt/slides/slide25.xml><?xml version="1.0" encoding="utf-8"?>
+<file path=ppt/slides/slide24.xml><?xml version="1.0" encoding="utf-8"?>
 <p:sld xmlns:a="http://schemas.openxmlformats.org/drawingml/2006/main" xmlns:r="http://schemas.openxmlformats.org/officeDocument/2006/relationships" xmlns:p="http://schemas.openxmlformats.org/presentationml/2006/main">
   <p:cSld>
     <p:spTree>
@@ -15890,7 +15337,7 @@
 </p:sld>
 </file>
 
-<file path=ppt/slides/slide26.xml><?xml version="1.0" encoding="utf-8"?>
+<file path=ppt/slides/slide25.xml><?xml version="1.0" encoding="utf-8"?>
 <p:sld xmlns:a="http://schemas.openxmlformats.org/drawingml/2006/main" xmlns:r="http://schemas.openxmlformats.org/officeDocument/2006/relationships" xmlns:p="http://schemas.openxmlformats.org/presentationml/2006/main">
   <p:cSld>
     <p:spTree>
@@ -16230,7 +15677,7 @@
 </p:sld>
 </file>
 
-<file path=ppt/slides/slide27.xml><?xml version="1.0" encoding="utf-8"?>
+<file path=ppt/slides/slide26.xml><?xml version="1.0" encoding="utf-8"?>
 <p:sld xmlns:a="http://schemas.openxmlformats.org/drawingml/2006/main" xmlns:r="http://schemas.openxmlformats.org/officeDocument/2006/relationships" xmlns:p="http://schemas.openxmlformats.org/presentationml/2006/main">
   <p:cSld>
     <p:spTree>
@@ -16668,7 +16115,7 @@
 </p:sld>
 </file>
 
-<file path=ppt/slides/slide28.xml><?xml version="1.0" encoding="utf-8"?>
+<file path=ppt/slides/slide27.xml><?xml version="1.0" encoding="utf-8"?>
 <p:sld xmlns:a="http://schemas.openxmlformats.org/drawingml/2006/main" xmlns:r="http://schemas.openxmlformats.org/officeDocument/2006/relationships" xmlns:p="http://schemas.openxmlformats.org/presentationml/2006/main">
   <p:cSld>
     <p:spTree>
@@ -17121,7 +16568,7 @@
 </p:sld>
 </file>
 
-<file path=ppt/slides/slide29.xml><?xml version="1.0" encoding="utf-8"?>
+<file path=ppt/slides/slide28.xml><?xml version="1.0" encoding="utf-8"?>
 <p:sld xmlns:a="http://schemas.openxmlformats.org/drawingml/2006/main" xmlns:r="http://schemas.openxmlformats.org/officeDocument/2006/relationships" xmlns:p="http://schemas.openxmlformats.org/presentationml/2006/main">
   <p:cSld>
     <p:spTree>
@@ -17489,512 +16936,7 @@
 </p:sld>
 </file>
 
-<file path=ppt/slides/slide3.xml><?xml version="1.0" encoding="utf-8"?>
-<p:sld xmlns:a="http://schemas.openxmlformats.org/drawingml/2006/main" xmlns:r="http://schemas.openxmlformats.org/officeDocument/2006/relationships" xmlns:p="http://schemas.openxmlformats.org/presentationml/2006/main">
-  <p:cSld>
-    <p:spTree>
-      <p:nvGrpSpPr>
-        <p:cNvPr id="1" name=""/>
-        <p:cNvGrpSpPr/>
-        <p:nvPr/>
-      </p:nvGrpSpPr>
-      <p:grpSpPr>
-        <a:xfrm>
-          <a:off x="0" y="0"/>
-          <a:ext cx="0" cy="0"/>
-          <a:chOff x="0" y="0"/>
-          <a:chExt cx="0" cy="0"/>
-        </a:xfrm>
-      </p:grpSpPr>
-      <p:sp>
-        <p:nvSpPr>
-          <p:cNvPr id="6147" name="AutoShape 6"/>
-          <p:cNvSpPr>
-            <a:spLocks noChangeArrowheads="1"/>
-          </p:cNvSpPr>
-          <p:nvPr/>
-        </p:nvSpPr>
-        <p:spPr bwMode="auto">
-          <a:xfrm>
-            <a:off x="2881313" y="1500188"/>
-            <a:ext cx="6711950" cy="4214812"/>
-          </a:xfrm>
-          <a:prstGeom prst="roundRect">
-            <a:avLst>
-              <a:gd name="adj" fmla="val 16667"/>
-            </a:avLst>
-          </a:prstGeom>
-          <a:noFill/>
-          <a:ln w="28575">
-            <a:solidFill>
-              <a:srgbClr val="C0C0C0"/>
-            </a:solidFill>
-            <a:prstDash val="sysDot"/>
-            <a:round/>
-            <a:headEnd/>
-            <a:tailEnd/>
-          </a:ln>
-          <a:extLst>
-            <a:ext uri="{909E8E84-426E-40DD-AFC4-6F175D3DCCD1}">
-              <a14:hiddenFill xmlns:a14="http://schemas.microsoft.com/office/drawing/2010/main">
-                <a:solidFill>
-                  <a:srgbClr val="FFFFFF"/>
-                </a:solidFill>
-              </a14:hiddenFill>
-            </a:ext>
-          </a:extLst>
-        </p:spPr>
-        <p:txBody>
-          <a:bodyPr wrap="none" anchor="ctr"/>
-          <a:lstStyle>
-            <a:lvl1pPr marL="457200" indent="-457200">
-              <a:defRPr sz="3200">
-                <a:solidFill>
-                  <a:schemeClr val="tx1"/>
-                </a:solidFill>
-                <a:latin typeface="Arial" panose="020B0604020202020204" pitchFamily="34" charset="0"/>
-                <a:ea typeface="微软雅黑" panose="020B0503020204020204" pitchFamily="34" charset="-122"/>
-              </a:defRPr>
-            </a:lvl1pPr>
-            <a:lvl2pPr marL="742950" indent="-285750">
-              <a:defRPr sz="3200">
-                <a:solidFill>
-                  <a:schemeClr val="tx1"/>
-                </a:solidFill>
-                <a:latin typeface="Arial" panose="020B0604020202020204" pitchFamily="34" charset="0"/>
-                <a:ea typeface="微软雅黑" panose="020B0503020204020204" pitchFamily="34" charset="-122"/>
-              </a:defRPr>
-            </a:lvl2pPr>
-            <a:lvl3pPr marL="1143000" indent="-228600">
-              <a:defRPr sz="3200">
-                <a:solidFill>
-                  <a:schemeClr val="tx1"/>
-                </a:solidFill>
-                <a:latin typeface="Arial" panose="020B0604020202020204" pitchFamily="34" charset="0"/>
-                <a:ea typeface="微软雅黑" panose="020B0503020204020204" pitchFamily="34" charset="-122"/>
-              </a:defRPr>
-            </a:lvl3pPr>
-            <a:lvl4pPr marL="1600200" indent="-228600">
-              <a:defRPr sz="3200">
-                <a:solidFill>
-                  <a:schemeClr val="tx1"/>
-                </a:solidFill>
-                <a:latin typeface="Arial" panose="020B0604020202020204" pitchFamily="34" charset="0"/>
-                <a:ea typeface="微软雅黑" panose="020B0503020204020204" pitchFamily="34" charset="-122"/>
-              </a:defRPr>
-            </a:lvl4pPr>
-            <a:lvl5pPr marL="2057400" indent="-228600">
-              <a:defRPr sz="3200">
-                <a:solidFill>
-                  <a:schemeClr val="tx1"/>
-                </a:solidFill>
-                <a:latin typeface="Arial" panose="020B0604020202020204" pitchFamily="34" charset="0"/>
-                <a:ea typeface="微软雅黑" panose="020B0503020204020204" pitchFamily="34" charset="-122"/>
-              </a:defRPr>
-            </a:lvl5pPr>
-            <a:lvl6pPr marL="2514600" indent="-228600" eaLnBrk="0" fontAlgn="base" hangingPunct="0">
-              <a:spcBef>
-                <a:spcPct val="0"/>
-              </a:spcBef>
-              <a:spcAft>
-                <a:spcPct val="0"/>
-              </a:spcAft>
-              <a:defRPr sz="3200">
-                <a:solidFill>
-                  <a:schemeClr val="tx1"/>
-                </a:solidFill>
-                <a:latin typeface="Arial" panose="020B0604020202020204" pitchFamily="34" charset="0"/>
-                <a:ea typeface="微软雅黑" panose="020B0503020204020204" pitchFamily="34" charset="-122"/>
-              </a:defRPr>
-            </a:lvl6pPr>
-            <a:lvl7pPr marL="2971800" indent="-228600" eaLnBrk="0" fontAlgn="base" hangingPunct="0">
-              <a:spcBef>
-                <a:spcPct val="0"/>
-              </a:spcBef>
-              <a:spcAft>
-                <a:spcPct val="0"/>
-              </a:spcAft>
-              <a:defRPr sz="3200">
-                <a:solidFill>
-                  <a:schemeClr val="tx1"/>
-                </a:solidFill>
-                <a:latin typeface="Arial" panose="020B0604020202020204" pitchFamily="34" charset="0"/>
-                <a:ea typeface="微软雅黑" panose="020B0503020204020204" pitchFamily="34" charset="-122"/>
-              </a:defRPr>
-            </a:lvl7pPr>
-            <a:lvl8pPr marL="3429000" indent="-228600" eaLnBrk="0" fontAlgn="base" hangingPunct="0">
-              <a:spcBef>
-                <a:spcPct val="0"/>
-              </a:spcBef>
-              <a:spcAft>
-                <a:spcPct val="0"/>
-              </a:spcAft>
-              <a:defRPr sz="3200">
-                <a:solidFill>
-                  <a:schemeClr val="tx1"/>
-                </a:solidFill>
-                <a:latin typeface="Arial" panose="020B0604020202020204" pitchFamily="34" charset="0"/>
-                <a:ea typeface="微软雅黑" panose="020B0503020204020204" pitchFamily="34" charset="-122"/>
-              </a:defRPr>
-            </a:lvl8pPr>
-            <a:lvl9pPr marL="3886200" indent="-228600" eaLnBrk="0" fontAlgn="base" hangingPunct="0">
-              <a:spcBef>
-                <a:spcPct val="0"/>
-              </a:spcBef>
-              <a:spcAft>
-                <a:spcPct val="0"/>
-              </a:spcAft>
-              <a:defRPr sz="3200">
-                <a:solidFill>
-                  <a:schemeClr val="tx1"/>
-                </a:solidFill>
-                <a:latin typeface="Arial" panose="020B0604020202020204" pitchFamily="34" charset="0"/>
-                <a:ea typeface="微软雅黑" panose="020B0503020204020204" pitchFamily="34" charset="-122"/>
-              </a:defRPr>
-            </a:lvl9pPr>
-          </a:lstStyle>
-          <a:p>
-            <a:pPr>
-              <a:lnSpc>
-                <a:spcPct val="150000"/>
-              </a:lnSpc>
-              <a:spcBef>
-                <a:spcPts val="1200"/>
-              </a:spcBef>
-              <a:spcAft>
-                <a:spcPts val="1200"/>
-              </a:spcAft>
-              <a:buClr>
-                <a:srgbClr val="92D050"/>
-              </a:buClr>
-              <a:buFont typeface="Wingdings" panose="05000000000000000000" pitchFamily="2" charset="2"/>
-              <a:buChar char="Ø"/>
-            </a:pPr>
-            <a:r>
-              <a:rPr lang="zh-CN" altLang="en-US" sz="2800" b="1">
-                <a:solidFill>
-                  <a:srgbClr val="FF0000"/>
-                </a:solidFill>
-              </a:rPr>
-              <a:t>函数的定义和调用</a:t>
-            </a:r>
-            <a:endParaRPr lang="en-US" altLang="zh-CN" sz="2800" b="1">
-              <a:solidFill>
-                <a:srgbClr val="FF0000"/>
-              </a:solidFill>
-            </a:endParaRPr>
-          </a:p>
-          <a:p>
-            <a:pPr>
-              <a:lnSpc>
-                <a:spcPct val="150000"/>
-              </a:lnSpc>
-              <a:spcBef>
-                <a:spcPts val="1200"/>
-              </a:spcBef>
-              <a:spcAft>
-                <a:spcPts val="1200"/>
-              </a:spcAft>
-              <a:buClr>
-                <a:srgbClr val="92D050"/>
-              </a:buClr>
-              <a:buFont typeface="Wingdings" panose="05000000000000000000" pitchFamily="2" charset="2"/>
-              <a:buChar char="Ø"/>
-            </a:pPr>
-            <a:r>
-              <a:rPr lang="zh-CN" altLang="en-US" sz="2800" b="1"/>
-              <a:t>函数的参数和返回值</a:t>
-            </a:r>
-            <a:endParaRPr lang="en-US" altLang="zh-CN" sz="2800" b="1"/>
-          </a:p>
-          <a:p>
-            <a:pPr>
-              <a:lnSpc>
-                <a:spcPct val="150000"/>
-              </a:lnSpc>
-              <a:spcBef>
-                <a:spcPts val="1200"/>
-              </a:spcBef>
-              <a:spcAft>
-                <a:spcPts val="1200"/>
-              </a:spcAft>
-              <a:buClr>
-                <a:srgbClr val="92D050"/>
-              </a:buClr>
-              <a:buFont typeface="Wingdings" panose="05000000000000000000" pitchFamily="2" charset="2"/>
-              <a:buChar char="Ø"/>
-            </a:pPr>
-            <a:r>
-              <a:rPr lang="zh-CN" altLang="en-US" sz="2800" b="1"/>
-              <a:t>函数的嵌套</a:t>
-            </a:r>
-            <a:endParaRPr lang="en-US" altLang="zh-CN" sz="2800" b="1"/>
-          </a:p>
-          <a:p>
-            <a:pPr>
-              <a:lnSpc>
-                <a:spcPct val="150000"/>
-              </a:lnSpc>
-              <a:spcBef>
-                <a:spcPts val="1200"/>
-              </a:spcBef>
-              <a:spcAft>
-                <a:spcPts val="1200"/>
-              </a:spcAft>
-              <a:buClr>
-                <a:srgbClr val="92D050"/>
-              </a:buClr>
-              <a:buFont typeface="Wingdings" panose="05000000000000000000" pitchFamily="2" charset="2"/>
-              <a:buChar char="Ø"/>
-            </a:pPr>
-            <a:r>
-              <a:rPr lang="zh-CN" altLang="en-US" sz="2800" b="1"/>
-              <a:t>事件及事件处理</a:t>
-            </a:r>
-            <a:endParaRPr lang="en-US" altLang="zh-CN" sz="2800" b="1"/>
-          </a:p>
-        </p:txBody>
-      </p:sp>
-      <p:sp>
-        <p:nvSpPr>
-          <p:cNvPr id="4" name="内容占位符 1"/>
-          <p:cNvSpPr txBox="1">
-            <a:spLocks/>
-          </p:cNvSpPr>
-          <p:nvPr/>
-        </p:nvSpPr>
-        <p:spPr>
-          <a:xfrm>
-            <a:off x="1090714" y="236943"/>
-            <a:ext cx="8191557" cy="490476"/>
-          </a:xfrm>
-          <a:prstGeom prst="rect">
-            <a:avLst/>
-          </a:prstGeom>
-        </p:spPr>
-        <p:txBody>
-          <a:bodyPr/>
-          <a:lstStyle>
-            <a:lvl1pPr marL="166688" indent="-166688" algn="l" defTabSz="0" rtl="0" eaLnBrk="0" fontAlgn="base" hangingPunct="0">
-              <a:spcBef>
-                <a:spcPct val="0"/>
-              </a:spcBef>
-              <a:spcAft>
-                <a:spcPct val="15000"/>
-              </a:spcAft>
-              <a:buClr>
-                <a:schemeClr val="tx2"/>
-              </a:buClr>
-              <a:buFont typeface="Arial" panose="020B0604020202020204" pitchFamily="34" charset="0"/>
-              <a:buChar char="•"/>
-              <a:defRPr kumimoji="1" sz="1600">
-                <a:solidFill>
-                  <a:srgbClr val="006F53"/>
-                </a:solidFill>
-                <a:latin typeface="微软雅黑" pitchFamily="34" charset="-122"/>
-                <a:ea typeface="微软雅黑" pitchFamily="34" charset="-122"/>
-                <a:cs typeface="微软雅黑" charset="0"/>
-              </a:defRPr>
-            </a:lvl1pPr>
-            <a:lvl2pPr marL="398463" indent="-230188" algn="l" defTabSz="0" rtl="0" eaLnBrk="0" fontAlgn="base" hangingPunct="0">
-              <a:spcBef>
-                <a:spcPct val="0"/>
-              </a:spcBef>
-              <a:spcAft>
-                <a:spcPct val="15000"/>
-              </a:spcAft>
-              <a:buClr>
-                <a:schemeClr val="tx2"/>
-              </a:buClr>
-              <a:buFont typeface="Arial" panose="020B0604020202020204" pitchFamily="34" charset="0"/>
-              <a:buChar char="–"/>
-              <a:defRPr kumimoji="1" sz="2800">
-                <a:solidFill>
-                  <a:schemeClr val="bg2"/>
-                </a:solidFill>
-                <a:latin typeface="微软雅黑" pitchFamily="34" charset="-122"/>
-                <a:ea typeface="微软雅黑" pitchFamily="34" charset="-122"/>
-                <a:cs typeface="微软雅黑" charset="0"/>
-              </a:defRPr>
-            </a:lvl2pPr>
-            <a:lvl3pPr marL="400050" indent="182563" algn="l" defTabSz="0" rtl="0" eaLnBrk="0" fontAlgn="base" hangingPunct="0">
-              <a:spcBef>
-                <a:spcPct val="0"/>
-              </a:spcBef>
-              <a:spcAft>
-                <a:spcPct val="15000"/>
-              </a:spcAft>
-              <a:buClr>
-                <a:schemeClr val="tx2"/>
-              </a:buClr>
-              <a:buFont typeface="Arial" panose="020B0604020202020204" pitchFamily="34" charset="0"/>
-              <a:buChar char="•"/>
-              <a:defRPr kumimoji="1" sz="1600">
-                <a:solidFill>
-                  <a:schemeClr val="bg2"/>
-                </a:solidFill>
-                <a:latin typeface="微软雅黑" pitchFamily="34" charset="-122"/>
-                <a:ea typeface="微软雅黑" pitchFamily="34" charset="-122"/>
-                <a:cs typeface="微软雅黑" charset="0"/>
-              </a:defRPr>
-            </a:lvl3pPr>
-            <a:lvl4pPr marL="825500" indent="-241300" algn="l" defTabSz="0" rtl="0" eaLnBrk="0" fontAlgn="base" hangingPunct="0">
-              <a:spcBef>
-                <a:spcPct val="0"/>
-              </a:spcBef>
-              <a:spcAft>
-                <a:spcPct val="15000"/>
-              </a:spcAft>
-              <a:buClr>
-                <a:schemeClr val="tx2"/>
-              </a:buClr>
-              <a:buFont typeface="Arial" panose="020B0604020202020204" pitchFamily="34" charset="0"/>
-              <a:buChar char="–"/>
-              <a:defRPr kumimoji="1" sz="1600">
-                <a:solidFill>
-                  <a:schemeClr val="bg2"/>
-                </a:solidFill>
-                <a:latin typeface="微软雅黑" pitchFamily="34" charset="-122"/>
-                <a:ea typeface="微软雅黑" pitchFamily="34" charset="-122"/>
-                <a:cs typeface="微软雅黑" charset="0"/>
-              </a:defRPr>
-            </a:lvl4pPr>
-            <a:lvl5pPr marL="2057400" indent="-228600" algn="l" defTabSz="0" rtl="0" eaLnBrk="0" fontAlgn="base" hangingPunct="0">
-              <a:spcBef>
-                <a:spcPct val="0"/>
-              </a:spcBef>
-              <a:spcAft>
-                <a:spcPct val="25000"/>
-              </a:spcAft>
-              <a:buClr>
-                <a:schemeClr val="tx2"/>
-              </a:buClr>
-              <a:buFont typeface="Arial" panose="020B0604020202020204" pitchFamily="34" charset="0"/>
-              <a:buChar char="–"/>
-              <a:defRPr kumimoji="1" sz="2000">
-                <a:solidFill>
-                  <a:schemeClr val="tx1"/>
-                </a:solidFill>
-                <a:latin typeface="+mn-lt"/>
-                <a:ea typeface="微软雅黑" pitchFamily="34" charset="-122"/>
-                <a:cs typeface="微软雅黑" charset="0"/>
-              </a:defRPr>
-            </a:lvl5pPr>
-            <a:lvl6pPr marL="2514600" indent="-228600" algn="l" defTabSz="0" rtl="0" eaLnBrk="0" fontAlgn="base" hangingPunct="0">
-              <a:spcBef>
-                <a:spcPct val="0"/>
-              </a:spcBef>
-              <a:spcAft>
-                <a:spcPct val="25000"/>
-              </a:spcAft>
-              <a:buClr>
-                <a:schemeClr val="tx2"/>
-              </a:buClr>
-              <a:buFont typeface="Arial" pitchFamily="34" charset="0"/>
-              <a:buChar char="–"/>
-              <a:defRPr>
-                <a:solidFill>
-                  <a:schemeClr val="tx1"/>
-                </a:solidFill>
-                <a:latin typeface="+mn-lt"/>
-              </a:defRPr>
-            </a:lvl6pPr>
-            <a:lvl7pPr marL="2971800" indent="-228600" algn="l" defTabSz="0" rtl="0" eaLnBrk="0" fontAlgn="base" hangingPunct="0">
-              <a:spcBef>
-                <a:spcPct val="0"/>
-              </a:spcBef>
-              <a:spcAft>
-                <a:spcPct val="25000"/>
-              </a:spcAft>
-              <a:buClr>
-                <a:schemeClr val="tx2"/>
-              </a:buClr>
-              <a:buFont typeface="Arial" pitchFamily="34" charset="0"/>
-              <a:buChar char="–"/>
-              <a:defRPr>
-                <a:solidFill>
-                  <a:schemeClr val="tx1"/>
-                </a:solidFill>
-                <a:latin typeface="+mn-lt"/>
-              </a:defRPr>
-            </a:lvl7pPr>
-            <a:lvl8pPr marL="3429000" indent="-228600" algn="l" defTabSz="0" rtl="0" eaLnBrk="0" fontAlgn="base" hangingPunct="0">
-              <a:spcBef>
-                <a:spcPct val="0"/>
-              </a:spcBef>
-              <a:spcAft>
-                <a:spcPct val="25000"/>
-              </a:spcAft>
-              <a:buClr>
-                <a:schemeClr val="tx2"/>
-              </a:buClr>
-              <a:buFont typeface="Arial" pitchFamily="34" charset="0"/>
-              <a:buChar char="–"/>
-              <a:defRPr>
-                <a:solidFill>
-                  <a:schemeClr val="tx1"/>
-                </a:solidFill>
-                <a:latin typeface="+mn-lt"/>
-              </a:defRPr>
-            </a:lvl8pPr>
-            <a:lvl9pPr marL="3886200" indent="-228600" algn="l" defTabSz="0" rtl="0" eaLnBrk="0" fontAlgn="base" hangingPunct="0">
-              <a:spcBef>
-                <a:spcPct val="0"/>
-              </a:spcBef>
-              <a:spcAft>
-                <a:spcPct val="25000"/>
-              </a:spcAft>
-              <a:buClr>
-                <a:schemeClr val="tx2"/>
-              </a:buClr>
-              <a:buFont typeface="Arial" pitchFamily="34" charset="0"/>
-              <a:buChar char="–"/>
-              <a:defRPr>
-                <a:solidFill>
-                  <a:schemeClr val="tx1"/>
-                </a:solidFill>
-                <a:latin typeface="+mn-lt"/>
-              </a:defRPr>
-            </a:lvl9pPr>
-          </a:lstStyle>
-          <a:p>
-            <a:pPr marL="0" indent="0">
-              <a:buNone/>
-            </a:pPr>
-            <a:r>
-              <a:rPr lang="zh-CN" altLang="en-US" sz="3200" dirty="0" smtClean="0">
-                <a:solidFill>
-                  <a:srgbClr val="C00000"/>
-                </a:solidFill>
-                <a:cs typeface="+mn-cs"/>
-              </a:rPr>
-              <a:t>内容提纲</a:t>
-            </a:r>
-            <a:endParaRPr lang="zh-CN" altLang="en-US" sz="3200" dirty="0">
-              <a:solidFill>
-                <a:srgbClr val="C00000"/>
-              </a:solidFill>
-              <a:cs typeface="+mn-cs"/>
-            </a:endParaRPr>
-          </a:p>
-        </p:txBody>
-      </p:sp>
-    </p:spTree>
-  </p:cSld>
-  <p:clrMapOvr>
-    <a:masterClrMapping/>
-  </p:clrMapOvr>
-  <p:timing>
-    <p:tnLst>
-      <p:par>
-        <p:cTn id="1" dur="indefinite" restart="never" nodeType="tmRoot"/>
-      </p:par>
-    </p:tnLst>
-  </p:timing>
-</p:sld>
-</file>
-
-<file path=ppt/slides/slide30.xml><?xml version="1.0" encoding="utf-8"?>
+<file path=ppt/slides/slide29.xml><?xml version="1.0" encoding="utf-8"?>
 <p:sld xmlns:a="http://schemas.openxmlformats.org/drawingml/2006/main" xmlns:r="http://schemas.openxmlformats.org/officeDocument/2006/relationships" xmlns:p="http://schemas.openxmlformats.org/presentationml/2006/main">
   <p:cSld>
     <p:spTree>
@@ -18351,7 +17293,512 @@
 </p:sld>
 </file>
 
-<file path=ppt/slides/slide31.xml><?xml version="1.0" encoding="utf-8"?>
+<file path=ppt/slides/slide3.xml><?xml version="1.0" encoding="utf-8"?>
+<p:sld xmlns:a="http://schemas.openxmlformats.org/drawingml/2006/main" xmlns:r="http://schemas.openxmlformats.org/officeDocument/2006/relationships" xmlns:p="http://schemas.openxmlformats.org/presentationml/2006/main">
+  <p:cSld>
+    <p:spTree>
+      <p:nvGrpSpPr>
+        <p:cNvPr id="1" name=""/>
+        <p:cNvGrpSpPr/>
+        <p:nvPr/>
+      </p:nvGrpSpPr>
+      <p:grpSpPr>
+        <a:xfrm>
+          <a:off x="0" y="0"/>
+          <a:ext cx="0" cy="0"/>
+          <a:chOff x="0" y="0"/>
+          <a:chExt cx="0" cy="0"/>
+        </a:xfrm>
+      </p:grpSpPr>
+      <p:sp>
+        <p:nvSpPr>
+          <p:cNvPr id="6147" name="AutoShape 6"/>
+          <p:cNvSpPr>
+            <a:spLocks noChangeArrowheads="1"/>
+          </p:cNvSpPr>
+          <p:nvPr/>
+        </p:nvSpPr>
+        <p:spPr bwMode="auto">
+          <a:xfrm>
+            <a:off x="2881313" y="1500188"/>
+            <a:ext cx="6711950" cy="4214812"/>
+          </a:xfrm>
+          <a:prstGeom prst="roundRect">
+            <a:avLst>
+              <a:gd name="adj" fmla="val 16667"/>
+            </a:avLst>
+          </a:prstGeom>
+          <a:noFill/>
+          <a:ln w="28575">
+            <a:solidFill>
+              <a:srgbClr val="C0C0C0"/>
+            </a:solidFill>
+            <a:prstDash val="sysDot"/>
+            <a:round/>
+            <a:headEnd/>
+            <a:tailEnd/>
+          </a:ln>
+          <a:extLst>
+            <a:ext uri="{909E8E84-426E-40DD-AFC4-6F175D3DCCD1}">
+              <a14:hiddenFill xmlns:a14="http://schemas.microsoft.com/office/drawing/2010/main">
+                <a:solidFill>
+                  <a:srgbClr val="FFFFFF"/>
+                </a:solidFill>
+              </a14:hiddenFill>
+            </a:ext>
+          </a:extLst>
+        </p:spPr>
+        <p:txBody>
+          <a:bodyPr wrap="none" anchor="ctr"/>
+          <a:lstStyle>
+            <a:lvl1pPr marL="457200" indent="-457200">
+              <a:defRPr sz="3200">
+                <a:solidFill>
+                  <a:schemeClr val="tx1"/>
+                </a:solidFill>
+                <a:latin typeface="Arial" panose="020B0604020202020204" pitchFamily="34" charset="0"/>
+                <a:ea typeface="微软雅黑" panose="020B0503020204020204" pitchFamily="34" charset="-122"/>
+              </a:defRPr>
+            </a:lvl1pPr>
+            <a:lvl2pPr marL="742950" indent="-285750">
+              <a:defRPr sz="3200">
+                <a:solidFill>
+                  <a:schemeClr val="tx1"/>
+                </a:solidFill>
+                <a:latin typeface="Arial" panose="020B0604020202020204" pitchFamily="34" charset="0"/>
+                <a:ea typeface="微软雅黑" panose="020B0503020204020204" pitchFamily="34" charset="-122"/>
+              </a:defRPr>
+            </a:lvl2pPr>
+            <a:lvl3pPr marL="1143000" indent="-228600">
+              <a:defRPr sz="3200">
+                <a:solidFill>
+                  <a:schemeClr val="tx1"/>
+                </a:solidFill>
+                <a:latin typeface="Arial" panose="020B0604020202020204" pitchFamily="34" charset="0"/>
+                <a:ea typeface="微软雅黑" panose="020B0503020204020204" pitchFamily="34" charset="-122"/>
+              </a:defRPr>
+            </a:lvl3pPr>
+            <a:lvl4pPr marL="1600200" indent="-228600">
+              <a:defRPr sz="3200">
+                <a:solidFill>
+                  <a:schemeClr val="tx1"/>
+                </a:solidFill>
+                <a:latin typeface="Arial" panose="020B0604020202020204" pitchFamily="34" charset="0"/>
+                <a:ea typeface="微软雅黑" panose="020B0503020204020204" pitchFamily="34" charset="-122"/>
+              </a:defRPr>
+            </a:lvl4pPr>
+            <a:lvl5pPr marL="2057400" indent="-228600">
+              <a:defRPr sz="3200">
+                <a:solidFill>
+                  <a:schemeClr val="tx1"/>
+                </a:solidFill>
+                <a:latin typeface="Arial" panose="020B0604020202020204" pitchFamily="34" charset="0"/>
+                <a:ea typeface="微软雅黑" panose="020B0503020204020204" pitchFamily="34" charset="-122"/>
+              </a:defRPr>
+            </a:lvl5pPr>
+            <a:lvl6pPr marL="2514600" indent="-228600" eaLnBrk="0" fontAlgn="base" hangingPunct="0">
+              <a:spcBef>
+                <a:spcPct val="0"/>
+              </a:spcBef>
+              <a:spcAft>
+                <a:spcPct val="0"/>
+              </a:spcAft>
+              <a:defRPr sz="3200">
+                <a:solidFill>
+                  <a:schemeClr val="tx1"/>
+                </a:solidFill>
+                <a:latin typeface="Arial" panose="020B0604020202020204" pitchFamily="34" charset="0"/>
+                <a:ea typeface="微软雅黑" panose="020B0503020204020204" pitchFamily="34" charset="-122"/>
+              </a:defRPr>
+            </a:lvl6pPr>
+            <a:lvl7pPr marL="2971800" indent="-228600" eaLnBrk="0" fontAlgn="base" hangingPunct="0">
+              <a:spcBef>
+                <a:spcPct val="0"/>
+              </a:spcBef>
+              <a:spcAft>
+                <a:spcPct val="0"/>
+              </a:spcAft>
+              <a:defRPr sz="3200">
+                <a:solidFill>
+                  <a:schemeClr val="tx1"/>
+                </a:solidFill>
+                <a:latin typeface="Arial" panose="020B0604020202020204" pitchFamily="34" charset="0"/>
+                <a:ea typeface="微软雅黑" panose="020B0503020204020204" pitchFamily="34" charset="-122"/>
+              </a:defRPr>
+            </a:lvl7pPr>
+            <a:lvl8pPr marL="3429000" indent="-228600" eaLnBrk="0" fontAlgn="base" hangingPunct="0">
+              <a:spcBef>
+                <a:spcPct val="0"/>
+              </a:spcBef>
+              <a:spcAft>
+                <a:spcPct val="0"/>
+              </a:spcAft>
+              <a:defRPr sz="3200">
+                <a:solidFill>
+                  <a:schemeClr val="tx1"/>
+                </a:solidFill>
+                <a:latin typeface="Arial" panose="020B0604020202020204" pitchFamily="34" charset="0"/>
+                <a:ea typeface="微软雅黑" panose="020B0503020204020204" pitchFamily="34" charset="-122"/>
+              </a:defRPr>
+            </a:lvl8pPr>
+            <a:lvl9pPr marL="3886200" indent="-228600" eaLnBrk="0" fontAlgn="base" hangingPunct="0">
+              <a:spcBef>
+                <a:spcPct val="0"/>
+              </a:spcBef>
+              <a:spcAft>
+                <a:spcPct val="0"/>
+              </a:spcAft>
+              <a:defRPr sz="3200">
+                <a:solidFill>
+                  <a:schemeClr val="tx1"/>
+                </a:solidFill>
+                <a:latin typeface="Arial" panose="020B0604020202020204" pitchFamily="34" charset="0"/>
+                <a:ea typeface="微软雅黑" panose="020B0503020204020204" pitchFamily="34" charset="-122"/>
+              </a:defRPr>
+            </a:lvl9pPr>
+          </a:lstStyle>
+          <a:p>
+            <a:pPr>
+              <a:lnSpc>
+                <a:spcPct val="150000"/>
+              </a:lnSpc>
+              <a:spcBef>
+                <a:spcPts val="1200"/>
+              </a:spcBef>
+              <a:spcAft>
+                <a:spcPts val="1200"/>
+              </a:spcAft>
+              <a:buClr>
+                <a:srgbClr val="92D050"/>
+              </a:buClr>
+              <a:buFont typeface="Wingdings" panose="05000000000000000000" pitchFamily="2" charset="2"/>
+              <a:buChar char="Ø"/>
+            </a:pPr>
+            <a:r>
+              <a:rPr lang="zh-CN" altLang="en-US" sz="2800" b="1">
+                <a:solidFill>
+                  <a:srgbClr val="FF0000"/>
+                </a:solidFill>
+              </a:rPr>
+              <a:t>函数的定义和调用</a:t>
+            </a:r>
+            <a:endParaRPr lang="en-US" altLang="zh-CN" sz="2800" b="1">
+              <a:solidFill>
+                <a:srgbClr val="FF0000"/>
+              </a:solidFill>
+            </a:endParaRPr>
+          </a:p>
+          <a:p>
+            <a:pPr>
+              <a:lnSpc>
+                <a:spcPct val="150000"/>
+              </a:lnSpc>
+              <a:spcBef>
+                <a:spcPts val="1200"/>
+              </a:spcBef>
+              <a:spcAft>
+                <a:spcPts val="1200"/>
+              </a:spcAft>
+              <a:buClr>
+                <a:srgbClr val="92D050"/>
+              </a:buClr>
+              <a:buFont typeface="Wingdings" panose="05000000000000000000" pitchFamily="2" charset="2"/>
+              <a:buChar char="Ø"/>
+            </a:pPr>
+            <a:r>
+              <a:rPr lang="zh-CN" altLang="en-US" sz="2800" b="1"/>
+              <a:t>函数的参数和返回值</a:t>
+            </a:r>
+            <a:endParaRPr lang="en-US" altLang="zh-CN" sz="2800" b="1"/>
+          </a:p>
+          <a:p>
+            <a:pPr>
+              <a:lnSpc>
+                <a:spcPct val="150000"/>
+              </a:lnSpc>
+              <a:spcBef>
+                <a:spcPts val="1200"/>
+              </a:spcBef>
+              <a:spcAft>
+                <a:spcPts val="1200"/>
+              </a:spcAft>
+              <a:buClr>
+                <a:srgbClr val="92D050"/>
+              </a:buClr>
+              <a:buFont typeface="Wingdings" panose="05000000000000000000" pitchFamily="2" charset="2"/>
+              <a:buChar char="Ø"/>
+            </a:pPr>
+            <a:r>
+              <a:rPr lang="zh-CN" altLang="en-US" sz="2800" b="1"/>
+              <a:t>函数的嵌套</a:t>
+            </a:r>
+            <a:endParaRPr lang="en-US" altLang="zh-CN" sz="2800" b="1"/>
+          </a:p>
+          <a:p>
+            <a:pPr>
+              <a:lnSpc>
+                <a:spcPct val="150000"/>
+              </a:lnSpc>
+              <a:spcBef>
+                <a:spcPts val="1200"/>
+              </a:spcBef>
+              <a:spcAft>
+                <a:spcPts val="1200"/>
+              </a:spcAft>
+              <a:buClr>
+                <a:srgbClr val="92D050"/>
+              </a:buClr>
+              <a:buFont typeface="Wingdings" panose="05000000000000000000" pitchFamily="2" charset="2"/>
+              <a:buChar char="Ø"/>
+            </a:pPr>
+            <a:r>
+              <a:rPr lang="zh-CN" altLang="en-US" sz="2800" b="1"/>
+              <a:t>事件及事件处理</a:t>
+            </a:r>
+            <a:endParaRPr lang="en-US" altLang="zh-CN" sz="2800" b="1"/>
+          </a:p>
+        </p:txBody>
+      </p:sp>
+      <p:sp>
+        <p:nvSpPr>
+          <p:cNvPr id="4" name="内容占位符 1"/>
+          <p:cNvSpPr txBox="1">
+            <a:spLocks/>
+          </p:cNvSpPr>
+          <p:nvPr/>
+        </p:nvSpPr>
+        <p:spPr>
+          <a:xfrm>
+            <a:off x="1090714" y="236943"/>
+            <a:ext cx="8191557" cy="490476"/>
+          </a:xfrm>
+          <a:prstGeom prst="rect">
+            <a:avLst/>
+          </a:prstGeom>
+        </p:spPr>
+        <p:txBody>
+          <a:bodyPr/>
+          <a:lstStyle>
+            <a:lvl1pPr marL="166688" indent="-166688" algn="l" defTabSz="0" rtl="0" eaLnBrk="0" fontAlgn="base" hangingPunct="0">
+              <a:spcBef>
+                <a:spcPct val="0"/>
+              </a:spcBef>
+              <a:spcAft>
+                <a:spcPct val="15000"/>
+              </a:spcAft>
+              <a:buClr>
+                <a:schemeClr val="tx2"/>
+              </a:buClr>
+              <a:buFont typeface="Arial" panose="020B0604020202020204" pitchFamily="34" charset="0"/>
+              <a:buChar char="•"/>
+              <a:defRPr kumimoji="1" sz="1600">
+                <a:solidFill>
+                  <a:srgbClr val="006F53"/>
+                </a:solidFill>
+                <a:latin typeface="微软雅黑" pitchFamily="34" charset="-122"/>
+                <a:ea typeface="微软雅黑" pitchFamily="34" charset="-122"/>
+                <a:cs typeface="微软雅黑" charset="0"/>
+              </a:defRPr>
+            </a:lvl1pPr>
+            <a:lvl2pPr marL="398463" indent="-230188" algn="l" defTabSz="0" rtl="0" eaLnBrk="0" fontAlgn="base" hangingPunct="0">
+              <a:spcBef>
+                <a:spcPct val="0"/>
+              </a:spcBef>
+              <a:spcAft>
+                <a:spcPct val="15000"/>
+              </a:spcAft>
+              <a:buClr>
+                <a:schemeClr val="tx2"/>
+              </a:buClr>
+              <a:buFont typeface="Arial" panose="020B0604020202020204" pitchFamily="34" charset="0"/>
+              <a:buChar char="–"/>
+              <a:defRPr kumimoji="1" sz="2800">
+                <a:solidFill>
+                  <a:schemeClr val="bg2"/>
+                </a:solidFill>
+                <a:latin typeface="微软雅黑" pitchFamily="34" charset="-122"/>
+                <a:ea typeface="微软雅黑" pitchFamily="34" charset="-122"/>
+                <a:cs typeface="微软雅黑" charset="0"/>
+              </a:defRPr>
+            </a:lvl2pPr>
+            <a:lvl3pPr marL="400050" indent="182563" algn="l" defTabSz="0" rtl="0" eaLnBrk="0" fontAlgn="base" hangingPunct="0">
+              <a:spcBef>
+                <a:spcPct val="0"/>
+              </a:spcBef>
+              <a:spcAft>
+                <a:spcPct val="15000"/>
+              </a:spcAft>
+              <a:buClr>
+                <a:schemeClr val="tx2"/>
+              </a:buClr>
+              <a:buFont typeface="Arial" panose="020B0604020202020204" pitchFamily="34" charset="0"/>
+              <a:buChar char="•"/>
+              <a:defRPr kumimoji="1" sz="1600">
+                <a:solidFill>
+                  <a:schemeClr val="bg2"/>
+                </a:solidFill>
+                <a:latin typeface="微软雅黑" pitchFamily="34" charset="-122"/>
+                <a:ea typeface="微软雅黑" pitchFamily="34" charset="-122"/>
+                <a:cs typeface="微软雅黑" charset="0"/>
+              </a:defRPr>
+            </a:lvl3pPr>
+            <a:lvl4pPr marL="825500" indent="-241300" algn="l" defTabSz="0" rtl="0" eaLnBrk="0" fontAlgn="base" hangingPunct="0">
+              <a:spcBef>
+                <a:spcPct val="0"/>
+              </a:spcBef>
+              <a:spcAft>
+                <a:spcPct val="15000"/>
+              </a:spcAft>
+              <a:buClr>
+                <a:schemeClr val="tx2"/>
+              </a:buClr>
+              <a:buFont typeface="Arial" panose="020B0604020202020204" pitchFamily="34" charset="0"/>
+              <a:buChar char="–"/>
+              <a:defRPr kumimoji="1" sz="1600">
+                <a:solidFill>
+                  <a:schemeClr val="bg2"/>
+                </a:solidFill>
+                <a:latin typeface="微软雅黑" pitchFamily="34" charset="-122"/>
+                <a:ea typeface="微软雅黑" pitchFamily="34" charset="-122"/>
+                <a:cs typeface="微软雅黑" charset="0"/>
+              </a:defRPr>
+            </a:lvl4pPr>
+            <a:lvl5pPr marL="2057400" indent="-228600" algn="l" defTabSz="0" rtl="0" eaLnBrk="0" fontAlgn="base" hangingPunct="0">
+              <a:spcBef>
+                <a:spcPct val="0"/>
+              </a:spcBef>
+              <a:spcAft>
+                <a:spcPct val="25000"/>
+              </a:spcAft>
+              <a:buClr>
+                <a:schemeClr val="tx2"/>
+              </a:buClr>
+              <a:buFont typeface="Arial" panose="020B0604020202020204" pitchFamily="34" charset="0"/>
+              <a:buChar char="–"/>
+              <a:defRPr kumimoji="1" sz="2000">
+                <a:solidFill>
+                  <a:schemeClr val="tx1"/>
+                </a:solidFill>
+                <a:latin typeface="+mn-lt"/>
+                <a:ea typeface="微软雅黑" pitchFamily="34" charset="-122"/>
+                <a:cs typeface="微软雅黑" charset="0"/>
+              </a:defRPr>
+            </a:lvl5pPr>
+            <a:lvl6pPr marL="2514600" indent="-228600" algn="l" defTabSz="0" rtl="0" eaLnBrk="0" fontAlgn="base" hangingPunct="0">
+              <a:spcBef>
+                <a:spcPct val="0"/>
+              </a:spcBef>
+              <a:spcAft>
+                <a:spcPct val="25000"/>
+              </a:spcAft>
+              <a:buClr>
+                <a:schemeClr val="tx2"/>
+              </a:buClr>
+              <a:buFont typeface="Arial" pitchFamily="34" charset="0"/>
+              <a:buChar char="–"/>
+              <a:defRPr>
+                <a:solidFill>
+                  <a:schemeClr val="tx1"/>
+                </a:solidFill>
+                <a:latin typeface="+mn-lt"/>
+              </a:defRPr>
+            </a:lvl6pPr>
+            <a:lvl7pPr marL="2971800" indent="-228600" algn="l" defTabSz="0" rtl="0" eaLnBrk="0" fontAlgn="base" hangingPunct="0">
+              <a:spcBef>
+                <a:spcPct val="0"/>
+              </a:spcBef>
+              <a:spcAft>
+                <a:spcPct val="25000"/>
+              </a:spcAft>
+              <a:buClr>
+                <a:schemeClr val="tx2"/>
+              </a:buClr>
+              <a:buFont typeface="Arial" pitchFamily="34" charset="0"/>
+              <a:buChar char="–"/>
+              <a:defRPr>
+                <a:solidFill>
+                  <a:schemeClr val="tx1"/>
+                </a:solidFill>
+                <a:latin typeface="+mn-lt"/>
+              </a:defRPr>
+            </a:lvl7pPr>
+            <a:lvl8pPr marL="3429000" indent="-228600" algn="l" defTabSz="0" rtl="0" eaLnBrk="0" fontAlgn="base" hangingPunct="0">
+              <a:spcBef>
+                <a:spcPct val="0"/>
+              </a:spcBef>
+              <a:spcAft>
+                <a:spcPct val="25000"/>
+              </a:spcAft>
+              <a:buClr>
+                <a:schemeClr val="tx2"/>
+              </a:buClr>
+              <a:buFont typeface="Arial" pitchFamily="34" charset="0"/>
+              <a:buChar char="–"/>
+              <a:defRPr>
+                <a:solidFill>
+                  <a:schemeClr val="tx1"/>
+                </a:solidFill>
+                <a:latin typeface="+mn-lt"/>
+              </a:defRPr>
+            </a:lvl8pPr>
+            <a:lvl9pPr marL="3886200" indent="-228600" algn="l" defTabSz="0" rtl="0" eaLnBrk="0" fontAlgn="base" hangingPunct="0">
+              <a:spcBef>
+                <a:spcPct val="0"/>
+              </a:spcBef>
+              <a:spcAft>
+                <a:spcPct val="25000"/>
+              </a:spcAft>
+              <a:buClr>
+                <a:schemeClr val="tx2"/>
+              </a:buClr>
+              <a:buFont typeface="Arial" pitchFamily="34" charset="0"/>
+              <a:buChar char="–"/>
+              <a:defRPr>
+                <a:solidFill>
+                  <a:schemeClr val="tx1"/>
+                </a:solidFill>
+                <a:latin typeface="+mn-lt"/>
+              </a:defRPr>
+            </a:lvl9pPr>
+          </a:lstStyle>
+          <a:p>
+            <a:pPr marL="0" indent="0">
+              <a:buNone/>
+            </a:pPr>
+            <a:r>
+              <a:rPr lang="zh-CN" altLang="en-US" sz="3200" dirty="0" smtClean="0">
+                <a:solidFill>
+                  <a:srgbClr val="C00000"/>
+                </a:solidFill>
+                <a:cs typeface="+mn-cs"/>
+              </a:rPr>
+              <a:t>内容提纲</a:t>
+            </a:r>
+            <a:endParaRPr lang="zh-CN" altLang="en-US" sz="3200" dirty="0">
+              <a:solidFill>
+                <a:srgbClr val="C00000"/>
+              </a:solidFill>
+              <a:cs typeface="+mn-cs"/>
+            </a:endParaRPr>
+          </a:p>
+        </p:txBody>
+      </p:sp>
+    </p:spTree>
+  </p:cSld>
+  <p:clrMapOvr>
+    <a:masterClrMapping/>
+  </p:clrMapOvr>
+  <p:timing>
+    <p:tnLst>
+      <p:par>
+        <p:cTn id="1" dur="indefinite" restart="never" nodeType="tmRoot"/>
+      </p:par>
+    </p:tnLst>
+  </p:timing>
+</p:sld>
+</file>
+
+<file path=ppt/slides/slide30.xml><?xml version="1.0" encoding="utf-8"?>
 <p:sld xmlns:a="http://schemas.openxmlformats.org/drawingml/2006/main" xmlns:r="http://schemas.openxmlformats.org/officeDocument/2006/relationships" xmlns:p="http://schemas.openxmlformats.org/presentationml/2006/main">
   <p:cSld>
     <p:spTree>
@@ -18514,6 +17961,401 @@
           </a:p>
           <a:p>
             <a:endParaRPr lang="zh-CN" altLang="en-US" dirty="0"/>
+          </a:p>
+        </p:txBody>
+      </p:sp>
+    </p:spTree>
+  </p:cSld>
+  <p:clrMapOvr>
+    <a:masterClrMapping/>
+  </p:clrMapOvr>
+  <p:timing>
+    <p:tnLst>
+      <p:par>
+        <p:cTn id="1" dur="indefinite" restart="never" nodeType="tmRoot"/>
+      </p:par>
+    </p:tnLst>
+  </p:timing>
+</p:sld>
+</file>
+
+<file path=ppt/slides/slide31.xml><?xml version="1.0" encoding="utf-8"?>
+<p:sld xmlns:a="http://schemas.openxmlformats.org/drawingml/2006/main" xmlns:r="http://schemas.openxmlformats.org/officeDocument/2006/relationships" xmlns:p="http://schemas.openxmlformats.org/presentationml/2006/main">
+  <p:cSld>
+    <p:spTree>
+      <p:nvGrpSpPr>
+        <p:cNvPr id="1" name=""/>
+        <p:cNvGrpSpPr/>
+        <p:nvPr/>
+      </p:nvGrpSpPr>
+      <p:grpSpPr>
+        <a:xfrm>
+          <a:off x="0" y="0"/>
+          <a:ext cx="0" cy="0"/>
+          <a:chOff x="0" y="0"/>
+          <a:chExt cx="0" cy="0"/>
+        </a:xfrm>
+      </p:grpSpPr>
+      <p:sp>
+        <p:nvSpPr>
+          <p:cNvPr id="32770" name="内容占位符 1"/>
+          <p:cNvSpPr>
+            <a:spLocks noGrp="1"/>
+          </p:cNvSpPr>
+          <p:nvPr>
+            <p:ph sz="quarter" idx="10"/>
+          </p:nvPr>
+        </p:nvSpPr>
+        <p:spPr bwMode="auto">
+          <a:xfrm>
+            <a:off x="1090715" y="1285875"/>
+            <a:ext cx="9615398" cy="4643438"/>
+          </a:xfrm>
+          <a:noFill/>
+          <a:extLst>
+            <a:ext uri="{909E8E84-426E-40DD-AFC4-6F175D3DCCD1}">
+              <a14:hiddenFill xmlns:a14="http://schemas.microsoft.com/office/drawing/2010/main">
+                <a:solidFill>
+                  <a:srgbClr val="FFFFFF"/>
+                </a:solidFill>
+              </a14:hiddenFill>
+            </a:ext>
+            <a:ext uri="{91240B29-F687-4F45-9708-019B960494DF}">
+              <a14:hiddenLine xmlns:a14="http://schemas.microsoft.com/office/drawing/2010/main" w="9525">
+                <a:solidFill>
+                  <a:srgbClr val="000000"/>
+                </a:solidFill>
+                <a:miter lim="800000"/>
+                <a:headEnd/>
+                <a:tailEnd/>
+              </a14:hiddenLine>
+            </a:ext>
+          </a:extLst>
+        </p:spPr>
+        <p:txBody>
+          <a:bodyPr vert="horz" wrap="square" lIns="91440" tIns="45720" rIns="91440" bIns="45720" numCol="1" anchor="t" anchorCtr="0" compatLnSpc="1">
+            <a:prstTxWarp prst="textNoShape">
+              <a:avLst/>
+            </a:prstTxWarp>
+          </a:bodyPr>
+          <a:lstStyle/>
+          <a:p>
+            <a:pPr eaLnBrk="1" hangingPunct="1">
+              <a:spcBef>
+                <a:spcPts val="1200"/>
+              </a:spcBef>
+              <a:spcAft>
+                <a:spcPts val="600"/>
+              </a:spcAft>
+            </a:pPr>
+            <a:r>
+              <a:rPr kumimoji="0" lang="zh-CN" altLang="en-US" dirty="0" smtClean="0"/>
+              <a:t> 在</a:t>
+            </a:r>
+            <a:r>
+              <a:rPr kumimoji="0" lang="en-US" altLang="zh-CN" dirty="0" smtClean="0"/>
+              <a:t>JavaScript</a:t>
+            </a:r>
+            <a:r>
+              <a:rPr kumimoji="0" lang="zh-CN" altLang="en-US" dirty="0" smtClean="0"/>
+              <a:t>中，为元素添加一个事件，一般有两种方法</a:t>
+            </a:r>
+            <a:endParaRPr kumimoji="0" lang="en-US" altLang="zh-CN" dirty="0" smtClean="0"/>
+          </a:p>
+          <a:p>
+            <a:pPr lvl="1" eaLnBrk="1" hangingPunct="1">
+              <a:spcBef>
+                <a:spcPts val="1200"/>
+              </a:spcBef>
+              <a:spcAft>
+                <a:spcPts val="600"/>
+              </a:spcAft>
+            </a:pPr>
+            <a:r>
+              <a:rPr kumimoji="0" lang="en-US" altLang="zh-CN" sz="2800" dirty="0"/>
+              <a:t> </a:t>
+            </a:r>
+            <a:r>
+              <a:rPr kumimoji="0" lang="zh-CN" altLang="en-US" sz="2400" dirty="0"/>
+              <a:t>在</a:t>
+            </a:r>
+            <a:r>
+              <a:rPr kumimoji="0" lang="en-US" altLang="zh-CN" sz="2400" dirty="0"/>
+              <a:t>HTML</a:t>
+            </a:r>
+            <a:r>
+              <a:rPr kumimoji="0" lang="zh-CN" altLang="en-US" sz="2400" dirty="0"/>
+              <a:t>元素中，添加</a:t>
+            </a:r>
+            <a:r>
+              <a:rPr kumimoji="0" lang="en-US" altLang="zh-CN" sz="2400" dirty="0">
+                <a:solidFill>
+                  <a:srgbClr val="FF0000"/>
+                </a:solidFill>
+              </a:rPr>
+              <a:t>HTML</a:t>
+            </a:r>
+            <a:r>
+              <a:rPr kumimoji="0" lang="zh-CN" altLang="en-US" sz="2400" dirty="0">
+                <a:solidFill>
+                  <a:srgbClr val="FF0000"/>
+                </a:solidFill>
+              </a:rPr>
+              <a:t>动作属性</a:t>
+            </a:r>
+            <a:r>
+              <a:rPr kumimoji="0" lang="zh-CN" altLang="en-US" sz="2400" dirty="0"/>
+              <a:t>，绑定一个事件处理函数</a:t>
+            </a:r>
+            <a:endParaRPr kumimoji="0" lang="en-US" altLang="zh-CN" sz="2800" dirty="0"/>
+          </a:p>
+          <a:p>
+            <a:pPr marL="168275" lvl="1" indent="0" eaLnBrk="1" hangingPunct="1">
+              <a:spcBef>
+                <a:spcPts val="1200"/>
+              </a:spcBef>
+              <a:spcAft>
+                <a:spcPts val="600"/>
+              </a:spcAft>
+              <a:buNone/>
+            </a:pPr>
+            <a:endParaRPr kumimoji="0" lang="en-US" altLang="zh-CN" sz="3600" dirty="0" smtClean="0"/>
+          </a:p>
+          <a:p>
+            <a:pPr lvl="1" eaLnBrk="1" hangingPunct="1">
+              <a:lnSpc>
+                <a:spcPts val="4000"/>
+              </a:lnSpc>
+              <a:spcBef>
+                <a:spcPts val="1800"/>
+              </a:spcBef>
+              <a:spcAft>
+                <a:spcPts val="600"/>
+              </a:spcAft>
+            </a:pPr>
+            <a:r>
+              <a:rPr kumimoji="0" lang="zh-CN" altLang="en-US" sz="2400" dirty="0" smtClean="0"/>
+              <a:t> 在</a:t>
+            </a:r>
+            <a:r>
+              <a:rPr kumimoji="0" lang="en-US" altLang="zh-CN" sz="2400" dirty="0"/>
+              <a:t>JavaScript</a:t>
+            </a:r>
+            <a:r>
+              <a:rPr kumimoji="0" lang="zh-CN" altLang="en-US" sz="2400" dirty="0"/>
+              <a:t>中，为</a:t>
+            </a:r>
+            <a:r>
+              <a:rPr kumimoji="0" lang="en-US" altLang="zh-CN" sz="2400" dirty="0"/>
+              <a:t>HTML</a:t>
+            </a:r>
+            <a:r>
+              <a:rPr kumimoji="0" lang="zh-CN" altLang="en-US" sz="2400" dirty="0"/>
+              <a:t>元素</a:t>
+            </a:r>
+            <a:r>
+              <a:rPr kumimoji="0" lang="zh-CN" altLang="en-US" sz="2400" dirty="0">
+                <a:solidFill>
+                  <a:srgbClr val="FF0000"/>
+                </a:solidFill>
+              </a:rPr>
+              <a:t>动态添加</a:t>
+            </a:r>
+            <a:r>
+              <a:rPr kumimoji="0" lang="zh-CN" altLang="en-US" sz="2400" dirty="0"/>
+              <a:t>事件处理函数</a:t>
+            </a:r>
+            <a:endParaRPr kumimoji="0" lang="zh-CN" altLang="en-US" sz="2800" dirty="0"/>
+          </a:p>
+          <a:p>
+            <a:pPr eaLnBrk="1" hangingPunct="1">
+              <a:lnSpc>
+                <a:spcPct val="150000"/>
+              </a:lnSpc>
+            </a:pPr>
+            <a:endParaRPr kumimoji="0" lang="zh-CN" altLang="en-US" dirty="0" smtClean="0"/>
+          </a:p>
+        </p:txBody>
+      </p:sp>
+      <p:sp>
+        <p:nvSpPr>
+          <p:cNvPr id="2" name="内容占位符 1"/>
+          <p:cNvSpPr>
+            <a:spLocks noGrp="1"/>
+          </p:cNvSpPr>
+          <p:nvPr>
+            <p:ph sz="quarter" idx="11"/>
+          </p:nvPr>
+        </p:nvSpPr>
+        <p:spPr/>
+        <p:txBody>
+          <a:bodyPr/>
+          <a:lstStyle/>
+          <a:p>
+            <a:r>
+              <a:rPr kumimoji="0" lang="zh-CN" altLang="en-US" dirty="0"/>
+              <a:t>添加事件方法</a:t>
+            </a:r>
+          </a:p>
+          <a:p>
+            <a:endParaRPr lang="zh-CN" altLang="en-US" dirty="0"/>
+          </a:p>
+        </p:txBody>
+      </p:sp>
+      <p:sp>
+        <p:nvSpPr>
+          <p:cNvPr id="3" name="矩形 2"/>
+          <p:cNvSpPr/>
+          <p:nvPr/>
+        </p:nvSpPr>
+        <p:spPr>
+          <a:xfrm>
+            <a:off x="1637851" y="2679203"/>
+            <a:ext cx="8450475" cy="461665"/>
+          </a:xfrm>
+          <a:prstGeom prst="rect">
+            <a:avLst/>
+          </a:prstGeom>
+        </p:spPr>
+        <p:txBody>
+          <a:bodyPr wrap="square">
+            <a:spAutoFit/>
+          </a:bodyPr>
+          <a:lstStyle/>
+          <a:p>
+            <a:r>
+              <a:rPr lang="en-US" altLang="zh-CN" sz="2400" dirty="0">
+                <a:latin typeface="+mn-ea"/>
+                <a:ea typeface="+mn-ea"/>
+              </a:rPr>
+              <a:t>&lt;button </a:t>
+            </a:r>
+            <a:r>
+              <a:rPr lang="en-US" altLang="zh-CN" sz="2400" dirty="0" err="1">
+                <a:solidFill>
+                  <a:srgbClr val="FF0000"/>
+                </a:solidFill>
+                <a:latin typeface="+mn-ea"/>
+                <a:ea typeface="+mn-ea"/>
+              </a:rPr>
+              <a:t>onclick</a:t>
+            </a:r>
+            <a:r>
+              <a:rPr lang="en-US" altLang="zh-CN" sz="2400" dirty="0">
+                <a:latin typeface="+mn-ea"/>
+                <a:ea typeface="+mn-ea"/>
+              </a:rPr>
+              <a:t>="tell();"&gt;</a:t>
+            </a:r>
+            <a:r>
+              <a:rPr lang="zh-CN" altLang="en-US" sz="2400" dirty="0">
+                <a:latin typeface="+mn-ea"/>
+                <a:ea typeface="+mn-ea"/>
+              </a:rPr>
+              <a:t>弹出提示框</a:t>
+            </a:r>
+            <a:r>
+              <a:rPr lang="en-US" altLang="zh-CN" sz="2400" dirty="0">
+                <a:latin typeface="+mn-ea"/>
+                <a:ea typeface="+mn-ea"/>
+              </a:rPr>
+              <a:t>&lt;/button&gt;</a:t>
+            </a:r>
+            <a:endParaRPr lang="zh-CN" altLang="en-US" sz="2400" dirty="0">
+              <a:latin typeface="+mn-ea"/>
+              <a:ea typeface="+mn-ea"/>
+            </a:endParaRPr>
+          </a:p>
+        </p:txBody>
+      </p:sp>
+      <p:sp>
+        <p:nvSpPr>
+          <p:cNvPr id="4" name="矩形 3"/>
+          <p:cNvSpPr/>
+          <p:nvPr/>
+        </p:nvSpPr>
+        <p:spPr>
+          <a:xfrm>
+            <a:off x="1588432" y="4245595"/>
+            <a:ext cx="9621911" cy="1200329"/>
+          </a:xfrm>
+          <a:prstGeom prst="rect">
+            <a:avLst/>
+          </a:prstGeom>
+        </p:spPr>
+        <p:txBody>
+          <a:bodyPr wrap="square">
+            <a:spAutoFit/>
+          </a:bodyPr>
+          <a:lstStyle/>
+          <a:p>
+            <a:r>
+              <a:rPr lang="en-US" altLang="zh-CN" sz="2400" dirty="0" err="1">
+                <a:latin typeface="微软雅黑" pitchFamily="34" charset="-122"/>
+              </a:rPr>
+              <a:t>document.getElementById</a:t>
+            </a:r>
+            <a:r>
+              <a:rPr lang="en-US" altLang="zh-CN" sz="2400" dirty="0">
+                <a:latin typeface="微软雅黑" pitchFamily="34" charset="-122"/>
+              </a:rPr>
+              <a:t>('</a:t>
+            </a:r>
+            <a:r>
+              <a:rPr lang="en-US" altLang="zh-CN" sz="2400" dirty="0" err="1">
+                <a:latin typeface="微软雅黑" pitchFamily="34" charset="-122"/>
+              </a:rPr>
+              <a:t>btn</a:t>
+            </a:r>
+            <a:r>
+              <a:rPr lang="en-US" altLang="zh-CN" sz="2400" dirty="0">
+                <a:latin typeface="微软雅黑" pitchFamily="34" charset="-122"/>
+              </a:rPr>
+              <a:t>').</a:t>
+            </a:r>
+            <a:r>
+              <a:rPr lang="en-US" altLang="zh-CN" sz="2400" dirty="0" err="1">
+                <a:solidFill>
+                  <a:srgbClr val="FF0000"/>
+                </a:solidFill>
+                <a:latin typeface="微软雅黑" pitchFamily="34" charset="-122"/>
+              </a:rPr>
+              <a:t>onclick</a:t>
+            </a:r>
+            <a:r>
+              <a:rPr lang="en-US" altLang="zh-CN" sz="2400" dirty="0">
+                <a:solidFill>
+                  <a:srgbClr val="FF0000"/>
+                </a:solidFill>
+                <a:latin typeface="微软雅黑" pitchFamily="34" charset="-122"/>
+              </a:rPr>
+              <a:t> </a:t>
+            </a:r>
+            <a:r>
+              <a:rPr lang="en-US" altLang="zh-CN" sz="2400" dirty="0">
+                <a:latin typeface="微软雅黑" pitchFamily="34" charset="-122"/>
+              </a:rPr>
+              <a:t>= function(){</a:t>
+            </a:r>
+          </a:p>
+          <a:p>
+            <a:r>
+              <a:rPr lang="en-US" altLang="zh-CN" sz="2400" dirty="0">
+                <a:latin typeface="微软雅黑" pitchFamily="34" charset="-122"/>
+              </a:rPr>
+              <a:t>			</a:t>
+            </a:r>
+          </a:p>
+          <a:p>
+            <a:r>
+              <a:rPr lang="en-US" altLang="zh-CN" sz="2400" dirty="0" smtClean="0">
+                <a:latin typeface="微软雅黑" pitchFamily="34" charset="-122"/>
+              </a:rPr>
+              <a:t>}</a:t>
+            </a:r>
+            <a:endParaRPr lang="zh-CN" altLang="en-US" sz="2400" dirty="0">
+              <a:latin typeface="微软雅黑" pitchFamily="34" charset="-122"/>
+            </a:endParaRPr>
           </a:p>
         </p:txBody>
       </p:sp>
@@ -18551,7 +18393,7 @@
       </p:grpSpPr>
       <p:sp>
         <p:nvSpPr>
-          <p:cNvPr id="32770" name="内容占位符 1"/>
+          <p:cNvPr id="33794" name="内容占位符 1"/>
           <p:cNvSpPr>
             <a:spLocks noGrp="1"/>
           </p:cNvSpPr>
@@ -18561,8 +18403,8 @@
         </p:nvSpPr>
         <p:spPr bwMode="auto">
           <a:xfrm>
-            <a:off x="1090715" y="1285875"/>
-            <a:ext cx="9615398" cy="4643438"/>
+            <a:off x="1090714" y="1285875"/>
+            <a:ext cx="9183201" cy="4643438"/>
           </a:xfrm>
           <a:noFill/>
           <a:extLst>
@@ -18594,131 +18436,82 @@
           <a:lstStyle/>
           <a:p>
             <a:pPr eaLnBrk="1" hangingPunct="1">
+              <a:lnSpc>
+                <a:spcPts val="4200"/>
+              </a:lnSpc>
               <a:spcBef>
                 <a:spcPts val="1200"/>
               </a:spcBef>
               <a:spcAft>
-                <a:spcPts val="600"/>
+                <a:spcPts val="900"/>
               </a:spcAft>
             </a:pPr>
             <a:r>
+              <a:rPr kumimoji="0" lang="zh-CN" altLang="en-US" dirty="0" smtClean="0">
+                <a:solidFill>
+                  <a:srgbClr val="FF0000"/>
+                </a:solidFill>
+              </a:rPr>
+              <a:t> 事件处理机制</a:t>
+            </a:r>
+            <a:r>
               <a:rPr kumimoji="0" lang="zh-CN" altLang="en-US" dirty="0" smtClean="0"/>
-              <a:t> 在</a:t>
-            </a:r>
-            <a:r>
-              <a:rPr kumimoji="0" lang="en-US" altLang="zh-CN" dirty="0" smtClean="0"/>
-              <a:t>JavaScript</a:t>
-            </a:r>
-            <a:r>
-              <a:rPr kumimoji="0" lang="zh-CN" altLang="en-US" dirty="0" smtClean="0"/>
-              <a:t>中，为元素添加一个事件，一般有两种方法</a:t>
+              <a:t>：当某一个事件触发时，会执行操作以响应该事件；当该事件再次发生时，响应操作会再次执行。</a:t>
             </a:r>
             <a:endParaRPr kumimoji="0" lang="en-US" altLang="zh-CN" dirty="0" smtClean="0"/>
           </a:p>
           <a:p>
-            <a:pPr lvl="1" eaLnBrk="1" hangingPunct="1">
+            <a:pPr eaLnBrk="1" hangingPunct="1">
+              <a:lnSpc>
+                <a:spcPts val="4200"/>
+              </a:lnSpc>
               <a:spcBef>
                 <a:spcPts val="1200"/>
               </a:spcBef>
               <a:spcAft>
-                <a:spcPts val="600"/>
+                <a:spcPts val="900"/>
               </a:spcAft>
             </a:pPr>
             <a:r>
-              <a:rPr kumimoji="0" lang="en-US" altLang="zh-CN" sz="2800" dirty="0"/>
-              <a:t> </a:t>
-            </a:r>
-            <a:r>
-              <a:rPr kumimoji="0" lang="zh-CN" altLang="en-US" sz="2400" dirty="0"/>
-              <a:t>在</a:t>
-            </a:r>
-            <a:r>
-              <a:rPr kumimoji="0" lang="en-US" altLang="zh-CN" sz="2400" dirty="0"/>
-              <a:t>HTML</a:t>
-            </a:r>
-            <a:r>
-              <a:rPr kumimoji="0" lang="zh-CN" altLang="en-US" sz="2400" dirty="0"/>
-              <a:t>元素中，添加</a:t>
-            </a:r>
-            <a:r>
-              <a:rPr kumimoji="0" lang="en-US" altLang="zh-CN" sz="2400" dirty="0">
+              <a:rPr kumimoji="0" lang="zh-CN" altLang="en-US" dirty="0" smtClean="0"/>
+              <a:t> 响应事件的操作是一段代码（如函数），会</a:t>
+            </a:r>
+            <a:r>
+              <a:rPr kumimoji="0" lang="zh-CN" altLang="en-US" dirty="0" smtClean="0">
                 <a:solidFill>
                   <a:srgbClr val="FF0000"/>
                 </a:solidFill>
               </a:rPr>
-              <a:t>HTML</a:t>
-            </a:r>
-            <a:r>
-              <a:rPr kumimoji="0" lang="zh-CN" altLang="en-US" sz="2400" dirty="0">
+              <a:t>捕获每一次事件</a:t>
+            </a:r>
+            <a:r>
+              <a:rPr kumimoji="0" lang="zh-CN" altLang="en-US" dirty="0" smtClean="0"/>
+              <a:t>触发的动作，然后</a:t>
+            </a:r>
+            <a:r>
+              <a:rPr kumimoji="0" lang="zh-CN" altLang="en-US" dirty="0" smtClean="0">
                 <a:solidFill>
                   <a:srgbClr val="FF0000"/>
                 </a:solidFill>
               </a:rPr>
-              <a:t>动作属性</a:t>
-            </a:r>
-            <a:r>
-              <a:rPr kumimoji="0" lang="zh-CN" altLang="en-US" sz="2400" dirty="0"/>
-              <a:t>，绑定一个事件处理函数</a:t>
-            </a:r>
-            <a:endParaRPr kumimoji="0" lang="en-US" altLang="zh-CN" sz="2800" dirty="0"/>
-          </a:p>
-          <a:p>
-            <a:pPr marL="168275" lvl="1" indent="0" eaLnBrk="1" hangingPunct="1">
-              <a:spcBef>
-                <a:spcPts val="1200"/>
-              </a:spcBef>
-              <a:spcAft>
-                <a:spcPts val="600"/>
-              </a:spcAft>
-              <a:buNone/>
-            </a:pPr>
-            <a:endParaRPr kumimoji="0" lang="en-US" altLang="zh-CN" sz="3600" dirty="0" smtClean="0"/>
-          </a:p>
-          <a:p>
-            <a:pPr lvl="1" eaLnBrk="1" hangingPunct="1">
-              <a:lnSpc>
-                <a:spcPts val="4000"/>
-              </a:lnSpc>
-              <a:spcBef>
-                <a:spcPts val="1800"/>
-              </a:spcBef>
-              <a:spcAft>
-                <a:spcPts val="600"/>
-              </a:spcAft>
-            </a:pPr>
-            <a:r>
-              <a:rPr kumimoji="0" lang="zh-CN" altLang="en-US" sz="2400" dirty="0" smtClean="0"/>
-              <a:t> 在</a:t>
-            </a:r>
-            <a:r>
-              <a:rPr kumimoji="0" lang="en-US" altLang="zh-CN" sz="2400" dirty="0"/>
-              <a:t>JavaScript</a:t>
-            </a:r>
-            <a:r>
-              <a:rPr kumimoji="0" lang="zh-CN" altLang="en-US" sz="2400" dirty="0"/>
-              <a:t>中，为</a:t>
-            </a:r>
-            <a:r>
-              <a:rPr kumimoji="0" lang="en-US" altLang="zh-CN" sz="2400" dirty="0"/>
-              <a:t>HTML</a:t>
-            </a:r>
-            <a:r>
-              <a:rPr kumimoji="0" lang="zh-CN" altLang="en-US" sz="2400" dirty="0"/>
-              <a:t>元素</a:t>
-            </a:r>
-            <a:r>
-              <a:rPr kumimoji="0" lang="zh-CN" altLang="en-US" sz="2400" dirty="0">
+              <a:t>执行该段代码。</a:t>
+            </a:r>
+            <a:r>
+              <a:rPr kumimoji="0" lang="zh-CN" altLang="en-US" dirty="0" smtClean="0"/>
+              <a:t>即事件处理机制中，</a:t>
+            </a:r>
+            <a:r>
+              <a:rPr kumimoji="0" lang="zh-CN" altLang="en-US" dirty="0" smtClean="0">
                 <a:solidFill>
                   <a:srgbClr val="FF0000"/>
                 </a:solidFill>
               </a:rPr>
-              <a:t>动态添加</a:t>
-            </a:r>
-            <a:r>
-              <a:rPr kumimoji="0" lang="zh-CN" altLang="en-US" sz="2400" dirty="0"/>
-              <a:t>事件处理函数</a:t>
-            </a:r>
-            <a:endParaRPr kumimoji="0" lang="zh-CN" altLang="en-US" sz="2800" dirty="0"/>
+              <a:t>函数的执行是由事件所触发</a:t>
+            </a:r>
+            <a:r>
+              <a:rPr kumimoji="0" lang="zh-CN" altLang="en-US" dirty="0" smtClean="0"/>
+              <a:t>的。</a:t>
+            </a:r>
           </a:p>
           <a:p>
             <a:pPr eaLnBrk="1" hangingPunct="1">
@@ -18747,168 +18540,11 @@
           <a:p>
             <a:r>
               <a:rPr kumimoji="0" lang="zh-CN" altLang="en-US" dirty="0"/>
-              <a:t>添加事件方法</a:t>
+              <a:t>事件处理</a:t>
             </a:r>
           </a:p>
           <a:p>
             <a:endParaRPr lang="zh-CN" altLang="en-US" dirty="0"/>
-          </a:p>
-        </p:txBody>
-      </p:sp>
-      <p:sp>
-        <p:nvSpPr>
-          <p:cNvPr id="3" name="矩形 2"/>
-          <p:cNvSpPr/>
-          <p:nvPr/>
-        </p:nvSpPr>
-        <p:spPr>
-          <a:xfrm>
-            <a:off x="1637851" y="2679203"/>
-            <a:ext cx="8450475" cy="461665"/>
-          </a:xfrm>
-          <a:prstGeom prst="rect">
-            <a:avLst/>
-          </a:prstGeom>
-        </p:spPr>
-        <p:txBody>
-          <a:bodyPr wrap="square">
-            <a:spAutoFit/>
-          </a:bodyPr>
-          <a:lstStyle/>
-          <a:p>
-            <a:r>
-              <a:rPr lang="en-US" altLang="zh-CN" sz="2400" dirty="0">
-                <a:latin typeface="+mn-ea"/>
-                <a:ea typeface="+mn-ea"/>
-              </a:rPr>
-              <a:t>&lt;button </a:t>
-            </a:r>
-            <a:r>
-              <a:rPr lang="en-US" altLang="zh-CN" sz="2400" dirty="0" err="1">
-                <a:solidFill>
-                  <a:srgbClr val="FF0000"/>
-                </a:solidFill>
-                <a:latin typeface="+mn-ea"/>
-                <a:ea typeface="+mn-ea"/>
-              </a:rPr>
-              <a:t>onclick</a:t>
-            </a:r>
-            <a:r>
-              <a:rPr lang="en-US" altLang="zh-CN" sz="2400" dirty="0">
-                <a:latin typeface="+mn-ea"/>
-                <a:ea typeface="+mn-ea"/>
-              </a:rPr>
-              <a:t>="tell();"&gt;</a:t>
-            </a:r>
-            <a:r>
-              <a:rPr lang="zh-CN" altLang="en-US" sz="2400" dirty="0">
-                <a:latin typeface="+mn-ea"/>
-                <a:ea typeface="+mn-ea"/>
-              </a:rPr>
-              <a:t>弹出提示框</a:t>
-            </a:r>
-            <a:r>
-              <a:rPr lang="en-US" altLang="zh-CN" sz="2400" dirty="0">
-                <a:latin typeface="+mn-ea"/>
-                <a:ea typeface="+mn-ea"/>
-              </a:rPr>
-              <a:t>&lt;/button&gt;</a:t>
-            </a:r>
-            <a:endParaRPr lang="zh-CN" altLang="en-US" sz="2400" dirty="0">
-              <a:latin typeface="+mn-ea"/>
-              <a:ea typeface="+mn-ea"/>
-            </a:endParaRPr>
-          </a:p>
-        </p:txBody>
-      </p:sp>
-      <p:sp>
-        <p:nvSpPr>
-          <p:cNvPr id="4" name="矩形 3"/>
-          <p:cNvSpPr/>
-          <p:nvPr/>
-        </p:nvSpPr>
-        <p:spPr>
-          <a:xfrm>
-            <a:off x="1588432" y="4245595"/>
-            <a:ext cx="9621911" cy="1200329"/>
-          </a:xfrm>
-          <a:prstGeom prst="rect">
-            <a:avLst/>
-          </a:prstGeom>
-        </p:spPr>
-        <p:txBody>
-          <a:bodyPr wrap="square">
-            <a:spAutoFit/>
-          </a:bodyPr>
-          <a:lstStyle/>
-          <a:p>
-            <a:r>
-              <a:rPr lang="en-US" altLang="zh-CN" sz="2400" dirty="0" err="1">
-                <a:latin typeface="微软雅黑" pitchFamily="34" charset="-122"/>
-              </a:rPr>
-              <a:t>document.getElementById</a:t>
-            </a:r>
-            <a:r>
-              <a:rPr lang="en-US" altLang="zh-CN" sz="2400" dirty="0">
-                <a:latin typeface="微软雅黑" pitchFamily="34" charset="-122"/>
-              </a:rPr>
-              <a:t>('</a:t>
-            </a:r>
-            <a:r>
-              <a:rPr lang="en-US" altLang="zh-CN" sz="2400" dirty="0" err="1">
-                <a:latin typeface="微软雅黑" pitchFamily="34" charset="-122"/>
-              </a:rPr>
-              <a:t>btn</a:t>
-            </a:r>
-            <a:r>
-              <a:rPr lang="en-US" altLang="zh-CN" sz="2400" dirty="0">
-                <a:latin typeface="微软雅黑" pitchFamily="34" charset="-122"/>
-              </a:rPr>
-              <a:t>').</a:t>
-            </a:r>
-            <a:r>
-              <a:rPr lang="en-US" altLang="zh-CN" sz="2400" dirty="0" err="1">
-                <a:solidFill>
-                  <a:srgbClr val="FF0000"/>
-                </a:solidFill>
-                <a:latin typeface="微软雅黑" pitchFamily="34" charset="-122"/>
-              </a:rPr>
-              <a:t>onclick</a:t>
-            </a:r>
-            <a:r>
-              <a:rPr lang="en-US" altLang="zh-CN" sz="2400" dirty="0">
-                <a:solidFill>
-                  <a:srgbClr val="FF0000"/>
-                </a:solidFill>
-                <a:latin typeface="微软雅黑" pitchFamily="34" charset="-122"/>
-              </a:rPr>
-              <a:t> </a:t>
-            </a:r>
-            <a:r>
-              <a:rPr lang="en-US" altLang="zh-CN" sz="2400" dirty="0">
-                <a:latin typeface="微软雅黑" pitchFamily="34" charset="-122"/>
-              </a:rPr>
-              <a:t>= function(){</a:t>
-            </a:r>
-          </a:p>
-          <a:p>
-            <a:r>
-              <a:rPr lang="en-US" altLang="zh-CN" sz="2400" dirty="0">
-                <a:latin typeface="微软雅黑" pitchFamily="34" charset="-122"/>
-              </a:rPr>
-              <a:t>			</a:t>
-            </a:r>
-          </a:p>
-          <a:p>
-            <a:r>
-              <a:rPr lang="en-US" altLang="zh-CN" sz="2400" dirty="0" smtClean="0">
-                <a:latin typeface="微软雅黑" pitchFamily="34" charset="-122"/>
-              </a:rPr>
-              <a:t>}</a:t>
-            </a:r>
-            <a:endParaRPr lang="zh-CN" altLang="en-US" sz="2400" dirty="0">
-              <a:latin typeface="微软雅黑" pitchFamily="34" charset="-122"/>
-            </a:endParaRPr>
           </a:p>
         </p:txBody>
       </p:sp>
@@ -18946,195 +18582,6 @@
       </p:grpSpPr>
       <p:sp>
         <p:nvSpPr>
-          <p:cNvPr id="33794" name="内容占位符 1"/>
-          <p:cNvSpPr>
-            <a:spLocks noGrp="1"/>
-          </p:cNvSpPr>
-          <p:nvPr>
-            <p:ph sz="quarter" idx="10"/>
-          </p:nvPr>
-        </p:nvSpPr>
-        <p:spPr bwMode="auto">
-          <a:xfrm>
-            <a:off x="1090714" y="1285875"/>
-            <a:ext cx="9183201" cy="4643438"/>
-          </a:xfrm>
-          <a:noFill/>
-          <a:extLst>
-            <a:ext uri="{909E8E84-426E-40DD-AFC4-6F175D3DCCD1}">
-              <a14:hiddenFill xmlns:a14="http://schemas.microsoft.com/office/drawing/2010/main">
-                <a:solidFill>
-                  <a:srgbClr val="FFFFFF"/>
-                </a:solidFill>
-              </a14:hiddenFill>
-            </a:ext>
-            <a:ext uri="{91240B29-F687-4F45-9708-019B960494DF}">
-              <a14:hiddenLine xmlns:a14="http://schemas.microsoft.com/office/drawing/2010/main" w="9525">
-                <a:solidFill>
-                  <a:srgbClr val="000000"/>
-                </a:solidFill>
-                <a:miter lim="800000"/>
-                <a:headEnd/>
-                <a:tailEnd/>
-              </a14:hiddenLine>
-            </a:ext>
-          </a:extLst>
-        </p:spPr>
-        <p:txBody>
-          <a:bodyPr vert="horz" wrap="square" lIns="91440" tIns="45720" rIns="91440" bIns="45720" numCol="1" anchor="t" anchorCtr="0" compatLnSpc="1">
-            <a:prstTxWarp prst="textNoShape">
-              <a:avLst/>
-            </a:prstTxWarp>
-          </a:bodyPr>
-          <a:lstStyle/>
-          <a:p>
-            <a:pPr eaLnBrk="1" hangingPunct="1">
-              <a:lnSpc>
-                <a:spcPts val="4200"/>
-              </a:lnSpc>
-              <a:spcBef>
-                <a:spcPts val="1200"/>
-              </a:spcBef>
-              <a:spcAft>
-                <a:spcPts val="900"/>
-              </a:spcAft>
-            </a:pPr>
-            <a:r>
-              <a:rPr kumimoji="0" lang="zh-CN" altLang="en-US" dirty="0" smtClean="0">
-                <a:solidFill>
-                  <a:srgbClr val="FF0000"/>
-                </a:solidFill>
-              </a:rPr>
-              <a:t> 事件处理机制</a:t>
-            </a:r>
-            <a:r>
-              <a:rPr kumimoji="0" lang="zh-CN" altLang="en-US" dirty="0" smtClean="0"/>
-              <a:t>：当某一个事件触发时，会执行操作以响应该事件；当该事件再次发生时，响应操作会再次执行。</a:t>
-            </a:r>
-            <a:endParaRPr kumimoji="0" lang="en-US" altLang="zh-CN" dirty="0" smtClean="0"/>
-          </a:p>
-          <a:p>
-            <a:pPr eaLnBrk="1" hangingPunct="1">
-              <a:lnSpc>
-                <a:spcPts val="4200"/>
-              </a:lnSpc>
-              <a:spcBef>
-                <a:spcPts val="1200"/>
-              </a:spcBef>
-              <a:spcAft>
-                <a:spcPts val="900"/>
-              </a:spcAft>
-            </a:pPr>
-            <a:r>
-              <a:rPr kumimoji="0" lang="zh-CN" altLang="en-US" dirty="0" smtClean="0"/>
-              <a:t> 响应事件的操作是一段代码（如函数），会</a:t>
-            </a:r>
-            <a:r>
-              <a:rPr kumimoji="0" lang="zh-CN" altLang="en-US" dirty="0" smtClean="0">
-                <a:solidFill>
-                  <a:srgbClr val="FF0000"/>
-                </a:solidFill>
-              </a:rPr>
-              <a:t>捕获每一次事件</a:t>
-            </a:r>
-            <a:r>
-              <a:rPr kumimoji="0" lang="zh-CN" altLang="en-US" dirty="0" smtClean="0"/>
-              <a:t>触发的动作，然后</a:t>
-            </a:r>
-            <a:r>
-              <a:rPr kumimoji="0" lang="zh-CN" altLang="en-US" dirty="0" smtClean="0">
-                <a:solidFill>
-                  <a:srgbClr val="FF0000"/>
-                </a:solidFill>
-              </a:rPr>
-              <a:t>执行该段代码。</a:t>
-            </a:r>
-            <a:r>
-              <a:rPr kumimoji="0" lang="zh-CN" altLang="en-US" dirty="0" smtClean="0"/>
-              <a:t>即事件处理机制中，</a:t>
-            </a:r>
-            <a:r>
-              <a:rPr kumimoji="0" lang="zh-CN" altLang="en-US" dirty="0" smtClean="0">
-                <a:solidFill>
-                  <a:srgbClr val="FF0000"/>
-                </a:solidFill>
-              </a:rPr>
-              <a:t>函数的执行是由事件所触发</a:t>
-            </a:r>
-            <a:r>
-              <a:rPr kumimoji="0" lang="zh-CN" altLang="en-US" dirty="0" smtClean="0"/>
-              <a:t>的。</a:t>
-            </a:r>
-          </a:p>
-          <a:p>
-            <a:pPr eaLnBrk="1" hangingPunct="1">
-              <a:lnSpc>
-                <a:spcPct val="150000"/>
-              </a:lnSpc>
-            </a:pPr>
-            <a:endParaRPr kumimoji="0" lang="zh-CN" altLang="en-US" dirty="0" smtClean="0"/>
-          </a:p>
-        </p:txBody>
-      </p:sp>
-      <p:sp>
-        <p:nvSpPr>
-          <p:cNvPr id="2" name="内容占位符 1"/>
-          <p:cNvSpPr>
-            <a:spLocks noGrp="1"/>
-          </p:cNvSpPr>
-          <p:nvPr>
-            <p:ph sz="quarter" idx="11"/>
-          </p:nvPr>
-        </p:nvSpPr>
-        <p:spPr/>
-        <p:txBody>
-          <a:bodyPr/>
-          <a:lstStyle/>
-          <a:p>
-            <a:r>
-              <a:rPr kumimoji="0" lang="zh-CN" altLang="en-US" dirty="0"/>
-              <a:t>事件处理</a:t>
-            </a:r>
-          </a:p>
-          <a:p>
-            <a:endParaRPr lang="zh-CN" altLang="en-US" dirty="0"/>
-          </a:p>
-        </p:txBody>
-      </p:sp>
-    </p:spTree>
-  </p:cSld>
-  <p:clrMapOvr>
-    <a:masterClrMapping/>
-  </p:clrMapOvr>
-  <p:timing>
-    <p:tnLst>
-      <p:par>
-        <p:cTn id="1" dur="indefinite" restart="never" nodeType="tmRoot"/>
-      </p:par>
-    </p:tnLst>
-  </p:timing>
-</p:sld>
-</file>
-
-<file path=ppt/slides/slide34.xml><?xml version="1.0" encoding="utf-8"?>
-<p:sld xmlns:a="http://schemas.openxmlformats.org/drawingml/2006/main" xmlns:r="http://schemas.openxmlformats.org/officeDocument/2006/relationships" xmlns:p="http://schemas.openxmlformats.org/presentationml/2006/main">
-  <p:cSld>
-    <p:spTree>
-      <p:nvGrpSpPr>
-        <p:cNvPr id="1" name=""/>
-        <p:cNvGrpSpPr/>
-        <p:nvPr/>
-      </p:nvGrpSpPr>
-      <p:grpSpPr>
-        <a:xfrm>
-          <a:off x="0" y="0"/>
-          <a:ext cx="0" cy="0"/>
-          <a:chOff x="0" y="0"/>
-          <a:chExt cx="0" cy="0"/>
-        </a:xfrm>
-      </p:grpSpPr>
-      <p:sp>
-        <p:nvSpPr>
           <p:cNvPr id="34818" name="内容占位符 1"/>
           <p:cNvSpPr>
             <a:spLocks noGrp="1"/>
@@ -19548,14 +18995,14 @@
                 <a:gridCol w="2017310">
                   <a:extLst>
                     <a:ext uri="{9D8B030D-6E8A-4147-A177-3AD203B41FA5}">
-                      <a16:colId xmlns:a16="http://schemas.microsoft.com/office/drawing/2014/main" xmlns="" val="2477141157"/>
+                      <a16:colId xmlns="" xmlns:a16="http://schemas.microsoft.com/office/drawing/2014/main" val="2477141157"/>
                     </a:ext>
                   </a:extLst>
                 </a:gridCol>
                 <a:gridCol w="7779564">
                   <a:extLst>
                     <a:ext uri="{9D8B030D-6E8A-4147-A177-3AD203B41FA5}">
-                      <a16:colId xmlns:a16="http://schemas.microsoft.com/office/drawing/2014/main" xmlns="" val="296153562"/>
+                      <a16:colId xmlns="" xmlns:a16="http://schemas.microsoft.com/office/drawing/2014/main" val="296153562"/>
                     </a:ext>
                   </a:extLst>
                 </a:gridCol>
@@ -19619,7 +19066,7 @@
                 </a:tc>
                 <a:extLst>
                   <a:ext uri="{0D108BD9-81ED-4DB2-BD59-A6C34878D82A}">
-                    <a16:rowId xmlns:a16="http://schemas.microsoft.com/office/drawing/2014/main" xmlns="" val="3285621116"/>
+                    <a16:rowId xmlns="" xmlns:a16="http://schemas.microsoft.com/office/drawing/2014/main" val="3285621116"/>
                   </a:ext>
                 </a:extLst>
               </a:tr>
@@ -19687,7 +19134,7 @@
                 </a:tc>
                 <a:extLst>
                   <a:ext uri="{0D108BD9-81ED-4DB2-BD59-A6C34878D82A}">
-                    <a16:rowId xmlns:a16="http://schemas.microsoft.com/office/drawing/2014/main" xmlns="" val="2276685043"/>
+                    <a16:rowId xmlns="" xmlns:a16="http://schemas.microsoft.com/office/drawing/2014/main" val="2276685043"/>
                   </a:ext>
                 </a:extLst>
               </a:tr>
@@ -19710,7 +19157,7 @@
 </p:sld>
 </file>
 
-<file path=ppt/slides/slide35.xml><?xml version="1.0" encoding="utf-8"?>
+<file path=ppt/slides/slide34.xml><?xml version="1.0" encoding="utf-8"?>
 <p:sld xmlns:a="http://schemas.openxmlformats.org/drawingml/2006/main" xmlns:r="http://schemas.openxmlformats.org/officeDocument/2006/relationships" xmlns:p="http://schemas.openxmlformats.org/presentationml/2006/main">
   <p:cSld>
     <p:spTree>
@@ -20018,14 +19465,14 @@
                 <a:gridCol w="1872858">
                   <a:extLst>
                     <a:ext uri="{9D8B030D-6E8A-4147-A177-3AD203B41FA5}">
-                      <a16:colId xmlns:a16="http://schemas.microsoft.com/office/drawing/2014/main" xmlns="" val="2477141157"/>
+                      <a16:colId xmlns="" xmlns:a16="http://schemas.microsoft.com/office/drawing/2014/main" val="2477141157"/>
                     </a:ext>
                   </a:extLst>
                 </a:gridCol>
                 <a:gridCol w="7924016">
                   <a:extLst>
                     <a:ext uri="{9D8B030D-6E8A-4147-A177-3AD203B41FA5}">
-                      <a16:colId xmlns:a16="http://schemas.microsoft.com/office/drawing/2014/main" xmlns="" val="296153562"/>
+                      <a16:colId xmlns="" xmlns:a16="http://schemas.microsoft.com/office/drawing/2014/main" val="296153562"/>
                     </a:ext>
                   </a:extLst>
                 </a:gridCol>
@@ -20120,7 +19567,7 @@
                 </a:tc>
                 <a:extLst>
                   <a:ext uri="{0D108BD9-81ED-4DB2-BD59-A6C34878D82A}">
-                    <a16:rowId xmlns:a16="http://schemas.microsoft.com/office/drawing/2014/main" xmlns="" val="3285621116"/>
+                    <a16:rowId xmlns="" xmlns:a16="http://schemas.microsoft.com/office/drawing/2014/main" val="3285621116"/>
                   </a:ext>
                 </a:extLst>
               </a:tr>
@@ -20252,7 +19699,7 @@
                 </a:tc>
                 <a:extLst>
                   <a:ext uri="{0D108BD9-81ED-4DB2-BD59-A6C34878D82A}">
-                    <a16:rowId xmlns:a16="http://schemas.microsoft.com/office/drawing/2014/main" xmlns="" val="2276685043"/>
+                    <a16:rowId xmlns="" xmlns:a16="http://schemas.microsoft.com/office/drawing/2014/main" val="2276685043"/>
                   </a:ext>
                 </a:extLst>
               </a:tr>
@@ -20338,7 +19785,7 @@
                 </a:tc>
                 <a:extLst>
                   <a:ext uri="{0D108BD9-81ED-4DB2-BD59-A6C34878D82A}">
-                    <a16:rowId xmlns:a16="http://schemas.microsoft.com/office/drawing/2014/main" xmlns="" val="282219940"/>
+                    <a16:rowId xmlns="" xmlns:a16="http://schemas.microsoft.com/office/drawing/2014/main" val="282219940"/>
                   </a:ext>
                 </a:extLst>
               </a:tr>
@@ -20440,7 +19887,7 @@
                 </a:tc>
                 <a:extLst>
                   <a:ext uri="{0D108BD9-81ED-4DB2-BD59-A6C34878D82A}">
-                    <a16:rowId xmlns:a16="http://schemas.microsoft.com/office/drawing/2014/main" xmlns="" val="2355857450"/>
+                    <a16:rowId xmlns="" xmlns:a16="http://schemas.microsoft.com/office/drawing/2014/main" val="2355857450"/>
                   </a:ext>
                 </a:extLst>
               </a:tr>
@@ -20526,7 +19973,7 @@
                 </a:tc>
                 <a:extLst>
                   <a:ext uri="{0D108BD9-81ED-4DB2-BD59-A6C34878D82A}">
-                    <a16:rowId xmlns:a16="http://schemas.microsoft.com/office/drawing/2014/main" xmlns="" val="1340312702"/>
+                    <a16:rowId xmlns="" xmlns:a16="http://schemas.microsoft.com/office/drawing/2014/main" val="1340312702"/>
                   </a:ext>
                 </a:extLst>
               </a:tr>
@@ -20612,7 +20059,7 @@
                 </a:tc>
                 <a:extLst>
                   <a:ext uri="{0D108BD9-81ED-4DB2-BD59-A6C34878D82A}">
-                    <a16:rowId xmlns:a16="http://schemas.microsoft.com/office/drawing/2014/main" xmlns="" val="3649430596"/>
+                    <a16:rowId xmlns="" xmlns:a16="http://schemas.microsoft.com/office/drawing/2014/main" val="3649430596"/>
                   </a:ext>
                 </a:extLst>
               </a:tr>
@@ -20717,7 +20164,7 @@
 </p:sld>
 </file>
 
-<file path=ppt/slides/slide36.xml><?xml version="1.0" encoding="utf-8"?>
+<file path=ppt/slides/slide35.xml><?xml version="1.0" encoding="utf-8"?>
 <p:sld xmlns:a="http://schemas.openxmlformats.org/drawingml/2006/main" xmlns:r="http://schemas.openxmlformats.org/officeDocument/2006/relationships" xmlns:p="http://schemas.openxmlformats.org/presentationml/2006/main">
   <p:cSld>
     <p:spTree>
@@ -21031,14 +20478,14 @@
                 <a:gridCol w="2737640">
                   <a:extLst>
                     <a:ext uri="{9D8B030D-6E8A-4147-A177-3AD203B41FA5}">
-                      <a16:colId xmlns:a16="http://schemas.microsoft.com/office/drawing/2014/main" xmlns="" val="2477141157"/>
+                      <a16:colId xmlns="" xmlns:a16="http://schemas.microsoft.com/office/drawing/2014/main" val="2477141157"/>
                     </a:ext>
                   </a:extLst>
                 </a:gridCol>
                 <a:gridCol w="7059234">
                   <a:extLst>
                     <a:ext uri="{9D8B030D-6E8A-4147-A177-3AD203B41FA5}">
-                      <a16:colId xmlns:a16="http://schemas.microsoft.com/office/drawing/2014/main" xmlns="" val="296153562"/>
+                      <a16:colId xmlns="" xmlns:a16="http://schemas.microsoft.com/office/drawing/2014/main" val="296153562"/>
                     </a:ext>
                   </a:extLst>
                 </a:gridCol>
@@ -21102,7 +20549,7 @@
                 </a:tc>
                 <a:extLst>
                   <a:ext uri="{0D108BD9-81ED-4DB2-BD59-A6C34878D82A}">
-                    <a16:rowId xmlns:a16="http://schemas.microsoft.com/office/drawing/2014/main" xmlns="" val="3285621116"/>
+                    <a16:rowId xmlns="" xmlns:a16="http://schemas.microsoft.com/office/drawing/2014/main" val="3285621116"/>
                   </a:ext>
                 </a:extLst>
               </a:tr>
@@ -21164,7 +20611,7 @@
                 </a:tc>
                 <a:extLst>
                   <a:ext uri="{0D108BD9-81ED-4DB2-BD59-A6C34878D82A}">
-                    <a16:rowId xmlns:a16="http://schemas.microsoft.com/office/drawing/2014/main" xmlns="" val="2276685043"/>
+                    <a16:rowId xmlns="" xmlns:a16="http://schemas.microsoft.com/office/drawing/2014/main" val="2276685043"/>
                   </a:ext>
                 </a:extLst>
               </a:tr>
@@ -21232,7 +20679,7 @@
                 </a:tc>
                 <a:extLst>
                   <a:ext uri="{0D108BD9-81ED-4DB2-BD59-A6C34878D82A}">
-                    <a16:rowId xmlns:a16="http://schemas.microsoft.com/office/drawing/2014/main" xmlns="" val="282219940"/>
+                    <a16:rowId xmlns="" xmlns:a16="http://schemas.microsoft.com/office/drawing/2014/main" val="282219940"/>
                   </a:ext>
                 </a:extLst>
               </a:tr>
@@ -21300,7 +20747,7 @@
                 </a:tc>
                 <a:extLst>
                   <a:ext uri="{0D108BD9-81ED-4DB2-BD59-A6C34878D82A}">
-                    <a16:rowId xmlns:a16="http://schemas.microsoft.com/office/drawing/2014/main" xmlns="" val="2355857450"/>
+                    <a16:rowId xmlns="" xmlns:a16="http://schemas.microsoft.com/office/drawing/2014/main" val="2355857450"/>
                   </a:ext>
                 </a:extLst>
               </a:tr>
@@ -21383,7 +20830,7 @@
                 </a:tc>
                 <a:extLst>
                   <a:ext uri="{0D108BD9-81ED-4DB2-BD59-A6C34878D82A}">
-                    <a16:rowId xmlns:a16="http://schemas.microsoft.com/office/drawing/2014/main" xmlns="" val="1340312702"/>
+                    <a16:rowId xmlns="" xmlns:a16="http://schemas.microsoft.com/office/drawing/2014/main" val="1340312702"/>
                   </a:ext>
                 </a:extLst>
               </a:tr>
@@ -21520,7 +20967,7 @@
 </p:sld>
 </file>
 
-<file path=ppt/slides/slide37.xml><?xml version="1.0" encoding="utf-8"?>
+<file path=ppt/slides/slide36.xml><?xml version="1.0" encoding="utf-8"?>
 <p:sld xmlns:a="http://schemas.openxmlformats.org/drawingml/2006/main" xmlns:r="http://schemas.openxmlformats.org/officeDocument/2006/relationships" xmlns:p="http://schemas.openxmlformats.org/presentationml/2006/main">
   <p:cSld>
     <p:spTree>
@@ -21565,14 +21012,14 @@
                 <a:gridCol w="2017310">
                   <a:extLst>
                     <a:ext uri="{9D8B030D-6E8A-4147-A177-3AD203B41FA5}">
-                      <a16:colId xmlns:a16="http://schemas.microsoft.com/office/drawing/2014/main" xmlns="" val="2477141157"/>
+                      <a16:colId xmlns="" xmlns:a16="http://schemas.microsoft.com/office/drawing/2014/main" val="2477141157"/>
                     </a:ext>
                   </a:extLst>
                 </a:gridCol>
                 <a:gridCol w="7779564">
                   <a:extLst>
                     <a:ext uri="{9D8B030D-6E8A-4147-A177-3AD203B41FA5}">
-                      <a16:colId xmlns:a16="http://schemas.microsoft.com/office/drawing/2014/main" xmlns="" val="296153562"/>
+                      <a16:colId xmlns="" xmlns:a16="http://schemas.microsoft.com/office/drawing/2014/main" val="296153562"/>
                     </a:ext>
                   </a:extLst>
                 </a:gridCol>
@@ -21636,7 +21083,7 @@
                 </a:tc>
                 <a:extLst>
                   <a:ext uri="{0D108BD9-81ED-4DB2-BD59-A6C34878D82A}">
-                    <a16:rowId xmlns:a16="http://schemas.microsoft.com/office/drawing/2014/main" xmlns="" val="3285621116"/>
+                    <a16:rowId xmlns="" xmlns:a16="http://schemas.microsoft.com/office/drawing/2014/main" val="3285621116"/>
                   </a:ext>
                 </a:extLst>
               </a:tr>
@@ -21704,7 +21151,7 @@
                 </a:tc>
                 <a:extLst>
                   <a:ext uri="{0D108BD9-81ED-4DB2-BD59-A6C34878D82A}">
-                    <a16:rowId xmlns:a16="http://schemas.microsoft.com/office/drawing/2014/main" xmlns="" val="2276685043"/>
+                    <a16:rowId xmlns="" xmlns:a16="http://schemas.microsoft.com/office/drawing/2014/main" val="2276685043"/>
                   </a:ext>
                 </a:extLst>
               </a:tr>
@@ -21778,7 +21225,7 @@
                 </a:tc>
                 <a:extLst>
                   <a:ext uri="{0D108BD9-81ED-4DB2-BD59-A6C34878D82A}">
-                    <a16:rowId xmlns:a16="http://schemas.microsoft.com/office/drawing/2014/main" xmlns="" val="282219940"/>
+                    <a16:rowId xmlns="" xmlns:a16="http://schemas.microsoft.com/office/drawing/2014/main" val="282219940"/>
                   </a:ext>
                 </a:extLst>
               </a:tr>
@@ -22043,7 +21490,7 @@
 </p:sld>
 </file>
 
-<file path=ppt/slides/slide38.xml><?xml version="1.0" encoding="utf-8"?>
+<file path=ppt/slides/slide37.xml><?xml version="1.0" encoding="utf-8"?>
 <p:sld xmlns:a="http://schemas.openxmlformats.org/drawingml/2006/main" xmlns:r="http://schemas.openxmlformats.org/officeDocument/2006/relationships" xmlns:p="http://schemas.openxmlformats.org/presentationml/2006/main">
   <p:cSld>
     <p:spTree>
@@ -22196,7 +21643,7 @@
 </p:sld>
 </file>
 
-<file path=ppt/slides/slide39.xml><?xml version="1.0" encoding="utf-8"?>
+<file path=ppt/slides/slide38.xml><?xml version="1.0" encoding="utf-8"?>
 <p:sld xmlns:a="http://schemas.openxmlformats.org/drawingml/2006/main" xmlns:r="http://schemas.openxmlformats.org/officeDocument/2006/relationships" xmlns:p="http://schemas.openxmlformats.org/presentationml/2006/main">
   <p:cSld>
     <p:spTree>
